--- a/doc/中期/中期_msj.pptx
+++ b/doc/中期/中期_msj.pptx
@@ -5,16 +5,22 @@
     <p:sldMasterId id="2147483660" r:id="rId1"/>
   </p:sldMasterIdLst>
   <p:notesMasterIdLst>
-    <p:notesMasterId r:id="rId9"/>
+    <p:notesMasterId r:id="rId12"/>
   </p:notesMasterIdLst>
+  <p:handoutMasterIdLst>
+    <p:handoutMasterId r:id="rId13"/>
+  </p:handoutMasterIdLst>
   <p:sldIdLst>
     <p:sldId id="258" r:id="rId2"/>
     <p:sldId id="259" r:id="rId3"/>
     <p:sldId id="260" r:id="rId4"/>
-    <p:sldId id="261" r:id="rId5"/>
-    <p:sldId id="262" r:id="rId6"/>
-    <p:sldId id="264" r:id="rId7"/>
-    <p:sldId id="268" r:id="rId8"/>
+    <p:sldId id="270" r:id="rId5"/>
+    <p:sldId id="271" r:id="rId6"/>
+    <p:sldId id="272" r:id="rId7"/>
+    <p:sldId id="273" r:id="rId8"/>
+    <p:sldId id="262" r:id="rId9"/>
+    <p:sldId id="264" r:id="rId10"/>
+    <p:sldId id="268" r:id="rId11"/>
   </p:sldIdLst>
   <p:sldSz cx="12192000" cy="6858000"/>
   <p:notesSz cx="6858000" cy="9144000"/>
@@ -123,7 +129,7 @@
 
 <file path=ppt/commentAuthors.xml><?xml version="1.0" encoding="utf-8"?>
 <p:cmAuthorLst xmlns:a="http://schemas.openxmlformats.org/drawingml/2006/main" xmlns:r="http://schemas.openxmlformats.org/officeDocument/2006/relationships" xmlns:p="http://schemas.openxmlformats.org/presentationml/2006/main">
-  <p:cmAuthor id="1" name="meng enkidu" initials="me" lastIdx="4" clrIdx="0">
+  <p:cmAuthor id="1" name="meng enkidu" initials="me" lastIdx="14" clrIdx="0">
     <p:extLst>
       <p:ext uri="{19B8F6BF-5375-455C-9EA6-DF929625EA0E}">
         <p15:presenceInfo xmlns:p15="http://schemas.microsoft.com/office/powerpoint/2012/main" userId="9a7fc3d586c394e4" providerId="Windows Live"/>
@@ -133,18 +139,194 @@
 </p:cmAuthorLst>
 </file>
 
-<file path=ppt/comments/comment1.xml><?xml version="1.0" encoding="utf-8"?>
-<p:cmLst xmlns:a="http://schemas.openxmlformats.org/drawingml/2006/main" xmlns:r="http://schemas.openxmlformats.org/officeDocument/2006/relationships" xmlns:p="http://schemas.openxmlformats.org/presentationml/2006/main">
-  <p:cm authorId="1" dt="2023-04-05T18:00:55.731" idx="4">
-    <p:pos x="10" y="10"/>
-    <p:text>本页内容待修改</p:text>
+<file path=ppt/handoutMasters/handoutMaster1.xml><?xml version="1.0" encoding="utf-8"?>
+<p:handoutMaster xmlns:a="http://schemas.openxmlformats.org/drawingml/2006/main" xmlns:r="http://schemas.openxmlformats.org/officeDocument/2006/relationships" xmlns:p="http://schemas.openxmlformats.org/presentationml/2006/main">
+  <p:cSld>
+    <p:bg>
+      <p:bgRef idx="1001">
+        <a:schemeClr val="bg1"/>
+      </p:bgRef>
+    </p:bg>
+    <p:spTree>
+      <p:nvGrpSpPr>
+        <p:cNvPr id="1" name=""/>
+        <p:cNvGrpSpPr/>
+        <p:nvPr/>
+      </p:nvGrpSpPr>
+      <p:grpSpPr>
+        <a:xfrm>
+          <a:off x="0" y="0"/>
+          <a:ext cx="0" cy="0"/>
+          <a:chOff x="0" y="0"/>
+          <a:chExt cx="0" cy="0"/>
+        </a:xfrm>
+      </p:grpSpPr>
+      <p:sp>
+        <p:nvSpPr>
+          <p:cNvPr id="2" name="页眉占位符 1">
+            <a:extLst>
+              <a:ext uri="{FF2B5EF4-FFF2-40B4-BE49-F238E27FC236}">
+                <a16:creationId xmlns:a16="http://schemas.microsoft.com/office/drawing/2014/main" id="{C5153DC3-75A4-4231-3D83-62894A0639EA}"/>
+              </a:ext>
+            </a:extLst>
+          </p:cNvPr>
+          <p:cNvSpPr>
+            <a:spLocks noGrp="1"/>
+          </p:cNvSpPr>
+          <p:nvPr>
+            <p:ph type="hdr" sz="quarter"/>
+          </p:nvPr>
+        </p:nvSpPr>
+        <p:spPr>
+          <a:xfrm>
+            <a:off x="0" y="0"/>
+            <a:ext cx="2971800" cy="458788"/>
+          </a:xfrm>
+          <a:prstGeom prst="rect">
+            <a:avLst/>
+          </a:prstGeom>
+        </p:spPr>
+        <p:txBody>
+          <a:bodyPr vert="horz" lIns="91440" tIns="45720" rIns="91440" bIns="45720" rtlCol="0"/>
+          <a:lstStyle>
+            <a:lvl1pPr algn="l">
+              <a:defRPr sz="1200"/>
+            </a:lvl1pPr>
+          </a:lstStyle>
+          <a:p>
+            <a:endParaRPr lang="zh-CN" altLang="en-US"/>
+          </a:p>
+        </p:txBody>
+      </p:sp>
+      <p:sp>
+        <p:nvSpPr>
+          <p:cNvPr id="3" name="日期占位符 2">
+            <a:extLst>
+              <a:ext uri="{FF2B5EF4-FFF2-40B4-BE49-F238E27FC236}">
+                <a16:creationId xmlns:a16="http://schemas.microsoft.com/office/drawing/2014/main" id="{B8A283BF-6603-0FB5-40EB-E3EF1D4C492E}"/>
+              </a:ext>
+            </a:extLst>
+          </p:cNvPr>
+          <p:cNvSpPr>
+            <a:spLocks noGrp="1"/>
+          </p:cNvSpPr>
+          <p:nvPr>
+            <p:ph type="dt" sz="quarter" idx="1"/>
+          </p:nvPr>
+        </p:nvSpPr>
+        <p:spPr>
+          <a:xfrm>
+            <a:off x="3884613" y="0"/>
+            <a:ext cx="2971800" cy="458788"/>
+          </a:xfrm>
+          <a:prstGeom prst="rect">
+            <a:avLst/>
+          </a:prstGeom>
+        </p:spPr>
+        <p:txBody>
+          <a:bodyPr vert="horz" lIns="91440" tIns="45720" rIns="91440" bIns="45720" rtlCol="0"/>
+          <a:lstStyle>
+            <a:lvl1pPr algn="r">
+              <a:defRPr sz="1200"/>
+            </a:lvl1pPr>
+          </a:lstStyle>
+          <a:p>
+            <a:fld id="{88A6F14E-B0BF-43F9-8D32-67B08E5E48BE}" type="datetimeFigureOut">
+              <a:rPr lang="zh-CN" altLang="en-US" smtClean="0"/>
+              <a:t>2023/4/6</a:t>
+            </a:fld>
+            <a:endParaRPr lang="zh-CN" altLang="en-US"/>
+          </a:p>
+        </p:txBody>
+      </p:sp>
+      <p:sp>
+        <p:nvSpPr>
+          <p:cNvPr id="4" name="页脚占位符 3">
+            <a:extLst>
+              <a:ext uri="{FF2B5EF4-FFF2-40B4-BE49-F238E27FC236}">
+                <a16:creationId xmlns:a16="http://schemas.microsoft.com/office/drawing/2014/main" id="{A5D8E203-7D79-0631-1868-67AD53813D81}"/>
+              </a:ext>
+            </a:extLst>
+          </p:cNvPr>
+          <p:cNvSpPr>
+            <a:spLocks noGrp="1"/>
+          </p:cNvSpPr>
+          <p:nvPr>
+            <p:ph type="ftr" sz="quarter" idx="2"/>
+          </p:nvPr>
+        </p:nvSpPr>
+        <p:spPr>
+          <a:xfrm>
+            <a:off x="0" y="8685213"/>
+            <a:ext cx="2971800" cy="458787"/>
+          </a:xfrm>
+          <a:prstGeom prst="rect">
+            <a:avLst/>
+          </a:prstGeom>
+        </p:spPr>
+        <p:txBody>
+          <a:bodyPr vert="horz" lIns="91440" tIns="45720" rIns="91440" bIns="45720" rtlCol="0" anchor="b"/>
+          <a:lstStyle>
+            <a:lvl1pPr algn="l">
+              <a:defRPr sz="1200"/>
+            </a:lvl1pPr>
+          </a:lstStyle>
+          <a:p>
+            <a:endParaRPr lang="zh-CN" altLang="en-US"/>
+          </a:p>
+        </p:txBody>
+      </p:sp>
+      <p:sp>
+        <p:nvSpPr>
+          <p:cNvPr id="5" name="灯片编号占位符 4">
+            <a:extLst>
+              <a:ext uri="{FF2B5EF4-FFF2-40B4-BE49-F238E27FC236}">
+                <a16:creationId xmlns:a16="http://schemas.microsoft.com/office/drawing/2014/main" id="{C66899AD-F561-4974-AD38-B13490BB13F4}"/>
+              </a:ext>
+            </a:extLst>
+          </p:cNvPr>
+          <p:cNvSpPr>
+            <a:spLocks noGrp="1"/>
+          </p:cNvSpPr>
+          <p:nvPr>
+            <p:ph type="sldNum" sz="quarter" idx="3"/>
+          </p:nvPr>
+        </p:nvSpPr>
+        <p:spPr>
+          <a:xfrm>
+            <a:off x="3884613" y="8685213"/>
+            <a:ext cx="2971800" cy="458787"/>
+          </a:xfrm>
+          <a:prstGeom prst="rect">
+            <a:avLst/>
+          </a:prstGeom>
+        </p:spPr>
+        <p:txBody>
+          <a:bodyPr vert="horz" lIns="91440" tIns="45720" rIns="91440" bIns="45720" rtlCol="0" anchor="b"/>
+          <a:lstStyle>
+            <a:lvl1pPr algn="r">
+              <a:defRPr sz="1200"/>
+            </a:lvl1pPr>
+          </a:lstStyle>
+          <a:p>
+            <a:fld id="{3545610E-E9B5-44C4-AE80-405C52C61C14}" type="slidenum">
+              <a:rPr lang="zh-CN" altLang="en-US" smtClean="0"/>
+              <a:t>‹#›</a:t>
+            </a:fld>
+            <a:endParaRPr lang="zh-CN" altLang="en-US"/>
+          </a:p>
+        </p:txBody>
+      </p:sp>
+    </p:spTree>
     <p:extLst>
-      <p:ext uri="{C676402C-5697-4E1C-873F-D02D1690AC5C}">
-        <p15:threadingInfo xmlns:p15="http://schemas.microsoft.com/office/powerpoint/2012/main" timeZoneBias="-480"/>
+      <p:ext uri="{BB962C8B-B14F-4D97-AF65-F5344CB8AC3E}">
+        <p14:creationId xmlns:p14="http://schemas.microsoft.com/office/powerpoint/2010/main" val="1728695505"/>
       </p:ext>
     </p:extLst>
-  </p:cm>
-</p:cmLst>
+  </p:cSld>
+  <p:clrMap bg1="lt1" tx1="dk1" bg2="lt2" tx2="dk2" accent1="accent1" accent2="accent2" accent3="accent3" accent4="accent4" accent5="accent5" accent6="accent6" hlink="hlink" folHlink="folHlink"/>
+  <p:hf hdr="0" ftr="0" dt="0"/>
+</p:handoutMaster>
 </file>
 
 <file path=ppt/notesMasters/notesMaster1.xml><?xml version="1.0" encoding="utf-8"?>
@@ -229,7 +411,7 @@
           <a:p>
             <a:fld id="{66EF0C78-19D9-46FD-B99C-6242BF7357E3}" type="datetimeFigureOut">
               <a:rPr lang="zh-CN" altLang="en-US" smtClean="0"/>
-              <a:t>2023/4/5</a:t>
+              <a:t>2023/4/6</a:t>
             </a:fld>
             <a:endParaRPr lang="zh-CN" altLang="en-US"/>
           </a:p>
@@ -401,6 +583,7 @@
     </p:extLst>
   </p:cSld>
   <p:clrMap bg1="lt1" tx1="dk1" bg2="lt2" tx2="dk2" accent1="accent1" accent2="accent2" accent3="accent3" accent4="accent4" accent5="accent5" accent6="accent6" hlink="hlink" folHlink="folHlink"/>
+  <p:hf hdr="0" ftr="0" dt="0"/>
   <p:notesStyle>
     <a:lvl1pPr marL="0" algn="l" defTabSz="914400" rtl="0" eaLnBrk="1" latinLnBrk="0" hangingPunct="1">
       <a:defRPr sz="1200" kern="1200">
@@ -546,12 +729,18 @@
       </p:sp>
       <p:sp>
         <p:nvSpPr>
-          <p:cNvPr id="4" name="灯片编号占位符 3"/>
+          <p:cNvPr id="5" name="灯片编号占位符 4">
+            <a:extLst>
+              <a:ext uri="{FF2B5EF4-FFF2-40B4-BE49-F238E27FC236}">
+                <a16:creationId xmlns:a16="http://schemas.microsoft.com/office/drawing/2014/main" id="{52836D37-0768-F271-812E-7A104A470530}"/>
+              </a:ext>
+            </a:extLst>
+          </p:cNvPr>
           <p:cNvSpPr>
             <a:spLocks noGrp="1"/>
           </p:cNvSpPr>
           <p:nvPr>
-            <p:ph type="sldNum" sz="quarter" idx="10"/>
+            <p:ph type="sldNum" sz="quarter" idx="5"/>
           </p:nvPr>
         </p:nvSpPr>
         <p:spPr/>
@@ -559,71 +748,96 @@
           <a:bodyPr/>
           <a:lstStyle/>
           <a:p>
-            <a:pPr marL="0" marR="0" lvl="0" indent="0" algn="r" defTabSz="914400" rtl="0" eaLnBrk="1" fontAlgn="auto" latinLnBrk="0" hangingPunct="1">
-              <a:lnSpc>
-                <a:spcPct val="100000"/>
-              </a:lnSpc>
-              <a:spcBef>
-                <a:spcPts val="0"/>
-              </a:spcBef>
-              <a:spcAft>
-                <a:spcPts val="0"/>
-              </a:spcAft>
-              <a:buClrTx/>
-              <a:buSzTx/>
-              <a:buFontTx/>
-              <a:buNone/>
-              <a:tabLst/>
-              <a:defRPr/>
-            </a:pPr>
-            <a:fld id="{CD7A2CCA-E5D5-4859-8035-B358016F08F8}" type="slidenum">
-              <a:rPr kumimoji="0" lang="zh-CN" altLang="en-US" sz="1200" b="0" i="0" u="none" strike="noStrike" kern="1200" cap="none" spc="0" normalizeH="0" baseline="0" noProof="0" smtClean="0">
-                <a:ln>
-                  <a:noFill/>
-                </a:ln>
-                <a:solidFill>
-                  <a:prstClr val="black"/>
-                </a:solidFill>
-                <a:effectLst/>
-                <a:uLnTx/>
-                <a:uFillTx/>
-                <a:latin typeface="Calibri"/>
-                <a:ea typeface="宋体" panose="02010600030101010101" pitchFamily="2" charset="-122"/>
-                <a:cs typeface="+mn-cs"/>
-              </a:rPr>
-              <a:pPr marL="0" marR="0" lvl="0" indent="0" algn="r" defTabSz="914400" rtl="0" eaLnBrk="1" fontAlgn="auto" latinLnBrk="0" hangingPunct="1">
-                <a:lnSpc>
-                  <a:spcPct val="100000"/>
-                </a:lnSpc>
-                <a:spcBef>
-                  <a:spcPts val="0"/>
-                </a:spcBef>
-                <a:spcAft>
-                  <a:spcPts val="0"/>
-                </a:spcAft>
-                <a:buClrTx/>
-                <a:buSzTx/>
-                <a:buFontTx/>
-                <a:buNone/>
-                <a:tabLst/>
-                <a:defRPr/>
-              </a:pPr>
+            <a:fld id="{272676D6-A0B5-4B16-96BD-C4931D98DAB2}" type="slidenum">
+              <a:rPr lang="zh-CN" altLang="en-US" smtClean="0"/>
               <a:t>1</a:t>
             </a:fld>
-            <a:endParaRPr kumimoji="0" lang="zh-CN" altLang="en-US" sz="1200" b="0" i="0" u="none" strike="noStrike" kern="1200" cap="none" spc="0" normalizeH="0" baseline="0" noProof="0" dirty="0">
-              <a:ln>
-                <a:noFill/>
-              </a:ln>
-              <a:solidFill>
-                <a:prstClr val="black"/>
-              </a:solidFill>
-              <a:effectLst/>
-              <a:uLnTx/>
-              <a:uFillTx/>
-              <a:latin typeface="Calibri"/>
-              <a:ea typeface="宋体" panose="02010600030101010101" pitchFamily="2" charset="-122"/>
-              <a:cs typeface="+mn-cs"/>
-            </a:endParaRPr>
+            <a:endParaRPr lang="zh-CN" altLang="en-US"/>
+          </a:p>
+        </p:txBody>
+      </p:sp>
+    </p:spTree>
+  </p:cSld>
+  <p:clrMapOvr>
+    <a:masterClrMapping/>
+  </p:clrMapOvr>
+</p:notes>
+</file>
+
+<file path=ppt/notesSlides/notesSlide10.xml><?xml version="1.0" encoding="utf-8"?>
+<p:notes xmlns:a="http://schemas.openxmlformats.org/drawingml/2006/main" xmlns:r="http://schemas.openxmlformats.org/officeDocument/2006/relationships" xmlns:p="http://schemas.openxmlformats.org/presentationml/2006/main">
+  <p:cSld>
+    <p:spTree>
+      <p:nvGrpSpPr>
+        <p:cNvPr id="1" name=""/>
+        <p:cNvGrpSpPr/>
+        <p:nvPr/>
+      </p:nvGrpSpPr>
+      <p:grpSpPr>
+        <a:xfrm>
+          <a:off x="0" y="0"/>
+          <a:ext cx="0" cy="0"/>
+          <a:chOff x="0" y="0"/>
+          <a:chExt cx="0" cy="0"/>
+        </a:xfrm>
+      </p:grpSpPr>
+      <p:sp>
+        <p:nvSpPr>
+          <p:cNvPr id="2" name="幻灯片图像占位符 1"/>
+          <p:cNvSpPr>
+            <a:spLocks noGrp="1" noRot="1" noChangeAspect="1"/>
+          </p:cNvSpPr>
+          <p:nvPr>
+            <p:ph type="sldImg"/>
+          </p:nvPr>
+        </p:nvSpPr>
+        <p:spPr/>
+      </p:sp>
+      <p:sp>
+        <p:nvSpPr>
+          <p:cNvPr id="3" name="备注占位符 2"/>
+          <p:cNvSpPr>
+            <a:spLocks noGrp="1"/>
+          </p:cNvSpPr>
+          <p:nvPr>
+            <p:ph type="body" idx="1"/>
+          </p:nvPr>
+        </p:nvSpPr>
+        <p:spPr/>
+        <p:txBody>
+          <a:bodyPr/>
+          <a:lstStyle/>
+          <a:p>
+            <a:endParaRPr lang="zh-CN" altLang="en-US"/>
+          </a:p>
+        </p:txBody>
+      </p:sp>
+      <p:sp>
+        <p:nvSpPr>
+          <p:cNvPr id="5" name="灯片编号占位符 4">
+            <a:extLst>
+              <a:ext uri="{FF2B5EF4-FFF2-40B4-BE49-F238E27FC236}">
+                <a16:creationId xmlns:a16="http://schemas.microsoft.com/office/drawing/2014/main" id="{086C55F8-7542-C64A-DC99-2797B39CD750}"/>
+              </a:ext>
+            </a:extLst>
+          </p:cNvPr>
+          <p:cNvSpPr>
+            <a:spLocks noGrp="1"/>
+          </p:cNvSpPr>
+          <p:nvPr>
+            <p:ph type="sldNum" sz="quarter" idx="5"/>
+          </p:nvPr>
+        </p:nvSpPr>
+        <p:spPr/>
+        <p:txBody>
+          <a:bodyPr/>
+          <a:lstStyle/>
+          <a:p>
+            <a:fld id="{272676D6-A0B5-4B16-96BD-C4931D98DAB2}" type="slidenum">
+              <a:rPr lang="zh-CN" altLang="en-US" smtClean="0"/>
+              <a:t>10</a:t>
+            </a:fld>
+            <a:endParaRPr lang="zh-CN" altLang="en-US"/>
           </a:p>
         </p:txBody>
       </p:sp>
@@ -685,7 +899,13 @@
       </p:sp>
       <p:sp>
         <p:nvSpPr>
-          <p:cNvPr id="4" name="灯片编号占位符 3"/>
+          <p:cNvPr id="5" name="灯片编号占位符 4">
+            <a:extLst>
+              <a:ext uri="{FF2B5EF4-FFF2-40B4-BE49-F238E27FC236}">
+                <a16:creationId xmlns:a16="http://schemas.microsoft.com/office/drawing/2014/main" id="{705C1C54-0B81-DD2B-6385-565966B0BAAE}"/>
+              </a:ext>
+            </a:extLst>
+          </p:cNvPr>
           <p:cNvSpPr>
             <a:spLocks noGrp="1"/>
           </p:cNvSpPr>
@@ -698,71 +918,11 @@
           <a:bodyPr/>
           <a:lstStyle/>
           <a:p>
-            <a:pPr marL="0" marR="0" lvl="0" indent="0" algn="r" defTabSz="914400" rtl="0" eaLnBrk="1" fontAlgn="auto" latinLnBrk="0" hangingPunct="1">
-              <a:lnSpc>
-                <a:spcPct val="100000"/>
-              </a:lnSpc>
-              <a:spcBef>
-                <a:spcPts val="0"/>
-              </a:spcBef>
-              <a:spcAft>
-                <a:spcPts val="0"/>
-              </a:spcAft>
-              <a:buClrTx/>
-              <a:buSzTx/>
-              <a:buFontTx/>
-              <a:buNone/>
-              <a:tabLst/>
-              <a:defRPr/>
-            </a:pPr>
-            <a:fld id="{D18AA5F0-770B-410C-90B7-ECBA0CF9027F}" type="slidenum">
-              <a:rPr kumimoji="0" lang="zh-CN" altLang="en-US" sz="1200" b="0" i="0" u="none" strike="noStrike" kern="1200" cap="none" spc="0" normalizeH="0" baseline="0" noProof="0" smtClean="0">
-                <a:ln>
-                  <a:noFill/>
-                </a:ln>
-                <a:solidFill>
-                  <a:prstClr val="black"/>
-                </a:solidFill>
-                <a:effectLst/>
-                <a:uLnTx/>
-                <a:uFillTx/>
-                <a:latin typeface="Calibri"/>
-                <a:ea typeface="宋体" panose="02010600030101010101" pitchFamily="2" charset="-122"/>
-                <a:cs typeface="+mn-cs"/>
-              </a:rPr>
-              <a:pPr marL="0" marR="0" lvl="0" indent="0" algn="r" defTabSz="914400" rtl="0" eaLnBrk="1" fontAlgn="auto" latinLnBrk="0" hangingPunct="1">
-                <a:lnSpc>
-                  <a:spcPct val="100000"/>
-                </a:lnSpc>
-                <a:spcBef>
-                  <a:spcPts val="0"/>
-                </a:spcBef>
-                <a:spcAft>
-                  <a:spcPts val="0"/>
-                </a:spcAft>
-                <a:buClrTx/>
-                <a:buSzTx/>
-                <a:buFontTx/>
-                <a:buNone/>
-                <a:tabLst/>
-                <a:defRPr/>
-              </a:pPr>
+            <a:fld id="{272676D6-A0B5-4B16-96BD-C4931D98DAB2}" type="slidenum">
+              <a:rPr lang="zh-CN" altLang="en-US" smtClean="0"/>
               <a:t>2</a:t>
             </a:fld>
-            <a:endParaRPr kumimoji="0" lang="zh-CN" altLang="en-US" sz="1200" b="0" i="0" u="none" strike="noStrike" kern="1200" cap="none" spc="0" normalizeH="0" baseline="0" noProof="0">
-              <a:ln>
-                <a:noFill/>
-              </a:ln>
-              <a:solidFill>
-                <a:prstClr val="black"/>
-              </a:solidFill>
-              <a:effectLst/>
-              <a:uLnTx/>
-              <a:uFillTx/>
-              <a:latin typeface="Calibri"/>
-              <a:ea typeface="宋体" panose="02010600030101010101" pitchFamily="2" charset="-122"/>
-              <a:cs typeface="+mn-cs"/>
-            </a:endParaRPr>
+            <a:endParaRPr lang="zh-CN" altLang="en-US"/>
           </a:p>
         </p:txBody>
       </p:sp>
@@ -824,12 +984,18 @@
       </p:sp>
       <p:sp>
         <p:nvSpPr>
-          <p:cNvPr id="4" name="灯片编号占位符 3"/>
+          <p:cNvPr id="5" name="灯片编号占位符 4">
+            <a:extLst>
+              <a:ext uri="{FF2B5EF4-FFF2-40B4-BE49-F238E27FC236}">
+                <a16:creationId xmlns:a16="http://schemas.microsoft.com/office/drawing/2014/main" id="{DAA18AEE-0EF3-6485-EC41-E58F0274B85A}"/>
+              </a:ext>
+            </a:extLst>
+          </p:cNvPr>
           <p:cNvSpPr>
             <a:spLocks noGrp="1"/>
           </p:cNvSpPr>
           <p:nvPr>
-            <p:ph type="sldNum" sz="quarter" idx="10"/>
+            <p:ph type="sldNum" sz="quarter" idx="5"/>
           </p:nvPr>
         </p:nvSpPr>
         <p:spPr/>
@@ -837,71 +1003,11 @@
           <a:bodyPr/>
           <a:lstStyle/>
           <a:p>
-            <a:pPr marL="0" marR="0" lvl="0" indent="0" algn="r" defTabSz="914400" rtl="0" eaLnBrk="1" fontAlgn="auto" latinLnBrk="0" hangingPunct="1">
-              <a:lnSpc>
-                <a:spcPct val="100000"/>
-              </a:lnSpc>
-              <a:spcBef>
-                <a:spcPts val="0"/>
-              </a:spcBef>
-              <a:spcAft>
-                <a:spcPts val="0"/>
-              </a:spcAft>
-              <a:buClrTx/>
-              <a:buSzTx/>
-              <a:buFontTx/>
-              <a:buNone/>
-              <a:tabLst/>
-              <a:defRPr/>
-            </a:pPr>
-            <a:fld id="{CD7A2CCA-E5D5-4859-8035-B358016F08F8}" type="slidenum">
-              <a:rPr kumimoji="0" lang="zh-CN" altLang="en-US" sz="1200" b="0" i="0" u="none" strike="noStrike" kern="1200" cap="none" spc="0" normalizeH="0" baseline="0" noProof="0" smtClean="0">
-                <a:ln>
-                  <a:noFill/>
-                </a:ln>
-                <a:solidFill>
-                  <a:prstClr val="black"/>
-                </a:solidFill>
-                <a:effectLst/>
-                <a:uLnTx/>
-                <a:uFillTx/>
-                <a:latin typeface="Calibri"/>
-                <a:ea typeface="宋体" panose="02010600030101010101" pitchFamily="2" charset="-122"/>
-                <a:cs typeface="+mn-cs"/>
-              </a:rPr>
-              <a:pPr marL="0" marR="0" lvl="0" indent="0" algn="r" defTabSz="914400" rtl="0" eaLnBrk="1" fontAlgn="auto" latinLnBrk="0" hangingPunct="1">
-                <a:lnSpc>
-                  <a:spcPct val="100000"/>
-                </a:lnSpc>
-                <a:spcBef>
-                  <a:spcPts val="0"/>
-                </a:spcBef>
-                <a:spcAft>
-                  <a:spcPts val="0"/>
-                </a:spcAft>
-                <a:buClrTx/>
-                <a:buSzTx/>
-                <a:buFontTx/>
-                <a:buNone/>
-                <a:tabLst/>
-                <a:defRPr/>
-              </a:pPr>
+            <a:fld id="{272676D6-A0B5-4B16-96BD-C4931D98DAB2}" type="slidenum">
+              <a:rPr lang="zh-CN" altLang="en-US" smtClean="0"/>
               <a:t>3</a:t>
             </a:fld>
-            <a:endParaRPr kumimoji="0" lang="zh-CN" altLang="en-US" sz="1200" b="0" i="0" u="none" strike="noStrike" kern="1200" cap="none" spc="0" normalizeH="0" baseline="0" noProof="0" dirty="0">
-              <a:ln>
-                <a:noFill/>
-              </a:ln>
-              <a:solidFill>
-                <a:prstClr val="black"/>
-              </a:solidFill>
-              <a:effectLst/>
-              <a:uLnTx/>
-              <a:uFillTx/>
-              <a:latin typeface="Calibri"/>
-              <a:ea typeface="宋体" panose="02010600030101010101" pitchFamily="2" charset="-122"/>
-              <a:cs typeface="+mn-cs"/>
-            </a:endParaRPr>
+            <a:endParaRPr lang="zh-CN" altLang="en-US"/>
           </a:p>
         </p:txBody>
       </p:sp>
@@ -963,12 +1069,18 @@
       </p:sp>
       <p:sp>
         <p:nvSpPr>
-          <p:cNvPr id="4" name="灯片编号占位符 3"/>
+          <p:cNvPr id="5" name="灯片编号占位符 4">
+            <a:extLst>
+              <a:ext uri="{FF2B5EF4-FFF2-40B4-BE49-F238E27FC236}">
+                <a16:creationId xmlns:a16="http://schemas.microsoft.com/office/drawing/2014/main" id="{A4B7D88C-0FF6-F864-9E7B-683A31DBAFA9}"/>
+              </a:ext>
+            </a:extLst>
+          </p:cNvPr>
           <p:cNvSpPr>
             <a:spLocks noGrp="1"/>
           </p:cNvSpPr>
           <p:nvPr>
-            <p:ph type="sldNum" sz="quarter" idx="10"/>
+            <p:ph type="sldNum" sz="quarter" idx="5"/>
           </p:nvPr>
         </p:nvSpPr>
         <p:spPr/>
@@ -976,75 +1088,20 @@
           <a:bodyPr/>
           <a:lstStyle/>
           <a:p>
-            <a:pPr marL="0" marR="0" lvl="0" indent="0" algn="r" defTabSz="914400" rtl="0" eaLnBrk="1" fontAlgn="auto" latinLnBrk="0" hangingPunct="1">
-              <a:lnSpc>
-                <a:spcPct val="100000"/>
-              </a:lnSpc>
-              <a:spcBef>
-                <a:spcPts val="0"/>
-              </a:spcBef>
-              <a:spcAft>
-                <a:spcPts val="0"/>
-              </a:spcAft>
-              <a:buClrTx/>
-              <a:buSzTx/>
-              <a:buFontTx/>
-              <a:buNone/>
-              <a:tabLst/>
-              <a:defRPr/>
-            </a:pPr>
-            <a:fld id="{CD7A2CCA-E5D5-4859-8035-B358016F08F8}" type="slidenum">
-              <a:rPr kumimoji="0" lang="zh-CN" altLang="en-US" sz="1200" b="0" i="0" u="none" strike="noStrike" kern="1200" cap="none" spc="0" normalizeH="0" baseline="0" noProof="0" smtClean="0">
-                <a:ln>
-                  <a:noFill/>
-                </a:ln>
-                <a:solidFill>
-                  <a:prstClr val="black"/>
-                </a:solidFill>
-                <a:effectLst/>
-                <a:uLnTx/>
-                <a:uFillTx/>
-                <a:latin typeface="Calibri"/>
-                <a:ea typeface="宋体" panose="02010600030101010101" pitchFamily="2" charset="-122"/>
-                <a:cs typeface="+mn-cs"/>
-              </a:rPr>
-              <a:pPr marL="0" marR="0" lvl="0" indent="0" algn="r" defTabSz="914400" rtl="0" eaLnBrk="1" fontAlgn="auto" latinLnBrk="0" hangingPunct="1">
-                <a:lnSpc>
-                  <a:spcPct val="100000"/>
-                </a:lnSpc>
-                <a:spcBef>
-                  <a:spcPts val="0"/>
-                </a:spcBef>
-                <a:spcAft>
-                  <a:spcPts val="0"/>
-                </a:spcAft>
-                <a:buClrTx/>
-                <a:buSzTx/>
-                <a:buFontTx/>
-                <a:buNone/>
-                <a:tabLst/>
-                <a:defRPr/>
-              </a:pPr>
+            <a:fld id="{272676D6-A0B5-4B16-96BD-C4931D98DAB2}" type="slidenum">
+              <a:rPr lang="zh-CN" altLang="en-US" smtClean="0"/>
               <a:t>4</a:t>
             </a:fld>
-            <a:endParaRPr kumimoji="0" lang="zh-CN" altLang="en-US" sz="1200" b="0" i="0" u="none" strike="noStrike" kern="1200" cap="none" spc="0" normalizeH="0" baseline="0" noProof="0" dirty="0">
-              <a:ln>
-                <a:noFill/>
-              </a:ln>
-              <a:solidFill>
-                <a:prstClr val="black"/>
-              </a:solidFill>
-              <a:effectLst/>
-              <a:uLnTx/>
-              <a:uFillTx/>
-              <a:latin typeface="Calibri"/>
-              <a:ea typeface="宋体" panose="02010600030101010101" pitchFamily="2" charset="-122"/>
-              <a:cs typeface="+mn-cs"/>
-            </a:endParaRPr>
+            <a:endParaRPr lang="zh-CN" altLang="en-US"/>
           </a:p>
         </p:txBody>
       </p:sp>
     </p:spTree>
+    <p:extLst>
+      <p:ext uri="{BB962C8B-B14F-4D97-AF65-F5344CB8AC3E}">
+        <p14:creationId xmlns:p14="http://schemas.microsoft.com/office/powerpoint/2010/main" val="2878537506"/>
+      </p:ext>
+    </p:extLst>
   </p:cSld>
   <p:clrMapOvr>
     <a:masterClrMapping/>
@@ -1102,12 +1159,18 @@
       </p:sp>
       <p:sp>
         <p:nvSpPr>
-          <p:cNvPr id="4" name="灯片编号占位符 3"/>
+          <p:cNvPr id="5" name="灯片编号占位符 4">
+            <a:extLst>
+              <a:ext uri="{FF2B5EF4-FFF2-40B4-BE49-F238E27FC236}">
+                <a16:creationId xmlns:a16="http://schemas.microsoft.com/office/drawing/2014/main" id="{DD90BC0D-A041-337E-1290-27B900907B33}"/>
+              </a:ext>
+            </a:extLst>
+          </p:cNvPr>
           <p:cNvSpPr>
             <a:spLocks noGrp="1"/>
           </p:cNvSpPr>
           <p:nvPr>
-            <p:ph type="sldNum" sz="quarter" idx="10"/>
+            <p:ph type="sldNum" sz="quarter" idx="5"/>
           </p:nvPr>
         </p:nvSpPr>
         <p:spPr/>
@@ -1115,75 +1178,20 @@
           <a:bodyPr/>
           <a:lstStyle/>
           <a:p>
-            <a:pPr marL="0" marR="0" lvl="0" indent="0" algn="r" defTabSz="914400" rtl="0" eaLnBrk="1" fontAlgn="auto" latinLnBrk="0" hangingPunct="1">
-              <a:lnSpc>
-                <a:spcPct val="100000"/>
-              </a:lnSpc>
-              <a:spcBef>
-                <a:spcPts val="0"/>
-              </a:spcBef>
-              <a:spcAft>
-                <a:spcPts val="0"/>
-              </a:spcAft>
-              <a:buClrTx/>
-              <a:buSzTx/>
-              <a:buFontTx/>
-              <a:buNone/>
-              <a:tabLst/>
-              <a:defRPr/>
-            </a:pPr>
-            <a:fld id="{CD7A2CCA-E5D5-4859-8035-B358016F08F8}" type="slidenum">
-              <a:rPr kumimoji="0" lang="zh-CN" altLang="en-US" sz="1200" b="0" i="0" u="none" strike="noStrike" kern="1200" cap="none" spc="0" normalizeH="0" baseline="0" noProof="0" smtClean="0">
-                <a:ln>
-                  <a:noFill/>
-                </a:ln>
-                <a:solidFill>
-                  <a:prstClr val="black"/>
-                </a:solidFill>
-                <a:effectLst/>
-                <a:uLnTx/>
-                <a:uFillTx/>
-                <a:latin typeface="Calibri"/>
-                <a:ea typeface="宋体" panose="02010600030101010101" pitchFamily="2" charset="-122"/>
-                <a:cs typeface="+mn-cs"/>
-              </a:rPr>
-              <a:pPr marL="0" marR="0" lvl="0" indent="0" algn="r" defTabSz="914400" rtl="0" eaLnBrk="1" fontAlgn="auto" latinLnBrk="0" hangingPunct="1">
-                <a:lnSpc>
-                  <a:spcPct val="100000"/>
-                </a:lnSpc>
-                <a:spcBef>
-                  <a:spcPts val="0"/>
-                </a:spcBef>
-                <a:spcAft>
-                  <a:spcPts val="0"/>
-                </a:spcAft>
-                <a:buClrTx/>
-                <a:buSzTx/>
-                <a:buFontTx/>
-                <a:buNone/>
-                <a:tabLst/>
-                <a:defRPr/>
-              </a:pPr>
+            <a:fld id="{272676D6-A0B5-4B16-96BD-C4931D98DAB2}" type="slidenum">
+              <a:rPr lang="zh-CN" altLang="en-US" smtClean="0"/>
               <a:t>5</a:t>
             </a:fld>
-            <a:endParaRPr kumimoji="0" lang="zh-CN" altLang="en-US" sz="1200" b="0" i="0" u="none" strike="noStrike" kern="1200" cap="none" spc="0" normalizeH="0" baseline="0" noProof="0" dirty="0">
-              <a:ln>
-                <a:noFill/>
-              </a:ln>
-              <a:solidFill>
-                <a:prstClr val="black"/>
-              </a:solidFill>
-              <a:effectLst/>
-              <a:uLnTx/>
-              <a:uFillTx/>
-              <a:latin typeface="Calibri"/>
-              <a:ea typeface="宋体" panose="02010600030101010101" pitchFamily="2" charset="-122"/>
-              <a:cs typeface="+mn-cs"/>
-            </a:endParaRPr>
+            <a:endParaRPr lang="zh-CN" altLang="en-US"/>
           </a:p>
         </p:txBody>
       </p:sp>
     </p:spTree>
+    <p:extLst>
+      <p:ext uri="{BB962C8B-B14F-4D97-AF65-F5344CB8AC3E}">
+        <p14:creationId xmlns:p14="http://schemas.microsoft.com/office/powerpoint/2010/main" val="3690909567"/>
+      </p:ext>
+    </p:extLst>
   </p:cSld>
   <p:clrMapOvr>
     <a:masterClrMapping/>
@@ -1241,12 +1249,18 @@
       </p:sp>
       <p:sp>
         <p:nvSpPr>
-          <p:cNvPr id="4" name="灯片编号占位符 3"/>
+          <p:cNvPr id="5" name="灯片编号占位符 4">
+            <a:extLst>
+              <a:ext uri="{FF2B5EF4-FFF2-40B4-BE49-F238E27FC236}">
+                <a16:creationId xmlns:a16="http://schemas.microsoft.com/office/drawing/2014/main" id="{056A6743-CFCC-1F31-74DB-2964F8D9205D}"/>
+              </a:ext>
+            </a:extLst>
+          </p:cNvPr>
           <p:cNvSpPr>
             <a:spLocks noGrp="1"/>
           </p:cNvSpPr>
           <p:nvPr>
-            <p:ph type="sldNum" sz="quarter" idx="10"/>
+            <p:ph type="sldNum" sz="quarter" idx="5"/>
           </p:nvPr>
         </p:nvSpPr>
         <p:spPr/>
@@ -1254,78 +1268,18 @@
           <a:bodyPr/>
           <a:lstStyle/>
           <a:p>
-            <a:pPr marL="0" marR="0" lvl="0" indent="0" algn="r" defTabSz="914400" rtl="0" eaLnBrk="1" fontAlgn="auto" latinLnBrk="0" hangingPunct="1">
-              <a:lnSpc>
-                <a:spcPct val="100000"/>
-              </a:lnSpc>
-              <a:spcBef>
-                <a:spcPts val="0"/>
-              </a:spcBef>
-              <a:spcAft>
-                <a:spcPts val="0"/>
-              </a:spcAft>
-              <a:buClrTx/>
-              <a:buSzTx/>
-              <a:buFontTx/>
-              <a:buNone/>
-              <a:tabLst/>
-              <a:defRPr/>
-            </a:pPr>
-            <a:fld id="{CD7A2CCA-E5D5-4859-8035-B358016F08F8}" type="slidenum">
-              <a:rPr kumimoji="0" lang="zh-CN" altLang="en-US" sz="1200" b="0" i="0" u="none" strike="noStrike" kern="1200" cap="none" spc="0" normalizeH="0" baseline="0" noProof="0" smtClean="0">
-                <a:ln>
-                  <a:noFill/>
-                </a:ln>
-                <a:solidFill>
-                  <a:prstClr val="black"/>
-                </a:solidFill>
-                <a:effectLst/>
-                <a:uLnTx/>
-                <a:uFillTx/>
-                <a:latin typeface="Calibri"/>
-                <a:ea typeface="宋体" panose="02010600030101010101" pitchFamily="2" charset="-122"/>
-                <a:cs typeface="+mn-cs"/>
-              </a:rPr>
-              <a:pPr marL="0" marR="0" lvl="0" indent="0" algn="r" defTabSz="914400" rtl="0" eaLnBrk="1" fontAlgn="auto" latinLnBrk="0" hangingPunct="1">
-                <a:lnSpc>
-                  <a:spcPct val="100000"/>
-                </a:lnSpc>
-                <a:spcBef>
-                  <a:spcPts val="0"/>
-                </a:spcBef>
-                <a:spcAft>
-                  <a:spcPts val="0"/>
-                </a:spcAft>
-                <a:buClrTx/>
-                <a:buSzTx/>
-                <a:buFontTx/>
-                <a:buNone/>
-                <a:tabLst/>
-                <a:defRPr/>
-              </a:pPr>
+            <a:fld id="{272676D6-A0B5-4B16-96BD-C4931D98DAB2}" type="slidenum">
+              <a:rPr lang="zh-CN" altLang="en-US" smtClean="0"/>
               <a:t>6</a:t>
             </a:fld>
-            <a:endParaRPr kumimoji="0" lang="zh-CN" altLang="en-US" sz="1200" b="0" i="0" u="none" strike="noStrike" kern="1200" cap="none" spc="0" normalizeH="0" baseline="0" noProof="0" dirty="0">
-              <a:ln>
-                <a:noFill/>
-              </a:ln>
-              <a:solidFill>
-                <a:prstClr val="black"/>
-              </a:solidFill>
-              <a:effectLst/>
-              <a:uLnTx/>
-              <a:uFillTx/>
-              <a:latin typeface="Calibri"/>
-              <a:ea typeface="宋体" panose="02010600030101010101" pitchFamily="2" charset="-122"/>
-              <a:cs typeface="+mn-cs"/>
-            </a:endParaRPr>
+            <a:endParaRPr lang="zh-CN" altLang="en-US"/>
           </a:p>
         </p:txBody>
       </p:sp>
     </p:spTree>
     <p:extLst>
       <p:ext uri="{BB962C8B-B14F-4D97-AF65-F5344CB8AC3E}">
-        <p14:creationId xmlns:p14="http://schemas.microsoft.com/office/powerpoint/2010/main" val="2218771719"/>
+        <p14:creationId xmlns:p14="http://schemas.microsoft.com/office/powerpoint/2010/main" val="2931705688"/>
       </p:ext>
     </p:extLst>
   </p:cSld>
@@ -1385,12 +1339,18 @@
       </p:sp>
       <p:sp>
         <p:nvSpPr>
-          <p:cNvPr id="4" name="灯片编号占位符 3"/>
+          <p:cNvPr id="5" name="灯片编号占位符 4">
+            <a:extLst>
+              <a:ext uri="{FF2B5EF4-FFF2-40B4-BE49-F238E27FC236}">
+                <a16:creationId xmlns:a16="http://schemas.microsoft.com/office/drawing/2014/main" id="{B9147899-43AD-A7A1-5214-C6E9D7C8791D}"/>
+              </a:ext>
+            </a:extLst>
+          </p:cNvPr>
           <p:cNvSpPr>
             <a:spLocks noGrp="1"/>
           </p:cNvSpPr>
           <p:nvPr>
-            <p:ph type="sldNum" sz="quarter" idx="10"/>
+            <p:ph type="sldNum" sz="quarter" idx="5"/>
           </p:nvPr>
         </p:nvSpPr>
         <p:spPr/>
@@ -1398,75 +1358,195 @@
           <a:bodyPr/>
           <a:lstStyle/>
           <a:p>
-            <a:pPr marL="0" marR="0" lvl="0" indent="0" algn="r" defTabSz="914400" rtl="0" eaLnBrk="1" fontAlgn="auto" latinLnBrk="0" hangingPunct="1">
-              <a:lnSpc>
-                <a:spcPct val="100000"/>
-              </a:lnSpc>
-              <a:spcBef>
-                <a:spcPts val="0"/>
-              </a:spcBef>
-              <a:spcAft>
-                <a:spcPts val="0"/>
-              </a:spcAft>
-              <a:buClrTx/>
-              <a:buSzTx/>
-              <a:buFontTx/>
-              <a:buNone/>
-              <a:tabLst/>
-              <a:defRPr/>
-            </a:pPr>
-            <a:fld id="{CD7A2CCA-E5D5-4859-8035-B358016F08F8}" type="slidenum">
-              <a:rPr kumimoji="0" lang="zh-CN" altLang="en-US" sz="1200" b="0" i="0" u="none" strike="noStrike" kern="1200" cap="none" spc="0" normalizeH="0" baseline="0" noProof="0" smtClean="0">
-                <a:ln>
-                  <a:noFill/>
-                </a:ln>
-                <a:solidFill>
-                  <a:prstClr val="black"/>
-                </a:solidFill>
-                <a:effectLst/>
-                <a:uLnTx/>
-                <a:uFillTx/>
-                <a:latin typeface="Calibri"/>
-                <a:ea typeface="宋体" panose="02010600030101010101" pitchFamily="2" charset="-122"/>
-                <a:cs typeface="+mn-cs"/>
-              </a:rPr>
-              <a:pPr marL="0" marR="0" lvl="0" indent="0" algn="r" defTabSz="914400" rtl="0" eaLnBrk="1" fontAlgn="auto" latinLnBrk="0" hangingPunct="1">
-                <a:lnSpc>
-                  <a:spcPct val="100000"/>
-                </a:lnSpc>
-                <a:spcBef>
-                  <a:spcPts val="0"/>
-                </a:spcBef>
-                <a:spcAft>
-                  <a:spcPts val="0"/>
-                </a:spcAft>
-                <a:buClrTx/>
-                <a:buSzTx/>
-                <a:buFontTx/>
-                <a:buNone/>
-                <a:tabLst/>
-                <a:defRPr/>
-              </a:pPr>
+            <a:fld id="{272676D6-A0B5-4B16-96BD-C4931D98DAB2}" type="slidenum">
+              <a:rPr lang="zh-CN" altLang="en-US" smtClean="0"/>
               <a:t>7</a:t>
             </a:fld>
-            <a:endParaRPr kumimoji="0" lang="zh-CN" altLang="en-US" sz="1200" b="0" i="0" u="none" strike="noStrike" kern="1200" cap="none" spc="0" normalizeH="0" baseline="0" noProof="0" dirty="0">
-              <a:ln>
-                <a:noFill/>
-              </a:ln>
-              <a:solidFill>
-                <a:prstClr val="black"/>
-              </a:solidFill>
-              <a:effectLst/>
-              <a:uLnTx/>
-              <a:uFillTx/>
-              <a:latin typeface="Calibri"/>
-              <a:ea typeface="宋体" panose="02010600030101010101" pitchFamily="2" charset="-122"/>
-              <a:cs typeface="+mn-cs"/>
-            </a:endParaRPr>
+            <a:endParaRPr lang="zh-CN" altLang="en-US"/>
           </a:p>
         </p:txBody>
       </p:sp>
     </p:spTree>
+    <p:extLst>
+      <p:ext uri="{BB962C8B-B14F-4D97-AF65-F5344CB8AC3E}">
+        <p14:creationId xmlns:p14="http://schemas.microsoft.com/office/powerpoint/2010/main" val="3149066060"/>
+      </p:ext>
+    </p:extLst>
+  </p:cSld>
+  <p:clrMapOvr>
+    <a:masterClrMapping/>
+  </p:clrMapOvr>
+</p:notes>
+</file>
+
+<file path=ppt/notesSlides/notesSlide8.xml><?xml version="1.0" encoding="utf-8"?>
+<p:notes xmlns:a="http://schemas.openxmlformats.org/drawingml/2006/main" xmlns:r="http://schemas.openxmlformats.org/officeDocument/2006/relationships" xmlns:p="http://schemas.openxmlformats.org/presentationml/2006/main">
+  <p:cSld>
+    <p:spTree>
+      <p:nvGrpSpPr>
+        <p:cNvPr id="1" name=""/>
+        <p:cNvGrpSpPr/>
+        <p:nvPr/>
+      </p:nvGrpSpPr>
+      <p:grpSpPr>
+        <a:xfrm>
+          <a:off x="0" y="0"/>
+          <a:ext cx="0" cy="0"/>
+          <a:chOff x="0" y="0"/>
+          <a:chExt cx="0" cy="0"/>
+        </a:xfrm>
+      </p:grpSpPr>
+      <p:sp>
+        <p:nvSpPr>
+          <p:cNvPr id="2" name="幻灯片图像占位符 1"/>
+          <p:cNvSpPr>
+            <a:spLocks noGrp="1" noRot="1" noChangeAspect="1"/>
+          </p:cNvSpPr>
+          <p:nvPr>
+            <p:ph type="sldImg"/>
+          </p:nvPr>
+        </p:nvSpPr>
+        <p:spPr/>
+      </p:sp>
+      <p:sp>
+        <p:nvSpPr>
+          <p:cNvPr id="3" name="备注占位符 2"/>
+          <p:cNvSpPr>
+            <a:spLocks noGrp="1"/>
+          </p:cNvSpPr>
+          <p:nvPr>
+            <p:ph type="body" idx="1"/>
+          </p:nvPr>
+        </p:nvSpPr>
+        <p:spPr/>
+        <p:txBody>
+          <a:bodyPr/>
+          <a:lstStyle/>
+          <a:p>
+            <a:endParaRPr lang="zh-CN" altLang="en-US"/>
+          </a:p>
+        </p:txBody>
+      </p:sp>
+      <p:sp>
+        <p:nvSpPr>
+          <p:cNvPr id="5" name="灯片编号占位符 4">
+            <a:extLst>
+              <a:ext uri="{FF2B5EF4-FFF2-40B4-BE49-F238E27FC236}">
+                <a16:creationId xmlns:a16="http://schemas.microsoft.com/office/drawing/2014/main" id="{3CF387C9-C8E7-BD6A-8B8C-D0934F38888E}"/>
+              </a:ext>
+            </a:extLst>
+          </p:cNvPr>
+          <p:cNvSpPr>
+            <a:spLocks noGrp="1"/>
+          </p:cNvSpPr>
+          <p:nvPr>
+            <p:ph type="sldNum" sz="quarter" idx="5"/>
+          </p:nvPr>
+        </p:nvSpPr>
+        <p:spPr/>
+        <p:txBody>
+          <a:bodyPr/>
+          <a:lstStyle/>
+          <a:p>
+            <a:fld id="{272676D6-A0B5-4B16-96BD-C4931D98DAB2}" type="slidenum">
+              <a:rPr lang="zh-CN" altLang="en-US" smtClean="0"/>
+              <a:t>8</a:t>
+            </a:fld>
+            <a:endParaRPr lang="zh-CN" altLang="en-US"/>
+          </a:p>
+        </p:txBody>
+      </p:sp>
+    </p:spTree>
+  </p:cSld>
+  <p:clrMapOvr>
+    <a:masterClrMapping/>
+  </p:clrMapOvr>
+</p:notes>
+</file>
+
+<file path=ppt/notesSlides/notesSlide9.xml><?xml version="1.0" encoding="utf-8"?>
+<p:notes xmlns:a="http://schemas.openxmlformats.org/drawingml/2006/main" xmlns:r="http://schemas.openxmlformats.org/officeDocument/2006/relationships" xmlns:p="http://schemas.openxmlformats.org/presentationml/2006/main">
+  <p:cSld>
+    <p:spTree>
+      <p:nvGrpSpPr>
+        <p:cNvPr id="1" name=""/>
+        <p:cNvGrpSpPr/>
+        <p:nvPr/>
+      </p:nvGrpSpPr>
+      <p:grpSpPr>
+        <a:xfrm>
+          <a:off x="0" y="0"/>
+          <a:ext cx="0" cy="0"/>
+          <a:chOff x="0" y="0"/>
+          <a:chExt cx="0" cy="0"/>
+        </a:xfrm>
+      </p:grpSpPr>
+      <p:sp>
+        <p:nvSpPr>
+          <p:cNvPr id="2" name="幻灯片图像占位符 1"/>
+          <p:cNvSpPr>
+            <a:spLocks noGrp="1" noRot="1" noChangeAspect="1"/>
+          </p:cNvSpPr>
+          <p:nvPr>
+            <p:ph type="sldImg"/>
+          </p:nvPr>
+        </p:nvSpPr>
+        <p:spPr/>
+      </p:sp>
+      <p:sp>
+        <p:nvSpPr>
+          <p:cNvPr id="3" name="备注占位符 2"/>
+          <p:cNvSpPr>
+            <a:spLocks noGrp="1"/>
+          </p:cNvSpPr>
+          <p:nvPr>
+            <p:ph type="body" idx="1"/>
+          </p:nvPr>
+        </p:nvSpPr>
+        <p:spPr/>
+        <p:txBody>
+          <a:bodyPr/>
+          <a:lstStyle/>
+          <a:p>
+            <a:endParaRPr lang="zh-CN" altLang="en-US"/>
+          </a:p>
+        </p:txBody>
+      </p:sp>
+      <p:sp>
+        <p:nvSpPr>
+          <p:cNvPr id="5" name="灯片编号占位符 4">
+            <a:extLst>
+              <a:ext uri="{FF2B5EF4-FFF2-40B4-BE49-F238E27FC236}">
+                <a16:creationId xmlns:a16="http://schemas.microsoft.com/office/drawing/2014/main" id="{D5D9EAC1-23AC-360A-A94D-E3CD158E2E11}"/>
+              </a:ext>
+            </a:extLst>
+          </p:cNvPr>
+          <p:cNvSpPr>
+            <a:spLocks noGrp="1"/>
+          </p:cNvSpPr>
+          <p:nvPr>
+            <p:ph type="sldNum" sz="quarter" idx="5"/>
+          </p:nvPr>
+        </p:nvSpPr>
+        <p:spPr/>
+        <p:txBody>
+          <a:bodyPr/>
+          <a:lstStyle/>
+          <a:p>
+            <a:fld id="{272676D6-A0B5-4B16-96BD-C4931D98DAB2}" type="slidenum">
+              <a:rPr lang="zh-CN" altLang="en-US" smtClean="0"/>
+              <a:t>9</a:t>
+            </a:fld>
+            <a:endParaRPr lang="zh-CN" altLang="en-US"/>
+          </a:p>
+        </p:txBody>
+      </p:sp>
+    </p:spTree>
+    <p:extLst>
+      <p:ext uri="{BB962C8B-B14F-4D97-AF65-F5344CB8AC3E}">
+        <p14:creationId xmlns:p14="http://schemas.microsoft.com/office/powerpoint/2010/main" val="2218771719"/>
+      </p:ext>
+    </p:extLst>
   </p:cSld>
   <p:clrMapOvr>
     <a:masterClrMapping/>
@@ -30301,7 +30381,7 @@
                 <a:ea typeface="微软雅黑" panose="020B0503020204020204" charset="-122"/>
                 <a:cs typeface="+mn-cs"/>
               </a:rPr>
-              <a:t>2023/4/5</a:t>
+              <a:t>2023/4/6</a:t>
             </a:fld>
             <a:endParaRPr kumimoji="0" lang="zh-CN" altLang="en-US" sz="1200" b="0" i="0" u="none" strike="noStrike" kern="1200" cap="none" spc="0" normalizeH="0" baseline="0" noProof="0">
               <a:ln>
@@ -31031,9 +31111,282 @@
             </a:r>
             <a:fld id="{D59A35C6-7D58-4C95-A60A-B688BEF8C3D6}" type="datetime1">
               <a:rPr lang="zh-CN" altLang="en-US" smtClean="0"/>
-              <a:t>2023/4/5</a:t>
+              <a:t>2023/4/6</a:t>
             </a:fld>
             <a:endParaRPr lang="zh-CN" altLang="en-US" dirty="0"/>
+          </a:p>
+        </p:txBody>
+      </p:sp>
+    </p:spTree>
+  </p:cSld>
+  <p:clrMapOvr>
+    <a:masterClrMapping/>
+  </p:clrMapOvr>
+  <p:transition spd="med">
+    <p:pull/>
+  </p:transition>
+</p:sld>
+</file>
+
+<file path=ppt/slides/slide10.xml><?xml version="1.0" encoding="utf-8"?>
+<p:sld xmlns:a="http://schemas.openxmlformats.org/drawingml/2006/main" xmlns:r="http://schemas.openxmlformats.org/officeDocument/2006/relationships" xmlns:p="http://schemas.openxmlformats.org/presentationml/2006/main">
+  <p:cSld>
+    <p:spTree>
+      <p:nvGrpSpPr>
+        <p:cNvPr id="1" name=""/>
+        <p:cNvGrpSpPr/>
+        <p:nvPr/>
+      </p:nvGrpSpPr>
+      <p:grpSpPr>
+        <a:xfrm>
+          <a:off x="0" y="0"/>
+          <a:ext cx="0" cy="0"/>
+          <a:chOff x="0" y="0"/>
+          <a:chExt cx="0" cy="0"/>
+        </a:xfrm>
+      </p:grpSpPr>
+      <p:sp>
+        <p:nvSpPr>
+          <p:cNvPr id="11" name="文本框 10"/>
+          <p:cNvSpPr txBox="1"/>
+          <p:nvPr/>
+        </p:nvSpPr>
+        <p:spPr>
+          <a:xfrm>
+            <a:off x="1833795" y="2336758"/>
+            <a:ext cx="8524408" cy="1446550"/>
+          </a:xfrm>
+          <a:prstGeom prst="rect">
+            <a:avLst/>
+          </a:prstGeom>
+          <a:noFill/>
+        </p:spPr>
+        <p:txBody>
+          <a:bodyPr wrap="square" rtlCol="0">
+            <a:spAutoFit/>
+          </a:bodyPr>
+          <a:lstStyle/>
+          <a:p>
+            <a:pPr marL="0" marR="0" lvl="0" indent="0" algn="ctr" defTabSz="914400" rtl="0" eaLnBrk="1" fontAlgn="auto" latinLnBrk="0" hangingPunct="1">
+              <a:lnSpc>
+                <a:spcPct val="100000"/>
+              </a:lnSpc>
+              <a:spcBef>
+                <a:spcPts val="0"/>
+              </a:spcBef>
+              <a:spcAft>
+                <a:spcPts val="0"/>
+              </a:spcAft>
+              <a:buClrTx/>
+              <a:buSzTx/>
+              <a:buFontTx/>
+              <a:buNone/>
+              <a:tabLst/>
+              <a:defRPr/>
+            </a:pPr>
+            <a:r>
+              <a:rPr kumimoji="0" lang="zh-CN" altLang="en-US" sz="4400" b="0" i="0" u="none" strike="noStrike" kern="1200" cap="none" spc="0" normalizeH="0" baseline="0" noProof="0" dirty="0">
+                <a:ln>
+                  <a:noFill/>
+                </a:ln>
+                <a:solidFill>
+                  <a:prstClr val="white"/>
+                </a:solidFill>
+                <a:effectLst/>
+                <a:uLnTx/>
+                <a:uFillTx/>
+                <a:latin typeface="微软雅黑"/>
+                <a:ea typeface="微软雅黑"/>
+                <a:cs typeface="+mn-cs"/>
+              </a:rPr>
+              <a:t>谢谢观看</a:t>
+            </a:r>
+            <a:endParaRPr kumimoji="0" lang="en-US" altLang="zh-CN" sz="4400" b="0" i="0" u="none" strike="noStrike" kern="1200" cap="none" spc="0" normalizeH="0" baseline="0" noProof="0" dirty="0">
+              <a:ln>
+                <a:noFill/>
+              </a:ln>
+              <a:solidFill>
+                <a:prstClr val="white"/>
+              </a:solidFill>
+              <a:effectLst/>
+              <a:uLnTx/>
+              <a:uFillTx/>
+              <a:latin typeface="微软雅黑"/>
+              <a:ea typeface="微软雅黑"/>
+              <a:cs typeface="+mn-cs"/>
+            </a:endParaRPr>
+          </a:p>
+          <a:p>
+            <a:pPr marL="0" marR="0" lvl="0" indent="0" algn="ctr" defTabSz="914400" rtl="0" eaLnBrk="1" fontAlgn="auto" latinLnBrk="0" hangingPunct="1">
+              <a:lnSpc>
+                <a:spcPct val="100000"/>
+              </a:lnSpc>
+              <a:spcBef>
+                <a:spcPts val="0"/>
+              </a:spcBef>
+              <a:spcAft>
+                <a:spcPts val="0"/>
+              </a:spcAft>
+              <a:buClrTx/>
+              <a:buSzTx/>
+              <a:buFontTx/>
+              <a:buNone/>
+              <a:tabLst/>
+              <a:defRPr/>
+            </a:pPr>
+            <a:r>
+              <a:rPr kumimoji="0" lang="zh-CN" altLang="en-US" sz="4400" b="0" i="0" u="none" strike="noStrike" kern="1200" cap="none" spc="0" normalizeH="0" baseline="0" noProof="0" dirty="0">
+                <a:ln>
+                  <a:noFill/>
+                </a:ln>
+                <a:solidFill>
+                  <a:prstClr val="white"/>
+                </a:solidFill>
+                <a:effectLst/>
+                <a:uLnTx/>
+                <a:uFillTx/>
+                <a:latin typeface="微软雅黑"/>
+                <a:ea typeface="微软雅黑"/>
+                <a:cs typeface="+mn-cs"/>
+              </a:rPr>
+              <a:t>敬请各位老师批评指正</a:t>
+            </a:r>
+          </a:p>
+        </p:txBody>
+      </p:sp>
+      <p:sp>
+        <p:nvSpPr>
+          <p:cNvPr id="16" name="文本框 15"/>
+          <p:cNvSpPr txBox="1"/>
+          <p:nvPr/>
+        </p:nvSpPr>
+        <p:spPr>
+          <a:xfrm>
+            <a:off x="5052591" y="4089237"/>
+            <a:ext cx="2100625" cy="570865"/>
+          </a:xfrm>
+          <a:prstGeom prst="rect">
+            <a:avLst/>
+          </a:prstGeom>
+          <a:noFill/>
+        </p:spPr>
+        <p:txBody>
+          <a:bodyPr wrap="square" rtlCol="0">
+            <a:spAutoFit/>
+          </a:bodyPr>
+          <a:lstStyle/>
+          <a:p>
+            <a:pPr marL="0" marR="0" lvl="0" indent="0" algn="ctr" defTabSz="914400" rtl="0" eaLnBrk="1" fontAlgn="auto" latinLnBrk="0" hangingPunct="1">
+              <a:lnSpc>
+                <a:spcPct val="130000"/>
+              </a:lnSpc>
+              <a:spcBef>
+                <a:spcPts val="0"/>
+              </a:spcBef>
+              <a:spcAft>
+                <a:spcPts val="0"/>
+              </a:spcAft>
+              <a:buClrTx/>
+              <a:buSzTx/>
+              <a:buFontTx/>
+              <a:buNone/>
+              <a:tabLst/>
+              <a:defRPr/>
+            </a:pPr>
+            <a:r>
+              <a:rPr lang="zh-CN" altLang="en-US" sz="1200" spc="100" dirty="0">
+                <a:solidFill>
+                  <a:prstClr val="white"/>
+                </a:solidFill>
+                <a:latin typeface="微软雅黑"/>
+                <a:ea typeface="微软雅黑"/>
+                <a:cs typeface="+mn-ea"/>
+                <a:sym typeface="+mn-lt"/>
+              </a:rPr>
+              <a:t>报告</a:t>
+            </a:r>
+            <a:r>
+              <a:rPr kumimoji="0" lang="zh-CN" altLang="en-US" sz="1200" b="0" i="0" u="none" strike="noStrike" kern="1200" cap="none" spc="100" normalizeH="0" baseline="0" noProof="0" dirty="0">
+                <a:ln>
+                  <a:noFill/>
+                </a:ln>
+                <a:solidFill>
+                  <a:prstClr val="white"/>
+                </a:solidFill>
+                <a:effectLst/>
+                <a:uLnTx/>
+                <a:uFillTx/>
+                <a:latin typeface="微软雅黑"/>
+                <a:ea typeface="微软雅黑"/>
+                <a:cs typeface="+mn-ea"/>
+                <a:sym typeface="+mn-lt"/>
+              </a:rPr>
+              <a:t>人：</a:t>
+            </a:r>
+            <a:r>
+              <a:rPr lang="zh-CN" altLang="en-US" sz="1200" spc="100" dirty="0">
+                <a:solidFill>
+                  <a:prstClr val="white"/>
+                </a:solidFill>
+                <a:latin typeface="微软雅黑"/>
+                <a:ea typeface="微软雅黑"/>
+                <a:cs typeface="+mn-ea"/>
+                <a:sym typeface="+mn-lt"/>
+              </a:rPr>
+              <a:t>蒙思洁</a:t>
+            </a:r>
+            <a:endParaRPr kumimoji="0" lang="en-US" altLang="zh-CN" sz="1200" b="0" i="0" u="none" strike="noStrike" kern="1200" cap="none" spc="100" normalizeH="0" baseline="0" noProof="0" dirty="0">
+              <a:ln>
+                <a:noFill/>
+              </a:ln>
+              <a:solidFill>
+                <a:prstClr val="white"/>
+              </a:solidFill>
+              <a:effectLst/>
+              <a:uLnTx/>
+              <a:uFillTx/>
+              <a:latin typeface="微软雅黑"/>
+              <a:ea typeface="微软雅黑"/>
+              <a:cs typeface="+mn-ea"/>
+              <a:sym typeface="+mn-lt"/>
+            </a:endParaRPr>
+          </a:p>
+          <a:p>
+            <a:pPr marL="0" marR="0" lvl="0" indent="0" algn="ctr" defTabSz="914400" rtl="0" eaLnBrk="1" fontAlgn="auto" latinLnBrk="0" hangingPunct="1">
+              <a:lnSpc>
+                <a:spcPct val="130000"/>
+              </a:lnSpc>
+              <a:spcBef>
+                <a:spcPts val="0"/>
+              </a:spcBef>
+              <a:spcAft>
+                <a:spcPts val="0"/>
+              </a:spcAft>
+              <a:buClrTx/>
+              <a:buSzTx/>
+              <a:buFontTx/>
+              <a:buNone/>
+              <a:tabLst/>
+              <a:defRPr/>
+            </a:pPr>
+            <a:r>
+              <a:rPr kumimoji="0" lang="zh-CN" altLang="en-US" sz="1200" b="0" i="0" u="none" strike="noStrike" kern="1200" cap="none" spc="100" normalizeH="0" baseline="0" noProof="0" dirty="0">
+                <a:ln>
+                  <a:noFill/>
+                </a:ln>
+                <a:solidFill>
+                  <a:prstClr val="white"/>
+                </a:solidFill>
+                <a:effectLst/>
+                <a:uLnTx/>
+                <a:uFillTx/>
+                <a:latin typeface="微软雅黑"/>
+                <a:ea typeface="微软雅黑"/>
+                <a:cs typeface="+mn-ea"/>
+                <a:sym typeface="+mn-lt"/>
+              </a:rPr>
+              <a:t>导　师：陆慧梅</a:t>
+            </a:r>
           </a:p>
         </p:txBody>
       </p:sp>
@@ -31073,7 +31426,7 @@
         </p:nvGrpSpPr>
         <p:grpSpPr>
           <a:xfrm>
-            <a:off x="5271139" y="1028700"/>
+            <a:off x="5020882" y="1943100"/>
             <a:ext cx="1774845" cy="960541"/>
             <a:chOff x="5576876" y="540040"/>
             <a:chExt cx="1774845" cy="960541"/>
@@ -31240,7 +31593,7 @@
         </p:nvGrpSpPr>
         <p:grpSpPr>
           <a:xfrm>
-            <a:off x="8398684" y="1028700"/>
+            <a:off x="8148427" y="1943100"/>
             <a:ext cx="1774845" cy="960541"/>
             <a:chOff x="8704421" y="540040"/>
             <a:chExt cx="1774845" cy="960541"/>
@@ -31407,7 +31760,7 @@
         </p:nvGrpSpPr>
         <p:grpSpPr>
           <a:xfrm>
-            <a:off x="5271139" y="2719407"/>
+            <a:off x="5020882" y="3633807"/>
             <a:ext cx="2172390" cy="929999"/>
             <a:chOff x="5576876" y="2230747"/>
             <a:chExt cx="2172390" cy="929999"/>
@@ -31574,7 +31927,7 @@
         </p:nvGrpSpPr>
         <p:grpSpPr>
           <a:xfrm>
-            <a:off x="8398684" y="2719407"/>
+            <a:off x="8148427" y="3633807"/>
             <a:ext cx="1774845" cy="929999"/>
             <a:chOff x="8704421" y="2230747"/>
             <a:chExt cx="1774845" cy="929999"/>
@@ -32136,6 +32489,302 @@
           </p:txBody>
         </p:sp>
       </p:grpSp>
+      <p:sp>
+        <p:nvSpPr>
+          <p:cNvPr id="4" name="文本框 3">
+            <a:extLst>
+              <a:ext uri="{FF2B5EF4-FFF2-40B4-BE49-F238E27FC236}">
+                <a16:creationId xmlns:a16="http://schemas.microsoft.com/office/drawing/2014/main" id="{51FA5996-A52D-5B2B-F400-DC1C70E977DD}"/>
+              </a:ext>
+            </a:extLst>
+          </p:cNvPr>
+          <p:cNvSpPr txBox="1"/>
+          <p:nvPr/>
+        </p:nvSpPr>
+        <p:spPr>
+          <a:xfrm>
+            <a:off x="6007760" y="3734184"/>
+            <a:ext cx="1339200" cy="307777"/>
+          </a:xfrm>
+          <a:prstGeom prst="rect">
+            <a:avLst/>
+          </a:prstGeom>
+          <a:noFill/>
+        </p:spPr>
+        <p:txBody>
+          <a:bodyPr wrap="square" rtlCol="0">
+            <a:spAutoFit/>
+          </a:bodyPr>
+          <a:lstStyle/>
+          <a:p>
+            <a:r>
+              <a:rPr lang="zh-CN" altLang="en-US" sz="1400" dirty="0">
+                <a:hlinkClick r:id="rId3" action="ppaction://hlinksldjump"/>
+              </a:rPr>
+              <a:t>第</a:t>
+            </a:r>
+            <a:r>
+              <a:rPr lang="en-US" altLang="zh-CN" sz="1400" dirty="0">
+                <a:hlinkClick r:id="rId3" action="ppaction://hlinksldjump"/>
+              </a:rPr>
+              <a:t>8</a:t>
+            </a:r>
+            <a:r>
+              <a:rPr lang="zh-CN" altLang="en-US" sz="1400" dirty="0">
+                <a:hlinkClick r:id="rId3" action="ppaction://hlinksldjump"/>
+              </a:rPr>
+              <a:t>页</a:t>
+            </a:r>
+            <a:r>
+              <a:rPr lang="en-US" altLang="zh-CN" sz="1400" dirty="0">
+                <a:hlinkClick r:id="rId3" action="ppaction://hlinksldjump"/>
+              </a:rPr>
+              <a:t>/</a:t>
+            </a:r>
+            <a:r>
+              <a:rPr lang="zh-CN" altLang="en-US" sz="1400" dirty="0">
+                <a:hlinkClick r:id="rId3" action="ppaction://hlinksldjump"/>
+              </a:rPr>
+              <a:t>共</a:t>
+            </a:r>
+            <a:r>
+              <a:rPr lang="en-US" altLang="zh-CN" sz="1400" dirty="0">
+                <a:hlinkClick r:id="rId3" action="ppaction://hlinksldjump"/>
+              </a:rPr>
+              <a:t>10</a:t>
+            </a:r>
+            <a:r>
+              <a:rPr lang="zh-CN" altLang="en-US" sz="1400" dirty="0">
+                <a:hlinkClick r:id="rId3" action="ppaction://hlinksldjump"/>
+              </a:rPr>
+              <a:t>页</a:t>
+            </a:r>
+            <a:endParaRPr lang="zh-CN" altLang="en-US" sz="1400" dirty="0"/>
+          </a:p>
+        </p:txBody>
+      </p:sp>
+      <p:sp>
+        <p:nvSpPr>
+          <p:cNvPr id="6" name="文本框 5">
+            <a:extLst>
+              <a:ext uri="{FF2B5EF4-FFF2-40B4-BE49-F238E27FC236}">
+                <a16:creationId xmlns:a16="http://schemas.microsoft.com/office/drawing/2014/main" id="{87926068-4049-0E1B-F3DB-B30A92E54B06}"/>
+              </a:ext>
+            </a:extLst>
+          </p:cNvPr>
+          <p:cNvSpPr txBox="1"/>
+          <p:nvPr/>
+        </p:nvSpPr>
+        <p:spPr>
+          <a:xfrm>
+            <a:off x="9133844" y="2072643"/>
+            <a:ext cx="1578855" cy="307777"/>
+          </a:xfrm>
+          <a:prstGeom prst="rect">
+            <a:avLst/>
+          </a:prstGeom>
+          <a:noFill/>
+        </p:spPr>
+        <p:txBody>
+          <a:bodyPr wrap="square" rtlCol="0">
+            <a:spAutoFit/>
+          </a:bodyPr>
+          <a:lstStyle/>
+          <a:p>
+            <a:r>
+              <a:rPr lang="zh-CN" altLang="en-US" sz="1400" dirty="0">
+                <a:hlinkClick r:id="rId4" action="ppaction://hlinksldjump"/>
+              </a:rPr>
+              <a:t>第</a:t>
+            </a:r>
+            <a:r>
+              <a:rPr lang="en-US" altLang="zh-CN" sz="1400" dirty="0">
+                <a:hlinkClick r:id="rId4" action="ppaction://hlinksldjump"/>
+              </a:rPr>
+              <a:t>4~7</a:t>
+            </a:r>
+            <a:r>
+              <a:rPr lang="zh-CN" altLang="en-US" sz="1400" dirty="0">
+                <a:hlinkClick r:id="rId4" action="ppaction://hlinksldjump"/>
+              </a:rPr>
+              <a:t>页</a:t>
+            </a:r>
+            <a:r>
+              <a:rPr lang="en-US" altLang="zh-CN" sz="1400" dirty="0">
+                <a:hlinkClick r:id="rId4" action="ppaction://hlinksldjump"/>
+              </a:rPr>
+              <a:t>/</a:t>
+            </a:r>
+            <a:r>
+              <a:rPr lang="zh-CN" altLang="en-US" sz="1400" dirty="0">
+                <a:hlinkClick r:id="rId4" action="ppaction://hlinksldjump"/>
+              </a:rPr>
+              <a:t>共</a:t>
+            </a:r>
+            <a:r>
+              <a:rPr lang="en-US" altLang="zh-CN" sz="1400" dirty="0">
+                <a:hlinkClick r:id="rId4" action="ppaction://hlinksldjump"/>
+              </a:rPr>
+              <a:t>10</a:t>
+            </a:r>
+            <a:r>
+              <a:rPr lang="zh-CN" altLang="en-US" sz="1400" dirty="0">
+                <a:hlinkClick r:id="rId4" action="ppaction://hlinksldjump"/>
+              </a:rPr>
+              <a:t>页</a:t>
+            </a:r>
+            <a:endParaRPr lang="zh-CN" altLang="en-US" sz="1400" dirty="0"/>
+          </a:p>
+        </p:txBody>
+      </p:sp>
+      <p:sp>
+        <p:nvSpPr>
+          <p:cNvPr id="7" name="文本框 6">
+            <a:extLst>
+              <a:ext uri="{FF2B5EF4-FFF2-40B4-BE49-F238E27FC236}">
+                <a16:creationId xmlns:a16="http://schemas.microsoft.com/office/drawing/2014/main" id="{075E7377-DD4E-0338-581D-677B86F53088}"/>
+              </a:ext>
+            </a:extLst>
+          </p:cNvPr>
+          <p:cNvSpPr txBox="1"/>
+          <p:nvPr/>
+        </p:nvSpPr>
+        <p:spPr>
+          <a:xfrm>
+            <a:off x="6007760" y="2072644"/>
+            <a:ext cx="1339200" cy="307777"/>
+          </a:xfrm>
+          <a:prstGeom prst="rect">
+            <a:avLst/>
+          </a:prstGeom>
+          <a:noFill/>
+        </p:spPr>
+        <p:txBody>
+          <a:bodyPr wrap="square" rtlCol="0">
+            <a:spAutoFit/>
+          </a:bodyPr>
+          <a:lstStyle/>
+          <a:p>
+            <a:r>
+              <a:rPr lang="zh-CN" altLang="en-US" sz="1400" dirty="0">
+                <a:hlinkClick r:id="rId5" action="ppaction://hlinksldjump"/>
+              </a:rPr>
+              <a:t>第</a:t>
+            </a:r>
+            <a:r>
+              <a:rPr lang="en-US" altLang="zh-CN" sz="1400" dirty="0">
+                <a:hlinkClick r:id="rId5" action="ppaction://hlinksldjump"/>
+              </a:rPr>
+              <a:t>3</a:t>
+            </a:r>
+            <a:r>
+              <a:rPr lang="zh-CN" altLang="en-US" sz="1400" dirty="0">
+                <a:hlinkClick r:id="rId5" action="ppaction://hlinksldjump"/>
+              </a:rPr>
+              <a:t>页</a:t>
+            </a:r>
+            <a:r>
+              <a:rPr lang="en-US" altLang="zh-CN" sz="1400" dirty="0">
+                <a:hlinkClick r:id="rId5" action="ppaction://hlinksldjump"/>
+              </a:rPr>
+              <a:t>/</a:t>
+            </a:r>
+            <a:r>
+              <a:rPr lang="zh-CN" altLang="en-US" sz="1400" dirty="0">
+                <a:hlinkClick r:id="rId5" action="ppaction://hlinksldjump"/>
+              </a:rPr>
+              <a:t>共</a:t>
+            </a:r>
+            <a:r>
+              <a:rPr lang="en-US" altLang="zh-CN" sz="1400" dirty="0">
+                <a:hlinkClick r:id="rId5" action="ppaction://hlinksldjump"/>
+              </a:rPr>
+              <a:t>10</a:t>
+            </a:r>
+            <a:r>
+              <a:rPr lang="zh-CN" altLang="en-US" sz="1400" dirty="0">
+                <a:hlinkClick r:id="rId5" action="ppaction://hlinksldjump"/>
+              </a:rPr>
+              <a:t>页</a:t>
+            </a:r>
+            <a:endParaRPr lang="zh-CN" altLang="en-US" sz="1400" dirty="0"/>
+          </a:p>
+        </p:txBody>
+      </p:sp>
+      <p:sp>
+        <p:nvSpPr>
+          <p:cNvPr id="8" name="文本框 7">
+            <a:extLst>
+              <a:ext uri="{FF2B5EF4-FFF2-40B4-BE49-F238E27FC236}">
+                <a16:creationId xmlns:a16="http://schemas.microsoft.com/office/drawing/2014/main" id="{C3345022-1E08-9FAA-1685-AD9C37BF7D39}"/>
+              </a:ext>
+            </a:extLst>
+          </p:cNvPr>
+          <p:cNvSpPr txBox="1"/>
+          <p:nvPr/>
+        </p:nvSpPr>
+        <p:spPr>
+          <a:xfrm>
+            <a:off x="9127575" y="3734184"/>
+            <a:ext cx="1339643" cy="307777"/>
+          </a:xfrm>
+          <a:prstGeom prst="rect">
+            <a:avLst/>
+          </a:prstGeom>
+          <a:noFill/>
+        </p:spPr>
+        <p:txBody>
+          <a:bodyPr wrap="square" rtlCol="0">
+            <a:spAutoFit/>
+          </a:bodyPr>
+          <a:lstStyle/>
+          <a:p>
+            <a:r>
+              <a:rPr lang="zh-CN" altLang="en-US" sz="1400" dirty="0">
+                <a:hlinkClick r:id="rId6" action="ppaction://hlinksldjump"/>
+              </a:rPr>
+              <a:t>第</a:t>
+            </a:r>
+            <a:r>
+              <a:rPr lang="en-US" altLang="zh-CN" sz="1400" dirty="0">
+                <a:hlinkClick r:id="rId6" action="ppaction://hlinksldjump"/>
+              </a:rPr>
+              <a:t>9</a:t>
+            </a:r>
+            <a:r>
+              <a:rPr lang="zh-CN" altLang="en-US" sz="1400" dirty="0">
+                <a:hlinkClick r:id="rId6" action="ppaction://hlinksldjump"/>
+              </a:rPr>
+              <a:t>页</a:t>
+            </a:r>
+            <a:r>
+              <a:rPr lang="en-US" altLang="zh-CN" sz="1400" dirty="0">
+                <a:hlinkClick r:id="rId6" action="ppaction://hlinksldjump"/>
+              </a:rPr>
+              <a:t>/</a:t>
+            </a:r>
+            <a:r>
+              <a:rPr lang="zh-CN" altLang="en-US" sz="1400" dirty="0">
+                <a:hlinkClick r:id="rId6" action="ppaction://hlinksldjump"/>
+              </a:rPr>
+              <a:t>共</a:t>
+            </a:r>
+            <a:r>
+              <a:rPr lang="en-US" altLang="zh-CN" sz="1400" dirty="0">
+                <a:hlinkClick r:id="rId6" action="ppaction://hlinksldjump"/>
+              </a:rPr>
+              <a:t>10</a:t>
+            </a:r>
+            <a:r>
+              <a:rPr lang="zh-CN" altLang="en-US" sz="1400" dirty="0">
+                <a:hlinkClick r:id="rId6" action="ppaction://hlinksldjump"/>
+              </a:rPr>
+              <a:t>页</a:t>
+            </a:r>
+            <a:endParaRPr lang="zh-CN" altLang="en-US" sz="1400" dirty="0"/>
+          </a:p>
+        </p:txBody>
+      </p:sp>
     </p:spTree>
   </p:cSld>
   <p:clrMapOvr>
@@ -32396,131 +33045,440 @@
       </p:sp>
       <p:sp>
         <p:nvSpPr>
-          <p:cNvPr id="12" name="半闭框 11"/>
-          <p:cNvSpPr/>
+          <p:cNvPr id="3" name="内容占位符 2">
+            <a:extLst>
+              <a:ext uri="{FF2B5EF4-FFF2-40B4-BE49-F238E27FC236}">
+                <a16:creationId xmlns:a16="http://schemas.microsoft.com/office/drawing/2014/main" id="{2EE0A509-0013-7586-CC98-B713B8853497}"/>
+              </a:ext>
+            </a:extLst>
+          </p:cNvPr>
+          <p:cNvSpPr txBox="1">
+            <a:spLocks/>
+          </p:cNvSpPr>
           <p:nvPr/>
         </p:nvSpPr>
         <p:spPr>
           <a:xfrm>
-            <a:off x="1058985" y="1459875"/>
-            <a:ext cx="480646" cy="480646"/>
+            <a:off x="275323" y="1028518"/>
+            <a:ext cx="11641355" cy="4993465"/>
           </a:xfrm>
-          <a:prstGeom prst="halfFrame">
-            <a:avLst>
-              <a:gd name="adj1" fmla="val 17948"/>
-              <a:gd name="adj2" fmla="val 17949"/>
-            </a:avLst>
+          <a:prstGeom prst="rect">
+            <a:avLst/>
           </a:prstGeom>
-          <a:solidFill>
-            <a:schemeClr val="accent4"/>
-          </a:solidFill>
-          <a:ln w="12700" cap="flat" cmpd="sng" algn="ctr">
-            <a:noFill/>
-            <a:prstDash val="solid"/>
-            <a:miter lim="800000"/>
-          </a:ln>
-          <a:effectLst/>
         </p:spPr>
         <p:txBody>
-          <a:bodyPr rtlCol="0" anchor="ctr"/>
-          <a:lstStyle/>
-          <a:p>
-            <a:pPr marL="0" marR="0" lvl="0" indent="0" algn="ctr" defTabSz="914400" rtl="0" eaLnBrk="1" fontAlgn="auto" latinLnBrk="0" hangingPunct="1">
+          <a:bodyPr/>
+          <a:lstStyle>
+            <a:lvl1pPr marL="228600" indent="-228600" algn="l" rtl="0" eaLnBrk="0" fontAlgn="base" hangingPunct="0">
               <a:lnSpc>
-                <a:spcPct val="100000"/>
+                <a:spcPct val="90000"/>
               </a:lnSpc>
               <a:spcBef>
-                <a:spcPts val="0"/>
+                <a:spcPts val="1000"/>
               </a:spcBef>
               <a:spcAft>
-                <a:spcPts val="0"/>
+                <a:spcPct val="0"/>
               </a:spcAft>
-              <a:buClrTx/>
-              <a:buSzTx/>
-              <a:buFontTx/>
-              <a:buNone/>
-              <a:tabLst/>
-              <a:defRPr/>
-            </a:pPr>
-            <a:endParaRPr kumimoji="0" lang="zh-CN" altLang="en-US" sz="1800" b="0" i="0" u="none" strike="noStrike" kern="0" cap="none" spc="0" normalizeH="0" baseline="0" noProof="0">
-              <a:ln>
-                <a:noFill/>
-              </a:ln>
-              <a:solidFill>
-                <a:srgbClr val="000000"/>
-              </a:solidFill>
-              <a:effectLst/>
-              <a:uLnTx/>
-              <a:uFillTx/>
-              <a:latin typeface="微软雅黑" panose="020B0503020204020204" charset="-122"/>
-              <a:ea typeface="微软雅黑" panose="020B0503020204020204" charset="-122"/>
-              <a:cs typeface="+mn-cs"/>
-            </a:endParaRPr>
-          </a:p>
-        </p:txBody>
-      </p:sp>
-      <p:sp>
-        <p:nvSpPr>
-          <p:cNvPr id="13" name="半闭框 12"/>
-          <p:cNvSpPr/>
-          <p:nvPr/>
-        </p:nvSpPr>
-        <p:spPr>
-          <a:xfrm flipH="1" flipV="1">
-            <a:off x="10639669" y="5185859"/>
-            <a:ext cx="480646" cy="480646"/>
-          </a:xfrm>
-          <a:prstGeom prst="halfFrame">
-            <a:avLst>
-              <a:gd name="adj1" fmla="val 17948"/>
-              <a:gd name="adj2" fmla="val 17949"/>
-            </a:avLst>
-          </a:prstGeom>
-          <a:solidFill>
-            <a:schemeClr val="accent4"/>
-          </a:solidFill>
-          <a:ln w="12700" cap="flat" cmpd="sng" algn="ctr">
-            <a:noFill/>
-            <a:prstDash val="solid"/>
-            <a:miter lim="800000"/>
-          </a:ln>
-          <a:effectLst/>
-        </p:spPr>
-        <p:txBody>
-          <a:bodyPr rtlCol="0" anchor="ctr"/>
-          <a:lstStyle/>
-          <a:p>
-            <a:pPr marL="0" marR="0" lvl="0" indent="0" algn="ctr" defTabSz="914400" rtl="0" eaLnBrk="1" fontAlgn="auto" latinLnBrk="0" hangingPunct="1">
+              <a:buFont typeface="Arial" panose="020B0604020202020204" pitchFamily="34" charset="0"/>
+              <a:buChar char="•"/>
+              <a:defRPr sz="2800" kern="1200">
+                <a:solidFill>
+                  <a:schemeClr val="tx1"/>
+                </a:solidFill>
+                <a:latin typeface="+mn-lt"/>
+                <a:ea typeface="+mn-ea"/>
+                <a:cs typeface="+mn-cs"/>
+              </a:defRPr>
+            </a:lvl1pPr>
+            <a:lvl2pPr marL="685800" indent="-228600" algn="l" rtl="0" eaLnBrk="0" fontAlgn="base" hangingPunct="0">
               <a:lnSpc>
-                <a:spcPct val="100000"/>
+                <a:spcPct val="90000"/>
               </a:lnSpc>
               <a:spcBef>
-                <a:spcPts val="0"/>
+                <a:spcPts val="500"/>
               </a:spcBef>
               <a:spcAft>
-                <a:spcPts val="0"/>
+                <a:spcPct val="0"/>
               </a:spcAft>
-              <a:buClrTx/>
-              <a:buSzTx/>
-              <a:buFontTx/>
-              <a:buNone/>
-              <a:tabLst/>
-              <a:defRPr/>
+              <a:buFont typeface="Arial" panose="020B0604020202020204" pitchFamily="34" charset="0"/>
+              <a:buChar char="•"/>
+              <a:defRPr sz="2400" kern="1200">
+                <a:solidFill>
+                  <a:schemeClr val="tx1"/>
+                </a:solidFill>
+                <a:latin typeface="+mn-lt"/>
+                <a:ea typeface="+mn-ea"/>
+                <a:cs typeface="+mn-cs"/>
+              </a:defRPr>
+            </a:lvl2pPr>
+            <a:lvl3pPr marL="1143000" indent="-228600" algn="l" rtl="0" eaLnBrk="0" fontAlgn="base" hangingPunct="0">
+              <a:lnSpc>
+                <a:spcPct val="90000"/>
+              </a:lnSpc>
+              <a:spcBef>
+                <a:spcPts val="500"/>
+              </a:spcBef>
+              <a:spcAft>
+                <a:spcPct val="0"/>
+              </a:spcAft>
+              <a:buFont typeface="Arial" panose="020B0604020202020204" pitchFamily="34" charset="0"/>
+              <a:buChar char="•"/>
+              <a:defRPr sz="2000" kern="1200">
+                <a:solidFill>
+                  <a:schemeClr val="tx1"/>
+                </a:solidFill>
+                <a:latin typeface="+mn-lt"/>
+                <a:ea typeface="+mn-ea"/>
+                <a:cs typeface="+mn-cs"/>
+              </a:defRPr>
+            </a:lvl3pPr>
+            <a:lvl4pPr marL="1600200" indent="-228600" algn="l" rtl="0" eaLnBrk="0" fontAlgn="base" hangingPunct="0">
+              <a:lnSpc>
+                <a:spcPct val="90000"/>
+              </a:lnSpc>
+              <a:spcBef>
+                <a:spcPts val="500"/>
+              </a:spcBef>
+              <a:spcAft>
+                <a:spcPct val="0"/>
+              </a:spcAft>
+              <a:buFont typeface="Arial" panose="020B0604020202020204" pitchFamily="34" charset="0"/>
+              <a:buChar char="•"/>
+              <a:defRPr kern="1200">
+                <a:solidFill>
+                  <a:schemeClr val="tx1"/>
+                </a:solidFill>
+                <a:latin typeface="+mn-lt"/>
+                <a:ea typeface="+mn-ea"/>
+                <a:cs typeface="+mn-cs"/>
+              </a:defRPr>
+            </a:lvl4pPr>
+            <a:lvl5pPr marL="2057400" indent="-228600" algn="l" rtl="0" eaLnBrk="0" fontAlgn="base" hangingPunct="0">
+              <a:lnSpc>
+                <a:spcPct val="90000"/>
+              </a:lnSpc>
+              <a:spcBef>
+                <a:spcPts val="500"/>
+              </a:spcBef>
+              <a:spcAft>
+                <a:spcPct val="0"/>
+              </a:spcAft>
+              <a:buFont typeface="Arial" panose="020B0604020202020204" pitchFamily="34" charset="0"/>
+              <a:buChar char="•"/>
+              <a:defRPr kern="1200">
+                <a:solidFill>
+                  <a:schemeClr val="tx1"/>
+                </a:solidFill>
+                <a:latin typeface="+mn-lt"/>
+                <a:ea typeface="+mn-ea"/>
+                <a:cs typeface="+mn-cs"/>
+              </a:defRPr>
+            </a:lvl5pPr>
+            <a:lvl6pPr marL="2514600" indent="-228600" algn="l" defTabSz="914400" rtl="0" eaLnBrk="1" latinLnBrk="0" hangingPunct="1">
+              <a:lnSpc>
+                <a:spcPct val="90000"/>
+              </a:lnSpc>
+              <a:spcBef>
+                <a:spcPts val="500"/>
+              </a:spcBef>
+              <a:buFont typeface="Arial" panose="020B0604020202020204" pitchFamily="34" charset="0"/>
+              <a:buChar char="•"/>
+              <a:defRPr sz="1800" kern="1200">
+                <a:solidFill>
+                  <a:schemeClr val="tx1"/>
+                </a:solidFill>
+                <a:latin typeface="+mn-lt"/>
+                <a:ea typeface="+mn-ea"/>
+                <a:cs typeface="+mn-cs"/>
+              </a:defRPr>
+            </a:lvl6pPr>
+            <a:lvl7pPr marL="2971800" indent="-228600" algn="l" defTabSz="914400" rtl="0" eaLnBrk="1" latinLnBrk="0" hangingPunct="1">
+              <a:lnSpc>
+                <a:spcPct val="90000"/>
+              </a:lnSpc>
+              <a:spcBef>
+                <a:spcPts val="500"/>
+              </a:spcBef>
+              <a:buFont typeface="Arial" panose="020B0604020202020204" pitchFamily="34" charset="0"/>
+              <a:buChar char="•"/>
+              <a:defRPr sz="1800" kern="1200">
+                <a:solidFill>
+                  <a:schemeClr val="tx1"/>
+                </a:solidFill>
+                <a:latin typeface="+mn-lt"/>
+                <a:ea typeface="+mn-ea"/>
+                <a:cs typeface="+mn-cs"/>
+              </a:defRPr>
+            </a:lvl7pPr>
+            <a:lvl8pPr marL="3429000" indent="-228600" algn="l" defTabSz="914400" rtl="0" eaLnBrk="1" latinLnBrk="0" hangingPunct="1">
+              <a:lnSpc>
+                <a:spcPct val="90000"/>
+              </a:lnSpc>
+              <a:spcBef>
+                <a:spcPts val="500"/>
+              </a:spcBef>
+              <a:buFont typeface="Arial" panose="020B0604020202020204" pitchFamily="34" charset="0"/>
+              <a:buChar char="•"/>
+              <a:defRPr sz="1800" kern="1200">
+                <a:solidFill>
+                  <a:schemeClr val="tx1"/>
+                </a:solidFill>
+                <a:latin typeface="+mn-lt"/>
+                <a:ea typeface="+mn-ea"/>
+                <a:cs typeface="+mn-cs"/>
+              </a:defRPr>
+            </a:lvl8pPr>
+            <a:lvl9pPr marL="3886200" indent="-228600" algn="l" defTabSz="914400" rtl="0" eaLnBrk="1" latinLnBrk="0" hangingPunct="1">
+              <a:lnSpc>
+                <a:spcPct val="90000"/>
+              </a:lnSpc>
+              <a:spcBef>
+                <a:spcPts val="500"/>
+              </a:spcBef>
+              <a:buFont typeface="Arial" panose="020B0604020202020204" pitchFamily="34" charset="0"/>
+              <a:buChar char="•"/>
+              <a:defRPr sz="1800" kern="1200">
+                <a:solidFill>
+                  <a:schemeClr val="tx1"/>
+                </a:solidFill>
+                <a:latin typeface="+mn-lt"/>
+                <a:ea typeface="+mn-ea"/>
+                <a:cs typeface="+mn-cs"/>
+              </a:defRPr>
+            </a:lvl9pPr>
+          </a:lstStyle>
+          <a:p>
+            <a:pPr>
+              <a:lnSpc>
+                <a:spcPct val="150000"/>
+              </a:lnSpc>
             </a:pPr>
-            <a:endParaRPr kumimoji="0" lang="zh-CN" altLang="en-US" sz="1800" b="0" i="0" u="none" strike="noStrike" kern="0" cap="none" spc="0" normalizeH="0" baseline="0" noProof="0">
-              <a:ln>
-                <a:noFill/>
-              </a:ln>
-              <a:solidFill>
-                <a:srgbClr val="000000"/>
-              </a:solidFill>
-              <a:effectLst/>
-              <a:uLnTx/>
-              <a:uFillTx/>
-              <a:latin typeface="微软雅黑" panose="020B0503020204020204" charset="-122"/>
-              <a:ea typeface="微软雅黑" panose="020B0503020204020204" charset="-122"/>
-              <a:cs typeface="+mn-cs"/>
-            </a:endParaRPr>
+            <a:r>
+              <a:rPr lang="zh-CN" altLang="en-US" sz="2400" b="1" dirty="0"/>
+              <a:t>在实验室已有工作的基础上，完成对基于区块链的出租车调度系统的优化与完善。</a:t>
+            </a:r>
+            <a:endParaRPr lang="en-US" altLang="zh-CN" sz="2400" b="1" dirty="0"/>
+          </a:p>
+          <a:p>
+            <a:pPr lvl="1">
+              <a:lnSpc>
+                <a:spcPct val="120000"/>
+              </a:lnSpc>
+            </a:pPr>
+            <a:r>
+              <a:rPr lang="zh-CN" altLang="en-US" sz="2000" b="1" dirty="0"/>
+              <a:t>已有工作</a:t>
+            </a:r>
+            <a:r>
+              <a:rPr lang="zh-CN" altLang="en-US" sz="2000" dirty="0"/>
+              <a:t>：</a:t>
+            </a:r>
+            <a:endParaRPr lang="en-US" altLang="zh-CN" sz="2000" dirty="0"/>
+          </a:p>
+          <a:p>
+            <a:pPr marL="1371600" lvl="2" indent="-457200">
+              <a:lnSpc>
+                <a:spcPct val="120000"/>
+              </a:lnSpc>
+              <a:buFont typeface="+mj-lt"/>
+              <a:buAutoNum type="arabicPeriod"/>
+            </a:pPr>
+            <a:r>
+              <a:rPr lang="zh-CN" altLang="en-US" sz="1800" dirty="0"/>
+              <a:t>已经基于区块链实现了一个基础的出租车调度系统</a:t>
+            </a:r>
+            <a:endParaRPr lang="en-US" altLang="zh-CN" sz="1800" dirty="0"/>
+          </a:p>
+          <a:p>
+            <a:pPr marL="1828800" lvl="3" indent="-457200">
+              <a:lnSpc>
+                <a:spcPct val="120000"/>
+              </a:lnSpc>
+              <a:buFont typeface="+mj-ea"/>
+              <a:buAutoNum type="circleNumDbPlain"/>
+            </a:pPr>
+            <a:r>
+              <a:rPr lang="zh-CN" altLang="en-US" sz="1600" dirty="0"/>
+              <a:t>其采用静态的路径规划算法 </a:t>
+            </a:r>
+            <a:r>
+              <a:rPr lang="en-US" altLang="zh-CN" sz="1600" dirty="0"/>
+              <a:t>—— A*</a:t>
+            </a:r>
+            <a:r>
+              <a:rPr lang="zh-CN" altLang="en-US" sz="1600" dirty="0"/>
+              <a:t>算法</a:t>
+            </a:r>
+            <a:endParaRPr lang="en-US" altLang="zh-CN" sz="1600" dirty="0"/>
+          </a:p>
+          <a:p>
+            <a:pPr marL="1828800" lvl="3" indent="-457200">
+              <a:lnSpc>
+                <a:spcPct val="120000"/>
+              </a:lnSpc>
+              <a:buFont typeface="+mj-ea"/>
+              <a:buAutoNum type="circleNumDbPlain"/>
+            </a:pPr>
+            <a:r>
+              <a:rPr lang="zh-CN" altLang="en-US" sz="1600" dirty="0"/>
+              <a:t>给出了司机的信誉值评估模型</a:t>
+            </a:r>
+            <a:endParaRPr lang="en-US" altLang="zh-CN" sz="1600" dirty="0"/>
+          </a:p>
+          <a:p>
+            <a:pPr marL="1828800" lvl="3" indent="-457200">
+              <a:lnSpc>
+                <a:spcPct val="120000"/>
+              </a:lnSpc>
+              <a:buFont typeface="+mj-ea"/>
+              <a:buAutoNum type="circleNumDbPlain"/>
+            </a:pPr>
+            <a:r>
+              <a:rPr lang="zh-CN" altLang="en-US" sz="1600" dirty="0"/>
+              <a:t>使用</a:t>
+            </a:r>
+            <a:r>
+              <a:rPr lang="en-US" altLang="zh-CN" sz="1600" dirty="0" err="1"/>
+              <a:t>vue</a:t>
+            </a:r>
+            <a:r>
+              <a:rPr lang="zh-CN" altLang="en-US" sz="1600" dirty="0"/>
+              <a:t>搭建了前端应用界面</a:t>
+            </a:r>
+            <a:endParaRPr lang="en-US" altLang="zh-CN" sz="1600" dirty="0"/>
+          </a:p>
+          <a:p>
+            <a:pPr lvl="1">
+              <a:lnSpc>
+                <a:spcPct val="120000"/>
+              </a:lnSpc>
+            </a:pPr>
+            <a:r>
+              <a:rPr lang="zh-CN" altLang="en-US" sz="2000" b="1" dirty="0"/>
+              <a:t>我的毕设工作内容为</a:t>
+            </a:r>
+            <a:r>
+              <a:rPr lang="zh-CN" altLang="en-US" sz="2000" dirty="0"/>
+              <a:t>：</a:t>
+            </a:r>
+            <a:endParaRPr lang="en-US" altLang="zh-CN" sz="2000" dirty="0"/>
+          </a:p>
+          <a:p>
+            <a:pPr marL="1371600" lvl="2" indent="-457200">
+              <a:lnSpc>
+                <a:spcPct val="120000"/>
+              </a:lnSpc>
+              <a:buFont typeface="+mj-lt"/>
+              <a:buAutoNum type="arabicPeriod"/>
+            </a:pPr>
+            <a:r>
+              <a:rPr lang="zh-CN" altLang="en-US" sz="1800" u="sng" dirty="0"/>
+              <a:t>翻译</a:t>
+            </a:r>
+            <a:r>
+              <a:rPr lang="zh-CN" altLang="en-US" sz="1800" dirty="0"/>
+              <a:t>外文文献</a:t>
+            </a:r>
+            <a:endParaRPr lang="en-US" altLang="zh-CN" sz="1800" dirty="0"/>
+          </a:p>
+          <a:p>
+            <a:pPr marL="1371600" lvl="2" indent="-457200">
+              <a:lnSpc>
+                <a:spcPct val="120000"/>
+              </a:lnSpc>
+              <a:buFont typeface="+mj-lt"/>
+              <a:buAutoNum type="arabicPeriod"/>
+            </a:pPr>
+            <a:r>
+              <a:rPr lang="zh-CN" altLang="en-US" sz="1800" u="sng" dirty="0"/>
+              <a:t>复现</a:t>
+            </a:r>
+            <a:r>
+              <a:rPr lang="zh-CN" altLang="en-US" sz="1800" dirty="0"/>
+              <a:t>实验室已有工作</a:t>
+            </a:r>
+          </a:p>
+          <a:p>
+            <a:pPr marL="1371600" lvl="2" indent="-457200">
+              <a:lnSpc>
+                <a:spcPct val="120000"/>
+              </a:lnSpc>
+              <a:buFont typeface="+mj-lt"/>
+              <a:buAutoNum type="arabicPeriod"/>
+            </a:pPr>
+            <a:r>
+              <a:rPr lang="zh-CN" altLang="en-US" sz="1800" u="sng" dirty="0"/>
+              <a:t>优化</a:t>
+            </a:r>
+            <a:r>
+              <a:rPr lang="zh-CN" altLang="en-US" sz="1800" dirty="0"/>
+              <a:t>路径调度算法，实现路况的动态实时计算迭代效果，并对其进行测试</a:t>
+            </a:r>
+          </a:p>
+          <a:p>
+            <a:pPr marL="1371600" lvl="2" indent="-457200">
+              <a:lnSpc>
+                <a:spcPct val="120000"/>
+              </a:lnSpc>
+              <a:buFont typeface="+mj-lt"/>
+              <a:buAutoNum type="arabicPeriod"/>
+            </a:pPr>
+            <a:r>
+              <a:rPr lang="zh-CN" altLang="en-US" sz="1800" u="sng" dirty="0"/>
+              <a:t>完善</a:t>
+            </a:r>
+            <a:r>
+              <a:rPr lang="zh-CN" altLang="en-US" sz="1800" dirty="0"/>
+              <a:t>信誉值计算模块，并对其进行测试</a:t>
+            </a:r>
+            <a:endParaRPr lang="en-US" altLang="zh-CN" sz="1800" dirty="0"/>
+          </a:p>
+          <a:p>
+            <a:pPr lvl="1">
+              <a:lnSpc>
+                <a:spcPct val="120000"/>
+              </a:lnSpc>
+            </a:pPr>
+            <a:r>
+              <a:rPr lang="zh-CN" altLang="en-US" sz="2000" b="1" dirty="0"/>
+              <a:t>我的毕设</a:t>
+            </a:r>
+            <a:r>
+              <a:rPr lang="en-US" altLang="zh-CN" sz="2000" b="1" dirty="0" err="1"/>
+              <a:t>Github</a:t>
+            </a:r>
+            <a:r>
+              <a:rPr lang="zh-CN" altLang="en-US" sz="2000" b="1" dirty="0"/>
+              <a:t>仓库：</a:t>
+            </a:r>
+            <a:r>
+              <a:rPr lang="en-US" altLang="zh-CN" sz="2000" dirty="0">
+                <a:solidFill>
+                  <a:srgbClr val="0070C0"/>
+                </a:solidFill>
+                <a:hlinkClick r:id="rId3"/>
+              </a:rPr>
+              <a:t>https://github.com/LancerEnk/GraduationDesign</a:t>
+            </a:r>
+            <a:endParaRPr lang="zh-CN" altLang="en-US" sz="2000" b="1" dirty="0"/>
+          </a:p>
+          <a:p>
+            <a:pPr marL="1371600" lvl="2" indent="-457200">
+              <a:lnSpc>
+                <a:spcPct val="120000"/>
+              </a:lnSpc>
+              <a:buFont typeface="+mj-lt"/>
+              <a:buAutoNum type="arabicPeriod"/>
+            </a:pPr>
+            <a:endParaRPr lang="en-US" altLang="zh-CN" dirty="0"/>
+          </a:p>
+          <a:p>
+            <a:pPr lvl="1">
+              <a:lnSpc>
+                <a:spcPct val="120000"/>
+              </a:lnSpc>
+            </a:pPr>
+            <a:endParaRPr lang="en-US" altLang="zh-CN" dirty="0"/>
           </a:p>
         </p:txBody>
       </p:sp>
@@ -32773,36 +33731,1025 @@
           </a:p>
         </p:txBody>
       </p:sp>
+      <p:grpSp>
+        <p:nvGrpSpPr>
+          <p:cNvPr id="8" name="组合 7">
+            <a:extLst>
+              <a:ext uri="{FF2B5EF4-FFF2-40B4-BE49-F238E27FC236}">
+                <a16:creationId xmlns:a16="http://schemas.microsoft.com/office/drawing/2014/main" id="{6D6D565C-B1FA-E3E0-9596-AE3C9F1960F7}"/>
+              </a:ext>
+            </a:extLst>
+          </p:cNvPr>
+          <p:cNvGrpSpPr/>
+          <p:nvPr/>
+        </p:nvGrpSpPr>
+        <p:grpSpPr>
+          <a:xfrm>
+            <a:off x="866248" y="701312"/>
+            <a:ext cx="10459504" cy="4723857"/>
+            <a:chOff x="561422" y="740543"/>
+            <a:chExt cx="10459504" cy="4723857"/>
+          </a:xfrm>
+        </p:grpSpPr>
+        <p:sp>
+          <p:nvSpPr>
+            <p:cNvPr id="2" name="文本框 1">
+              <a:extLst>
+                <a:ext uri="{FF2B5EF4-FFF2-40B4-BE49-F238E27FC236}">
+                  <a16:creationId xmlns:a16="http://schemas.microsoft.com/office/drawing/2014/main" id="{5E292E21-C656-CEB7-9060-2A1185B4A4AD}"/>
+                </a:ext>
+              </a:extLst>
+            </p:cNvPr>
+            <p:cNvSpPr txBox="1"/>
+            <p:nvPr/>
+          </p:nvSpPr>
+          <p:spPr>
+            <a:xfrm>
+              <a:off x="561422" y="740543"/>
+              <a:ext cx="3556494" cy="4723857"/>
+            </a:xfrm>
+            <a:prstGeom prst="rect">
+              <a:avLst/>
+            </a:prstGeom>
+            <a:noFill/>
+          </p:spPr>
+          <p:txBody>
+            <a:bodyPr wrap="square" rtlCol="0">
+              <a:spAutoFit/>
+            </a:bodyPr>
+            <a:lstStyle/>
+            <a:p>
+              <a:pPr marL="342900" indent="-342900">
+                <a:lnSpc>
+                  <a:spcPct val="300000"/>
+                </a:lnSpc>
+                <a:buFont typeface="Arial" panose="020B0604020202020204" pitchFamily="34" charset="0"/>
+                <a:buChar char="•"/>
+                <a:defRPr/>
+              </a:pPr>
+              <a:r>
+                <a:rPr kumimoji="0" lang="zh-CN" altLang="en-US" sz="2400" b="1" i="0" u="none" strike="noStrike" kern="1200" cap="none" spc="0" normalizeH="0" baseline="0" noProof="0" dirty="0">
+                  <a:ln>
+                    <a:noFill/>
+                  </a:ln>
+                  <a:solidFill>
+                    <a:prstClr val="black"/>
+                  </a:solidFill>
+                  <a:effectLst/>
+                  <a:uLnTx/>
+                  <a:uFillTx/>
+                  <a:latin typeface="微软雅黑"/>
+                  <a:ea typeface="微软雅黑"/>
+                  <a:cs typeface="+mn-cs"/>
+                </a:rPr>
+                <a:t>我的毕设工作内容</a:t>
+              </a:r>
+              <a:endParaRPr kumimoji="0" lang="en-US" altLang="zh-CN" sz="2400" b="0" i="0" u="none" strike="noStrike" kern="1200" cap="none" spc="0" normalizeH="0" baseline="0" noProof="0" dirty="0">
+                <a:ln>
+                  <a:noFill/>
+                </a:ln>
+                <a:solidFill>
+                  <a:prstClr val="black"/>
+                </a:solidFill>
+                <a:effectLst/>
+                <a:uLnTx/>
+                <a:uFillTx/>
+                <a:latin typeface="微软雅黑"/>
+                <a:ea typeface="微软雅黑"/>
+                <a:cs typeface="+mn-cs"/>
+              </a:endParaRPr>
+            </a:p>
+            <a:p>
+              <a:pPr marL="914400" lvl="1" indent="-457200">
+                <a:lnSpc>
+                  <a:spcPct val="300000"/>
+                </a:lnSpc>
+                <a:buFont typeface="+mj-lt"/>
+                <a:buAutoNum type="arabicPeriod"/>
+                <a:defRPr/>
+              </a:pPr>
+              <a:r>
+                <a:rPr kumimoji="0" lang="zh-CN" altLang="en-US" sz="2000" b="1" i="0" u="sng" strike="noStrike" kern="1200" cap="none" spc="0" normalizeH="0" baseline="0" noProof="0" dirty="0">
+                  <a:ln>
+                    <a:noFill/>
+                  </a:ln>
+                  <a:solidFill>
+                    <a:prstClr val="black"/>
+                  </a:solidFill>
+                  <a:effectLst/>
+                  <a:uLnTx/>
+                  <a:uFillTx/>
+                  <a:latin typeface="微软雅黑"/>
+                  <a:ea typeface="微软雅黑"/>
+                  <a:cs typeface="+mn-cs"/>
+                </a:rPr>
+                <a:t>翻译</a:t>
+              </a:r>
+              <a:r>
+                <a:rPr kumimoji="0" lang="zh-CN" altLang="en-US" sz="2000" b="0" i="0" strike="noStrike" kern="1200" cap="none" spc="0" normalizeH="0" baseline="0" noProof="0" dirty="0">
+                  <a:ln>
+                    <a:noFill/>
+                  </a:ln>
+                  <a:solidFill>
+                    <a:prstClr val="black"/>
+                  </a:solidFill>
+                  <a:effectLst/>
+                  <a:uLnTx/>
+                  <a:uFillTx/>
+                  <a:latin typeface="微软雅黑"/>
+                  <a:ea typeface="微软雅黑"/>
+                  <a:cs typeface="+mn-cs"/>
+                </a:rPr>
+                <a:t>外文文献</a:t>
+              </a:r>
+              <a:endParaRPr kumimoji="0" lang="en-US" altLang="zh-CN" sz="2000" b="0" i="0" strike="noStrike" kern="1200" cap="none" spc="0" normalizeH="0" baseline="0" noProof="0" dirty="0">
+                <a:ln>
+                  <a:noFill/>
+                </a:ln>
+                <a:solidFill>
+                  <a:prstClr val="black"/>
+                </a:solidFill>
+                <a:effectLst/>
+                <a:uLnTx/>
+                <a:uFillTx/>
+                <a:latin typeface="微软雅黑"/>
+                <a:ea typeface="微软雅黑"/>
+                <a:cs typeface="+mn-cs"/>
+              </a:endParaRPr>
+            </a:p>
+            <a:p>
+              <a:pPr marL="914400" lvl="1" indent="-457200">
+                <a:lnSpc>
+                  <a:spcPct val="300000"/>
+                </a:lnSpc>
+                <a:buFont typeface="+mj-lt"/>
+                <a:buAutoNum type="arabicPeriod"/>
+                <a:defRPr/>
+              </a:pPr>
+              <a:r>
+                <a:rPr kumimoji="0" lang="zh-CN" altLang="en-US" sz="2000" b="1" i="0" u="sng" strike="noStrike" kern="1200" cap="none" spc="0" normalizeH="0" baseline="0" noProof="0" dirty="0">
+                  <a:ln>
+                    <a:noFill/>
+                  </a:ln>
+                  <a:solidFill>
+                    <a:prstClr val="black"/>
+                  </a:solidFill>
+                  <a:effectLst/>
+                  <a:uLnTx/>
+                  <a:uFillTx/>
+                  <a:latin typeface="微软雅黑"/>
+                  <a:ea typeface="微软雅黑"/>
+                  <a:cs typeface="+mn-cs"/>
+                </a:rPr>
+                <a:t>复现</a:t>
+              </a:r>
+              <a:r>
+                <a:rPr kumimoji="0" lang="zh-CN" altLang="en-US" sz="2000" b="0" i="0" u="none" strike="noStrike" kern="1200" cap="none" spc="0" normalizeH="0" baseline="0" noProof="0" dirty="0">
+                  <a:ln>
+                    <a:noFill/>
+                  </a:ln>
+                  <a:solidFill>
+                    <a:prstClr val="black"/>
+                  </a:solidFill>
+                  <a:effectLst/>
+                  <a:uLnTx/>
+                  <a:uFillTx/>
+                  <a:latin typeface="微软雅黑"/>
+                  <a:ea typeface="微软雅黑"/>
+                  <a:cs typeface="+mn-cs"/>
+                </a:rPr>
+                <a:t>实验室已有工作</a:t>
+              </a:r>
+            </a:p>
+            <a:p>
+              <a:pPr marL="914400" lvl="1" indent="-457200">
+                <a:lnSpc>
+                  <a:spcPct val="300000"/>
+                </a:lnSpc>
+                <a:buFont typeface="+mj-lt"/>
+                <a:buAutoNum type="arabicPeriod"/>
+                <a:defRPr/>
+              </a:pPr>
+              <a:r>
+                <a:rPr kumimoji="0" lang="zh-CN" altLang="en-US" sz="2000" b="1" i="0" u="sng" strike="noStrike" kern="1200" cap="none" spc="0" normalizeH="0" baseline="0" noProof="0" dirty="0">
+                  <a:ln>
+                    <a:noFill/>
+                  </a:ln>
+                  <a:solidFill>
+                    <a:prstClr val="black"/>
+                  </a:solidFill>
+                  <a:effectLst/>
+                  <a:uLnTx/>
+                  <a:uFillTx/>
+                  <a:latin typeface="微软雅黑"/>
+                  <a:ea typeface="微软雅黑"/>
+                  <a:cs typeface="+mn-cs"/>
+                </a:rPr>
+                <a:t>优化</a:t>
+              </a:r>
+              <a:r>
+                <a:rPr kumimoji="0" lang="zh-CN" altLang="en-US" sz="2000" b="0" i="0" u="none" strike="noStrike" kern="1200" cap="none" spc="0" normalizeH="0" baseline="0" noProof="0" dirty="0">
+                  <a:ln>
+                    <a:noFill/>
+                  </a:ln>
+                  <a:solidFill>
+                    <a:prstClr val="black"/>
+                  </a:solidFill>
+                  <a:effectLst/>
+                  <a:uLnTx/>
+                  <a:uFillTx/>
+                  <a:latin typeface="微软雅黑"/>
+                  <a:ea typeface="微软雅黑"/>
+                  <a:cs typeface="+mn-cs"/>
+                </a:rPr>
+                <a:t>路径调度算法</a:t>
+              </a:r>
+            </a:p>
+            <a:p>
+              <a:pPr marL="914400" lvl="1" indent="-457200">
+                <a:lnSpc>
+                  <a:spcPct val="300000"/>
+                </a:lnSpc>
+                <a:buFont typeface="+mj-lt"/>
+                <a:buAutoNum type="arabicPeriod"/>
+                <a:defRPr/>
+              </a:pPr>
+              <a:r>
+                <a:rPr kumimoji="0" lang="zh-CN" altLang="en-US" sz="2000" b="1" i="0" u="sng" strike="noStrike" kern="1200" cap="none" spc="0" normalizeH="0" baseline="0" noProof="0" dirty="0">
+                  <a:ln>
+                    <a:noFill/>
+                  </a:ln>
+                  <a:solidFill>
+                    <a:prstClr val="black"/>
+                  </a:solidFill>
+                  <a:effectLst/>
+                  <a:uLnTx/>
+                  <a:uFillTx/>
+                  <a:latin typeface="微软雅黑"/>
+                  <a:ea typeface="微软雅黑"/>
+                  <a:cs typeface="+mn-cs"/>
+                </a:rPr>
+                <a:t>完善</a:t>
+              </a:r>
+              <a:r>
+                <a:rPr kumimoji="0" lang="zh-CN" altLang="en-US" sz="2000" b="0" i="0" u="none" strike="noStrike" kern="1200" cap="none" spc="0" normalizeH="0" baseline="0" noProof="0" dirty="0">
+                  <a:ln>
+                    <a:noFill/>
+                  </a:ln>
+                  <a:solidFill>
+                    <a:prstClr val="black"/>
+                  </a:solidFill>
+                  <a:effectLst/>
+                  <a:uLnTx/>
+                  <a:uFillTx/>
+                  <a:latin typeface="微软雅黑"/>
+                  <a:ea typeface="微软雅黑"/>
+                  <a:cs typeface="+mn-cs"/>
+                </a:rPr>
+                <a:t>信誉值计算模块</a:t>
+              </a:r>
+              <a:endParaRPr kumimoji="0" lang="en-US" altLang="zh-CN" sz="2000" b="0" i="0" u="none" strike="noStrike" kern="1200" cap="none" spc="0" normalizeH="0" baseline="0" noProof="0" dirty="0">
+                <a:ln>
+                  <a:noFill/>
+                </a:ln>
+                <a:solidFill>
+                  <a:prstClr val="black"/>
+                </a:solidFill>
+                <a:effectLst/>
+                <a:uLnTx/>
+                <a:uFillTx/>
+                <a:latin typeface="微软雅黑"/>
+                <a:ea typeface="微软雅黑"/>
+                <a:cs typeface="+mn-cs"/>
+              </a:endParaRPr>
+            </a:p>
+          </p:txBody>
+        </p:sp>
+        <p:sp>
+          <p:nvSpPr>
+            <p:cNvPr id="3" name="文本框 2">
+              <a:extLst>
+                <a:ext uri="{FF2B5EF4-FFF2-40B4-BE49-F238E27FC236}">
+                  <a16:creationId xmlns:a16="http://schemas.microsoft.com/office/drawing/2014/main" id="{4DA072A5-A857-AA20-0AFD-AA13CAFB2B8B}"/>
+                </a:ext>
+              </a:extLst>
+            </p:cNvPr>
+            <p:cNvSpPr txBox="1"/>
+            <p:nvPr/>
+          </p:nvSpPr>
+          <p:spPr>
+            <a:xfrm>
+              <a:off x="7193321" y="740543"/>
+              <a:ext cx="3827605" cy="4723857"/>
+            </a:xfrm>
+            <a:prstGeom prst="rect">
+              <a:avLst/>
+            </a:prstGeom>
+            <a:noFill/>
+          </p:spPr>
+          <p:txBody>
+            <a:bodyPr wrap="square" rtlCol="0">
+              <a:spAutoFit/>
+            </a:bodyPr>
+            <a:lstStyle/>
+            <a:p>
+              <a:pPr marL="342900" indent="-342900">
+                <a:lnSpc>
+                  <a:spcPct val="300000"/>
+                </a:lnSpc>
+                <a:buFont typeface="Arial" panose="020B0604020202020204" pitchFamily="34" charset="0"/>
+                <a:buChar char="•"/>
+                <a:defRPr/>
+              </a:pPr>
+              <a:r>
+                <a:rPr lang="zh-CN" altLang="en-US" sz="2400" b="1" dirty="0">
+                  <a:solidFill>
+                    <a:prstClr val="black"/>
+                  </a:solidFill>
+                  <a:latin typeface="微软雅黑"/>
+                  <a:ea typeface="微软雅黑"/>
+                </a:rPr>
+                <a:t>中期报告时，我的</a:t>
+              </a:r>
+              <a:r>
+                <a:rPr kumimoji="0" lang="zh-CN" altLang="en-US" sz="2400" b="1" i="0" u="none" strike="noStrike" kern="1200" cap="none" spc="0" normalizeH="0" baseline="0" noProof="0" dirty="0">
+                  <a:ln>
+                    <a:noFill/>
+                  </a:ln>
+                  <a:solidFill>
+                    <a:prstClr val="black"/>
+                  </a:solidFill>
+                  <a:effectLst/>
+                  <a:uLnTx/>
+                  <a:uFillTx/>
+                  <a:latin typeface="微软雅黑"/>
+                  <a:ea typeface="微软雅黑"/>
+                  <a:cs typeface="+mn-cs"/>
+                </a:rPr>
+                <a:t>进度</a:t>
+              </a:r>
+              <a:endParaRPr kumimoji="0" lang="en-US" altLang="zh-CN" sz="2400" b="0" i="0" u="none" strike="noStrike" kern="1200" cap="none" spc="0" normalizeH="0" baseline="0" noProof="0" dirty="0">
+                <a:ln>
+                  <a:noFill/>
+                </a:ln>
+                <a:solidFill>
+                  <a:prstClr val="black"/>
+                </a:solidFill>
+                <a:effectLst/>
+                <a:uLnTx/>
+                <a:uFillTx/>
+                <a:latin typeface="微软雅黑"/>
+                <a:ea typeface="微软雅黑"/>
+                <a:cs typeface="+mn-cs"/>
+              </a:endParaRPr>
+            </a:p>
+            <a:p>
+              <a:pPr marL="914400" lvl="1" indent="-457200">
+                <a:lnSpc>
+                  <a:spcPct val="300000"/>
+                </a:lnSpc>
+                <a:buFont typeface="+mj-lt"/>
+                <a:buAutoNum type="arabicPeriod"/>
+                <a:defRPr/>
+              </a:pPr>
+              <a:r>
+                <a:rPr kumimoji="0" lang="zh-CN" altLang="en-US" sz="2000" b="1" i="0" strike="noStrike" kern="1200" cap="none" spc="0" normalizeH="0" baseline="0" noProof="0" dirty="0">
+                  <a:ln>
+                    <a:noFill/>
+                  </a:ln>
+                  <a:solidFill>
+                    <a:prstClr val="black"/>
+                  </a:solidFill>
+                  <a:effectLst/>
+                  <a:uLnTx/>
+                  <a:uFillTx/>
+                  <a:latin typeface="微软雅黑"/>
+                  <a:ea typeface="微软雅黑"/>
+                  <a:cs typeface="+mn-cs"/>
+                </a:rPr>
+                <a:t>已完成</a:t>
+              </a:r>
+              <a:endParaRPr kumimoji="0" lang="en-US" altLang="zh-CN" sz="2000" b="1" i="0" strike="noStrike" kern="1200" cap="none" spc="0" normalizeH="0" baseline="0" noProof="0" dirty="0">
+                <a:ln>
+                  <a:noFill/>
+                </a:ln>
+                <a:solidFill>
+                  <a:prstClr val="black"/>
+                </a:solidFill>
+                <a:effectLst/>
+                <a:uLnTx/>
+                <a:uFillTx/>
+                <a:latin typeface="微软雅黑"/>
+                <a:ea typeface="微软雅黑"/>
+                <a:cs typeface="+mn-cs"/>
+              </a:endParaRPr>
+            </a:p>
+            <a:p>
+              <a:pPr marL="914400" lvl="1" indent="-457200">
+                <a:lnSpc>
+                  <a:spcPct val="300000"/>
+                </a:lnSpc>
+                <a:buFont typeface="+mj-lt"/>
+                <a:buAutoNum type="arabicPeriod"/>
+                <a:defRPr/>
+              </a:pPr>
+              <a:r>
+                <a:rPr lang="zh-CN" altLang="en-US" sz="2000" b="1" dirty="0">
+                  <a:solidFill>
+                    <a:prstClr val="black"/>
+                  </a:solidFill>
+                  <a:latin typeface="微软雅黑"/>
+                  <a:ea typeface="微软雅黑"/>
+                </a:rPr>
+                <a:t>已完成</a:t>
+              </a:r>
+              <a:endParaRPr kumimoji="0" lang="zh-CN" altLang="en-US" sz="2000" b="1" i="0" strike="noStrike" kern="1200" cap="none" spc="0" normalizeH="0" baseline="0" noProof="0" dirty="0">
+                <a:ln>
+                  <a:noFill/>
+                </a:ln>
+                <a:solidFill>
+                  <a:prstClr val="black"/>
+                </a:solidFill>
+                <a:effectLst/>
+                <a:uLnTx/>
+                <a:uFillTx/>
+                <a:latin typeface="微软雅黑"/>
+                <a:ea typeface="微软雅黑"/>
+                <a:cs typeface="+mn-cs"/>
+              </a:endParaRPr>
+            </a:p>
+            <a:p>
+              <a:pPr marL="914400" lvl="1" indent="-457200">
+                <a:lnSpc>
+                  <a:spcPct val="300000"/>
+                </a:lnSpc>
+                <a:buFont typeface="+mj-lt"/>
+                <a:buAutoNum type="arabicPeriod"/>
+                <a:defRPr/>
+              </a:pPr>
+              <a:r>
+                <a:rPr lang="zh-CN" altLang="en-US" sz="2000" b="1" dirty="0">
+                  <a:solidFill>
+                    <a:prstClr val="black"/>
+                  </a:solidFill>
+                  <a:latin typeface="微软雅黑"/>
+                  <a:ea typeface="微软雅黑"/>
+                </a:rPr>
+                <a:t>正在完成</a:t>
+              </a:r>
+              <a:endParaRPr kumimoji="0" lang="zh-CN" altLang="en-US" sz="2000" b="1" i="0" strike="noStrike" kern="1200" cap="none" spc="0" normalizeH="0" baseline="0" noProof="0" dirty="0">
+                <a:ln>
+                  <a:noFill/>
+                </a:ln>
+                <a:solidFill>
+                  <a:prstClr val="black"/>
+                </a:solidFill>
+                <a:effectLst/>
+                <a:uLnTx/>
+                <a:uFillTx/>
+                <a:latin typeface="微软雅黑"/>
+                <a:ea typeface="微软雅黑"/>
+                <a:cs typeface="+mn-cs"/>
+              </a:endParaRPr>
+            </a:p>
+            <a:p>
+              <a:pPr marL="914400" lvl="1" indent="-457200">
+                <a:lnSpc>
+                  <a:spcPct val="300000"/>
+                </a:lnSpc>
+                <a:buFont typeface="+mj-lt"/>
+                <a:buAutoNum type="arabicPeriod"/>
+                <a:defRPr/>
+              </a:pPr>
+              <a:r>
+                <a:rPr lang="zh-CN" altLang="en-US" sz="2000" b="1" dirty="0">
+                  <a:solidFill>
+                    <a:prstClr val="black"/>
+                  </a:solidFill>
+                  <a:latin typeface="微软雅黑"/>
+                  <a:ea typeface="微软雅黑"/>
+                </a:rPr>
+                <a:t>未完成</a:t>
+              </a:r>
+              <a:endParaRPr kumimoji="0" lang="en-US" altLang="zh-CN" sz="2000" b="1" i="0" strike="noStrike" kern="1200" cap="none" spc="0" normalizeH="0" baseline="0" noProof="0" dirty="0">
+                <a:ln>
+                  <a:noFill/>
+                </a:ln>
+                <a:solidFill>
+                  <a:prstClr val="black"/>
+                </a:solidFill>
+                <a:effectLst/>
+                <a:uLnTx/>
+                <a:uFillTx/>
+                <a:latin typeface="微软雅黑"/>
+                <a:ea typeface="微软雅黑"/>
+                <a:cs typeface="+mn-cs"/>
+              </a:endParaRPr>
+            </a:p>
+          </p:txBody>
+        </p:sp>
+        <p:sp>
+          <p:nvSpPr>
+            <p:cNvPr id="4" name="箭头: 右 3">
+              <a:extLst>
+                <a:ext uri="{FF2B5EF4-FFF2-40B4-BE49-F238E27FC236}">
+                  <a16:creationId xmlns:a16="http://schemas.microsoft.com/office/drawing/2014/main" id="{6281336B-6A2D-A33F-D314-CF654158AA03}"/>
+                </a:ext>
+              </a:extLst>
+            </p:cNvPr>
+            <p:cNvSpPr/>
+            <p:nvPr/>
+          </p:nvSpPr>
+          <p:spPr>
+            <a:xfrm>
+              <a:off x="4500584" y="2332603"/>
+              <a:ext cx="2310063" cy="336884"/>
+            </a:xfrm>
+            <a:prstGeom prst="rightArrow">
+              <a:avLst>
+                <a:gd name="adj1" fmla="val 50000"/>
+                <a:gd name="adj2" fmla="val 115714"/>
+              </a:avLst>
+            </a:prstGeom>
+            <a:solidFill>
+              <a:srgbClr val="00B050"/>
+            </a:solidFill>
+          </p:spPr>
+          <p:style>
+            <a:lnRef idx="2">
+              <a:schemeClr val="accent1">
+                <a:shade val="50000"/>
+              </a:schemeClr>
+            </a:lnRef>
+            <a:fillRef idx="1">
+              <a:schemeClr val="accent1"/>
+            </a:fillRef>
+            <a:effectRef idx="0">
+              <a:schemeClr val="accent1"/>
+            </a:effectRef>
+            <a:fontRef idx="minor">
+              <a:schemeClr val="lt1"/>
+            </a:fontRef>
+          </p:style>
+          <p:txBody>
+            <a:bodyPr rtlCol="0" anchor="ctr"/>
+            <a:lstStyle/>
+            <a:p>
+              <a:pPr algn="ctr"/>
+              <a:endParaRPr lang="zh-CN" altLang="en-US"/>
+            </a:p>
+          </p:txBody>
+        </p:sp>
+        <p:sp>
+          <p:nvSpPr>
+            <p:cNvPr id="5" name="箭头: 右 4">
+              <a:extLst>
+                <a:ext uri="{FF2B5EF4-FFF2-40B4-BE49-F238E27FC236}">
+                  <a16:creationId xmlns:a16="http://schemas.microsoft.com/office/drawing/2014/main" id="{2EA3AB00-BC79-737B-D4F5-442E1A4E248E}"/>
+                </a:ext>
+              </a:extLst>
+            </p:cNvPr>
+            <p:cNvSpPr/>
+            <p:nvPr/>
+          </p:nvSpPr>
+          <p:spPr>
+            <a:xfrm>
+              <a:off x="4500585" y="3228948"/>
+              <a:ext cx="2310063" cy="336884"/>
+            </a:xfrm>
+            <a:prstGeom prst="rightArrow">
+              <a:avLst>
+                <a:gd name="adj1" fmla="val 50000"/>
+                <a:gd name="adj2" fmla="val 115714"/>
+              </a:avLst>
+            </a:prstGeom>
+            <a:solidFill>
+              <a:srgbClr val="00B050"/>
+            </a:solidFill>
+          </p:spPr>
+          <p:style>
+            <a:lnRef idx="2">
+              <a:schemeClr val="accent1">
+                <a:shade val="50000"/>
+              </a:schemeClr>
+            </a:lnRef>
+            <a:fillRef idx="1">
+              <a:schemeClr val="accent1"/>
+            </a:fillRef>
+            <a:effectRef idx="0">
+              <a:schemeClr val="accent1"/>
+            </a:effectRef>
+            <a:fontRef idx="minor">
+              <a:schemeClr val="lt1"/>
+            </a:fontRef>
+          </p:style>
+          <p:txBody>
+            <a:bodyPr rtlCol="0" anchor="ctr"/>
+            <a:lstStyle/>
+            <a:p>
+              <a:pPr algn="ctr"/>
+              <a:endParaRPr lang="zh-CN" altLang="en-US"/>
+            </a:p>
+          </p:txBody>
+        </p:sp>
+        <p:sp>
+          <p:nvSpPr>
+            <p:cNvPr id="6" name="箭头: 右 5">
+              <a:extLst>
+                <a:ext uri="{FF2B5EF4-FFF2-40B4-BE49-F238E27FC236}">
+                  <a16:creationId xmlns:a16="http://schemas.microsoft.com/office/drawing/2014/main" id="{44E69A2F-467E-FE80-501B-91453E4E7023}"/>
+                </a:ext>
+              </a:extLst>
+            </p:cNvPr>
+            <p:cNvSpPr/>
+            <p:nvPr/>
+          </p:nvSpPr>
+          <p:spPr>
+            <a:xfrm>
+              <a:off x="4500585" y="4125293"/>
+              <a:ext cx="2310063" cy="336884"/>
+            </a:xfrm>
+            <a:prstGeom prst="rightArrow">
+              <a:avLst>
+                <a:gd name="adj1" fmla="val 50000"/>
+                <a:gd name="adj2" fmla="val 115714"/>
+              </a:avLst>
+            </a:prstGeom>
+            <a:solidFill>
+              <a:srgbClr val="00B050"/>
+            </a:solidFill>
+          </p:spPr>
+          <p:style>
+            <a:lnRef idx="2">
+              <a:schemeClr val="accent1">
+                <a:shade val="50000"/>
+              </a:schemeClr>
+            </a:lnRef>
+            <a:fillRef idx="1">
+              <a:schemeClr val="accent1"/>
+            </a:fillRef>
+            <a:effectRef idx="0">
+              <a:schemeClr val="accent1"/>
+            </a:effectRef>
+            <a:fontRef idx="minor">
+              <a:schemeClr val="lt1"/>
+            </a:fontRef>
+          </p:style>
+          <p:txBody>
+            <a:bodyPr rtlCol="0" anchor="ctr"/>
+            <a:lstStyle/>
+            <a:p>
+              <a:pPr algn="ctr"/>
+              <a:endParaRPr lang="zh-CN" altLang="en-US"/>
+            </a:p>
+          </p:txBody>
+        </p:sp>
+        <p:sp>
+          <p:nvSpPr>
+            <p:cNvPr id="7" name="箭头: 右 6">
+              <a:extLst>
+                <a:ext uri="{FF2B5EF4-FFF2-40B4-BE49-F238E27FC236}">
+                  <a16:creationId xmlns:a16="http://schemas.microsoft.com/office/drawing/2014/main" id="{3B76D816-84DB-6B32-1DF3-96DE55613987}"/>
+                </a:ext>
+              </a:extLst>
+            </p:cNvPr>
+            <p:cNvSpPr/>
+            <p:nvPr/>
+          </p:nvSpPr>
+          <p:spPr>
+            <a:xfrm>
+              <a:off x="4500584" y="5021639"/>
+              <a:ext cx="2310063" cy="336884"/>
+            </a:xfrm>
+            <a:prstGeom prst="rightArrow">
+              <a:avLst>
+                <a:gd name="adj1" fmla="val 50000"/>
+                <a:gd name="adj2" fmla="val 115714"/>
+              </a:avLst>
+            </a:prstGeom>
+            <a:solidFill>
+              <a:srgbClr val="00B050"/>
+            </a:solidFill>
+          </p:spPr>
+          <p:style>
+            <a:lnRef idx="2">
+              <a:schemeClr val="accent1">
+                <a:shade val="50000"/>
+              </a:schemeClr>
+            </a:lnRef>
+            <a:fillRef idx="1">
+              <a:schemeClr val="accent1"/>
+            </a:fillRef>
+            <a:effectRef idx="0">
+              <a:schemeClr val="accent1"/>
+            </a:effectRef>
+            <a:fontRef idx="minor">
+              <a:schemeClr val="lt1"/>
+            </a:fontRef>
+          </p:style>
+          <p:txBody>
+            <a:bodyPr rtlCol="0" anchor="ctr"/>
+            <a:lstStyle/>
+            <a:p>
+              <a:pPr algn="ctr"/>
+              <a:endParaRPr lang="zh-CN" altLang="en-US"/>
+            </a:p>
+          </p:txBody>
+        </p:sp>
+      </p:grpSp>
+    </p:spTree>
+    <p:extLst>
+      <p:ext uri="{BB962C8B-B14F-4D97-AF65-F5344CB8AC3E}">
+        <p14:creationId xmlns:p14="http://schemas.microsoft.com/office/powerpoint/2010/main" val="3502419406"/>
+      </p:ext>
+    </p:extLst>
+  </p:cSld>
+  <p:clrMapOvr>
+    <a:masterClrMapping/>
+  </p:clrMapOvr>
+  <p:transition spd="med">
+    <p:pull/>
+  </p:transition>
+</p:sld>
+</file>
+
+<file path=ppt/slides/slide5.xml><?xml version="1.0" encoding="utf-8"?>
+<p:sld xmlns:a="http://schemas.openxmlformats.org/drawingml/2006/main" xmlns:r="http://schemas.openxmlformats.org/officeDocument/2006/relationships" xmlns:p="http://schemas.openxmlformats.org/presentationml/2006/main">
+  <p:cSld>
+    <p:spTree>
+      <p:nvGrpSpPr>
+        <p:cNvPr id="1" name=""/>
+        <p:cNvGrpSpPr/>
+        <p:nvPr/>
+      </p:nvGrpSpPr>
+      <p:grpSpPr>
+        <a:xfrm>
+          <a:off x="0" y="0"/>
+          <a:ext cx="0" cy="0"/>
+          <a:chOff x="0" y="0"/>
+          <a:chExt cx="0" cy="0"/>
+        </a:xfrm>
+      </p:grpSpPr>
       <p:sp>
         <p:nvSpPr>
-          <p:cNvPr id="11" name="内容占位符 1"/>
-          <p:cNvSpPr txBox="1"/>
+          <p:cNvPr id="9" name="标题 8"/>
+          <p:cNvSpPr>
+            <a:spLocks noGrp="1"/>
+          </p:cNvSpPr>
+          <p:nvPr>
+            <p:ph type="title"/>
+          </p:nvPr>
+        </p:nvSpPr>
+        <p:spPr>
+          <a:xfrm>
+            <a:off x="1606550" y="345305"/>
+            <a:ext cx="8643848" cy="478155"/>
+          </a:xfrm>
+        </p:spPr>
+        <p:txBody>
+          <a:bodyPr/>
+          <a:lstStyle/>
+          <a:p>
+            <a:r>
+              <a:rPr lang="zh-CN" altLang="en-US" dirty="0"/>
+              <a:t>目前进度</a:t>
+            </a:r>
+          </a:p>
+        </p:txBody>
+      </p:sp>
+      <p:sp>
+        <p:nvSpPr>
+          <p:cNvPr id="10" name="文本框 9"/>
+          <p:cNvSpPr txBox="1">
+            <a:spLocks noChangeArrowheads="1"/>
+          </p:cNvSpPr>
+          <p:nvPr/>
+        </p:nvSpPr>
+        <p:spPr bwMode="auto">
+          <a:xfrm>
+            <a:off x="357352" y="235111"/>
+            <a:ext cx="969798" cy="646112"/>
+          </a:xfrm>
+          <a:prstGeom prst="rect">
+            <a:avLst/>
+          </a:prstGeom>
+          <a:noFill/>
+          <a:ln>
+            <a:noFill/>
+          </a:ln>
+          <a:extLst>
+            <a:ext uri="{909E8E84-426E-40DD-AFC4-6F175D3DCCD1}">
+              <a14:hiddenFill xmlns:a14="http://schemas.microsoft.com/office/drawing/2010/main">
+                <a:solidFill>
+                  <a:srgbClr val="FFFFFF"/>
+                </a:solidFill>
+              </a14:hiddenFill>
+            </a:ext>
+            <a:ext uri="{91240B29-F687-4F45-9708-019B960494DF}">
+              <a14:hiddenLine xmlns:a14="http://schemas.microsoft.com/office/drawing/2010/main" w="9525">
+                <a:solidFill>
+                  <a:srgbClr val="000000"/>
+                </a:solidFill>
+                <a:miter lim="800000"/>
+                <a:headEnd/>
+                <a:tailEnd/>
+              </a14:hiddenLine>
+            </a:ext>
+          </a:extLst>
+        </p:spPr>
+        <p:txBody>
+          <a:bodyPr wrap="square">
+            <a:spAutoFit/>
+          </a:bodyPr>
+          <a:lstStyle>
+            <a:lvl1pPr marL="228600" indent="-228600">
+              <a:defRPr>
+                <a:solidFill>
+                  <a:schemeClr val="tx1"/>
+                </a:solidFill>
+                <a:latin typeface="Century Gothic" panose="020B0502020202020204" pitchFamily="34" charset="0"/>
+                <a:ea typeface="微软雅黑" panose="020B0503020204020204" charset="-122"/>
+              </a:defRPr>
+            </a:lvl1pPr>
+            <a:lvl2pPr marL="742950" indent="-285750">
+              <a:defRPr>
+                <a:solidFill>
+                  <a:schemeClr val="tx1"/>
+                </a:solidFill>
+                <a:latin typeface="Century Gothic" panose="020B0502020202020204" pitchFamily="34" charset="0"/>
+                <a:ea typeface="微软雅黑" panose="020B0503020204020204" charset="-122"/>
+              </a:defRPr>
+            </a:lvl2pPr>
+            <a:lvl3pPr marL="1143000" indent="-228600">
+              <a:defRPr>
+                <a:solidFill>
+                  <a:schemeClr val="tx1"/>
+                </a:solidFill>
+                <a:latin typeface="Century Gothic" panose="020B0502020202020204" pitchFamily="34" charset="0"/>
+                <a:ea typeface="微软雅黑" panose="020B0503020204020204" charset="-122"/>
+              </a:defRPr>
+            </a:lvl3pPr>
+            <a:lvl4pPr marL="1600200" indent="-228600">
+              <a:defRPr>
+                <a:solidFill>
+                  <a:schemeClr val="tx1"/>
+                </a:solidFill>
+                <a:latin typeface="Century Gothic" panose="020B0502020202020204" pitchFamily="34" charset="0"/>
+                <a:ea typeface="微软雅黑" panose="020B0503020204020204" charset="-122"/>
+              </a:defRPr>
+            </a:lvl4pPr>
+            <a:lvl5pPr marL="2057400" indent="-228600">
+              <a:defRPr>
+                <a:solidFill>
+                  <a:schemeClr val="tx1"/>
+                </a:solidFill>
+                <a:latin typeface="Century Gothic" panose="020B0502020202020204" pitchFamily="34" charset="0"/>
+                <a:ea typeface="微软雅黑" panose="020B0503020204020204" charset="-122"/>
+              </a:defRPr>
+            </a:lvl5pPr>
+            <a:lvl6pPr marL="2514600" indent="-228600" fontAlgn="base">
+              <a:spcBef>
+                <a:spcPct val="0"/>
+              </a:spcBef>
+              <a:spcAft>
+                <a:spcPct val="0"/>
+              </a:spcAft>
+              <a:defRPr>
+                <a:solidFill>
+                  <a:schemeClr val="tx1"/>
+                </a:solidFill>
+                <a:latin typeface="Century Gothic" panose="020B0502020202020204" pitchFamily="34" charset="0"/>
+                <a:ea typeface="微软雅黑" panose="020B0503020204020204" charset="-122"/>
+              </a:defRPr>
+            </a:lvl6pPr>
+            <a:lvl7pPr marL="2971800" indent="-228600" fontAlgn="base">
+              <a:spcBef>
+                <a:spcPct val="0"/>
+              </a:spcBef>
+              <a:spcAft>
+                <a:spcPct val="0"/>
+              </a:spcAft>
+              <a:defRPr>
+                <a:solidFill>
+                  <a:schemeClr val="tx1"/>
+                </a:solidFill>
+                <a:latin typeface="Century Gothic" panose="020B0502020202020204" pitchFamily="34" charset="0"/>
+                <a:ea typeface="微软雅黑" panose="020B0503020204020204" charset="-122"/>
+              </a:defRPr>
+            </a:lvl7pPr>
+            <a:lvl8pPr marL="3429000" indent="-228600" fontAlgn="base">
+              <a:spcBef>
+                <a:spcPct val="0"/>
+              </a:spcBef>
+              <a:spcAft>
+                <a:spcPct val="0"/>
+              </a:spcAft>
+              <a:defRPr>
+                <a:solidFill>
+                  <a:schemeClr val="tx1"/>
+                </a:solidFill>
+                <a:latin typeface="Century Gothic" panose="020B0502020202020204" pitchFamily="34" charset="0"/>
+                <a:ea typeface="微软雅黑" panose="020B0503020204020204" charset="-122"/>
+              </a:defRPr>
+            </a:lvl8pPr>
+            <a:lvl9pPr marL="3886200" indent="-228600" fontAlgn="base">
+              <a:spcBef>
+                <a:spcPct val="0"/>
+              </a:spcBef>
+              <a:spcAft>
+                <a:spcPct val="0"/>
+              </a:spcAft>
+              <a:defRPr>
+                <a:solidFill>
+                  <a:schemeClr val="tx1"/>
+                </a:solidFill>
+                <a:latin typeface="Century Gothic" panose="020B0502020202020204" pitchFamily="34" charset="0"/>
+                <a:ea typeface="微软雅黑" panose="020B0503020204020204" charset="-122"/>
+              </a:defRPr>
+            </a:lvl9pPr>
+          </a:lstStyle>
+          <a:p>
+            <a:pPr marL="228600" marR="0" lvl="0" indent="-228600" algn="ctr" defTabSz="914400" rtl="0" eaLnBrk="1" fontAlgn="auto" latinLnBrk="0" hangingPunct="1">
+              <a:lnSpc>
+                <a:spcPct val="100000"/>
+              </a:lnSpc>
+              <a:spcBef>
+                <a:spcPts val="0"/>
+              </a:spcBef>
+              <a:spcAft>
+                <a:spcPts val="0"/>
+              </a:spcAft>
+              <a:buClrTx/>
+              <a:buSzTx/>
+              <a:buFontTx/>
+              <a:buNone/>
+              <a:tabLst/>
+              <a:defRPr/>
+            </a:pPr>
+            <a:r>
+              <a:rPr lang="en-US" altLang="zh-CN" sz="3600" b="1" dirty="0">
+                <a:solidFill>
+                  <a:prstClr val="white"/>
+                </a:solidFill>
+              </a:rPr>
+              <a:t>2</a:t>
+            </a:r>
+            <a:endParaRPr kumimoji="0" lang="zh-CN" altLang="en-US" sz="3600" b="1" i="0" u="none" strike="noStrike" kern="1200" cap="none" spc="0" normalizeH="0" baseline="0" noProof="0" dirty="0">
+              <a:ln>
+                <a:noFill/>
+              </a:ln>
+              <a:solidFill>
+                <a:prstClr val="white"/>
+              </a:solidFill>
+              <a:effectLst/>
+              <a:uLnTx/>
+              <a:uFillTx/>
+              <a:latin typeface="Century Gothic" panose="020B0502020202020204" pitchFamily="34" charset="0"/>
+              <a:ea typeface="微软雅黑" panose="020B0503020204020204" charset="-122"/>
+              <a:cs typeface="+mn-cs"/>
+            </a:endParaRPr>
+          </a:p>
+        </p:txBody>
+      </p:sp>
+      <p:sp>
+        <p:nvSpPr>
+          <p:cNvPr id="3" name="内容占位符 2">
+            <a:extLst>
+              <a:ext uri="{FF2B5EF4-FFF2-40B4-BE49-F238E27FC236}">
+                <a16:creationId xmlns:a16="http://schemas.microsoft.com/office/drawing/2014/main" id="{2EE0A509-0013-7586-CC98-B713B8853497}"/>
+              </a:ext>
+            </a:extLst>
+          </p:cNvPr>
+          <p:cNvSpPr txBox="1">
+            <a:spLocks/>
+          </p:cNvSpPr>
           <p:nvPr/>
         </p:nvSpPr>
         <p:spPr>
           <a:xfrm>
-            <a:off x="842251" y="1620729"/>
-            <a:ext cx="10251316" cy="3805453"/>
+            <a:off x="258600" y="1253331"/>
+            <a:ext cx="11674800" cy="1519686"/>
           </a:xfrm>
           <a:prstGeom prst="rect">
             <a:avLst/>
           </a:prstGeom>
         </p:spPr>
         <p:txBody>
-          <a:bodyPr vert="horz" lIns="0" tIns="0" rIns="0" bIns="0" rtlCol="0">
-            <a:normAutofit/>
-          </a:bodyPr>
+          <a:bodyPr/>
           <a:lstStyle>
-            <a:lvl1pPr marL="228600" indent="-228600" algn="l" defTabSz="914400" rtl="0" eaLnBrk="1" latinLnBrk="0" hangingPunct="1">
+            <a:lvl1pPr marL="228600" indent="-228600" algn="l" rtl="0" eaLnBrk="0" fontAlgn="base" hangingPunct="0">
               <a:lnSpc>
-                <a:spcPct val="120000"/>
+                <a:spcPct val="90000"/>
               </a:lnSpc>
               <a:spcBef>
                 <a:spcPts val="1000"/>
               </a:spcBef>
+              <a:spcAft>
+                <a:spcPct val="0"/>
+              </a:spcAft>
               <a:buFont typeface="Arial" panose="020B0604020202020204" pitchFamily="34" charset="0"/>
               <a:buChar char="•"/>
-              <a:defRPr sz="2800" kern="1200" spc="300">
+              <a:defRPr sz="2800" kern="1200">
                 <a:solidFill>
                   <a:schemeClr val="tx1"/>
                 </a:solidFill>
@@ -32811,16 +34758,19 @@
                 <a:cs typeface="+mn-cs"/>
               </a:defRPr>
             </a:lvl1pPr>
-            <a:lvl2pPr marL="685800" indent="-228600" algn="l" defTabSz="914400" rtl="0" eaLnBrk="1" latinLnBrk="0" hangingPunct="1">
+            <a:lvl2pPr marL="685800" indent="-228600" algn="l" rtl="0" eaLnBrk="0" fontAlgn="base" hangingPunct="0">
               <a:lnSpc>
-                <a:spcPct val="120000"/>
+                <a:spcPct val="90000"/>
               </a:lnSpc>
               <a:spcBef>
                 <a:spcPts val="500"/>
               </a:spcBef>
+              <a:spcAft>
+                <a:spcPct val="0"/>
+              </a:spcAft>
               <a:buFont typeface="Arial" panose="020B0604020202020204" pitchFamily="34" charset="0"/>
               <a:buChar char="•"/>
-              <a:defRPr sz="2400" kern="1200" spc="300">
+              <a:defRPr sz="2400" kern="1200">
                 <a:solidFill>
                   <a:schemeClr val="tx1"/>
                 </a:solidFill>
@@ -32829,16 +34779,19 @@
                 <a:cs typeface="+mn-cs"/>
               </a:defRPr>
             </a:lvl2pPr>
-            <a:lvl3pPr marL="1143000" indent="-228600" algn="l" defTabSz="914400" rtl="0" eaLnBrk="1" latinLnBrk="0" hangingPunct="1">
+            <a:lvl3pPr marL="1143000" indent="-228600" algn="l" rtl="0" eaLnBrk="0" fontAlgn="base" hangingPunct="0">
               <a:lnSpc>
                 <a:spcPct val="90000"/>
               </a:lnSpc>
               <a:spcBef>
                 <a:spcPts val="500"/>
               </a:spcBef>
+              <a:spcAft>
+                <a:spcPct val="0"/>
+              </a:spcAft>
               <a:buFont typeface="Arial" panose="020B0604020202020204" pitchFamily="34" charset="0"/>
               <a:buChar char="•"/>
-              <a:defRPr sz="2000" kern="1200" spc="300">
+              <a:defRPr sz="2000" kern="1200">
                 <a:solidFill>
                   <a:schemeClr val="tx1"/>
                 </a:solidFill>
@@ -32847,16 +34800,19 @@
                 <a:cs typeface="+mn-cs"/>
               </a:defRPr>
             </a:lvl3pPr>
-            <a:lvl4pPr marL="1600200" indent="-228600" algn="l" defTabSz="914400" rtl="0" eaLnBrk="1" latinLnBrk="0" hangingPunct="1">
+            <a:lvl4pPr marL="1600200" indent="-228600" algn="l" rtl="0" eaLnBrk="0" fontAlgn="base" hangingPunct="0">
               <a:lnSpc>
                 <a:spcPct val="90000"/>
               </a:lnSpc>
               <a:spcBef>
                 <a:spcPts val="500"/>
               </a:spcBef>
+              <a:spcAft>
+                <a:spcPct val="0"/>
+              </a:spcAft>
               <a:buFont typeface="Arial" panose="020B0604020202020204" pitchFamily="34" charset="0"/>
               <a:buChar char="•"/>
-              <a:defRPr sz="1800" kern="1200" spc="300">
+              <a:defRPr kern="1200">
                 <a:solidFill>
                   <a:schemeClr val="tx1"/>
                 </a:solidFill>
@@ -32865,16 +34821,19 @@
                 <a:cs typeface="+mn-cs"/>
               </a:defRPr>
             </a:lvl4pPr>
-            <a:lvl5pPr marL="2057400" indent="-228600" algn="l" defTabSz="914400" rtl="0" eaLnBrk="1" latinLnBrk="0" hangingPunct="1">
+            <a:lvl5pPr marL="2057400" indent="-228600" algn="l" rtl="0" eaLnBrk="0" fontAlgn="base" hangingPunct="0">
               <a:lnSpc>
                 <a:spcPct val="90000"/>
               </a:lnSpc>
               <a:spcBef>
                 <a:spcPts val="500"/>
               </a:spcBef>
+              <a:spcAft>
+                <a:spcPct val="0"/>
+              </a:spcAft>
               <a:buFont typeface="Arial" panose="020B0604020202020204" pitchFamily="34" charset="0"/>
               <a:buChar char="•"/>
-              <a:defRPr sz="1800" kern="1200" spc="300">
+              <a:defRPr kern="1200">
                 <a:solidFill>
                   <a:schemeClr val="tx1"/>
                 </a:solidFill>
@@ -32957,52 +34916,291 @@
             </a:lvl9pPr>
           </a:lstStyle>
           <a:p>
+            <a:pPr>
+              <a:lnSpc>
+                <a:spcPct val="120000"/>
+              </a:lnSpc>
+              <a:spcBef>
+                <a:spcPts val="500"/>
+              </a:spcBef>
+            </a:pPr>
+            <a:r>
+              <a:rPr lang="zh-CN" altLang="en-US" b="1" dirty="0"/>
+              <a:t>完成外文翻译</a:t>
+            </a:r>
+            <a:endParaRPr lang="en-US" altLang="zh-CN" b="1" dirty="0"/>
+          </a:p>
+          <a:p>
             <a:pPr lvl="1">
+              <a:lnSpc>
+                <a:spcPct val="120000"/>
+              </a:lnSpc>
               <a:defRPr/>
             </a:pPr>
-            <a:endParaRPr lang="en-US" altLang="zh-CN" sz="1655" dirty="0">
+            <a:r>
+              <a:rPr lang="zh-CN" altLang="en-US" sz="2000" dirty="0"/>
+              <a:t>仓库地址：</a:t>
+            </a:r>
+            <a:r>
+              <a:rPr lang="en-US" altLang="zh-CN" sz="2000" dirty="0">
+                <a:solidFill>
+                  <a:srgbClr val="0070C0"/>
+                </a:solidFill>
+                <a:hlinkClick r:id="rId3"/>
+              </a:rPr>
+              <a:t>https://github.com/LancerEnk/GraduationDesign/tree/main/doc/%E7%BF%BB%E8%AF%91</a:t>
+            </a:r>
+            <a:endParaRPr lang="zh-CN" altLang="en-US" sz="2000" dirty="0">
               <a:solidFill>
-                <a:srgbClr val="000000"/>
+                <a:srgbClr val="0070C0"/>
               </a:solidFill>
-              <a:latin typeface="微软雅黑" panose="020B0503020204020204" charset="-122"/>
-              <a:ea typeface="微软雅黑" panose="020B0503020204020204" charset="-122"/>
-              <a:sym typeface="+mn-ea"/>
             </a:endParaRPr>
+          </a:p>
+        </p:txBody>
+      </p:sp>
+      <p:pic>
+        <p:nvPicPr>
+          <p:cNvPr id="12" name="图片 11">
+            <a:extLst>
+              <a:ext uri="{FF2B5EF4-FFF2-40B4-BE49-F238E27FC236}">
+                <a16:creationId xmlns:a16="http://schemas.microsoft.com/office/drawing/2014/main" id="{E95090AF-3FFB-0AF1-B41E-BF8BF400AE47}"/>
+              </a:ext>
+            </a:extLst>
+          </p:cNvPr>
+          <p:cNvPicPr>
+            <a:picLocks noChangeAspect="1"/>
+          </p:cNvPicPr>
+          <p:nvPr/>
+        </p:nvPicPr>
+        <p:blipFill>
+          <a:blip r:embed="rId4"/>
+          <a:stretch>
+            <a:fillRect/>
+          </a:stretch>
+        </p:blipFill>
+        <p:spPr>
+          <a:xfrm>
+            <a:off x="1272130" y="3032899"/>
+            <a:ext cx="9647741" cy="2999844"/>
+          </a:xfrm>
+          <a:prstGeom prst="rect">
+            <a:avLst/>
+          </a:prstGeom>
+        </p:spPr>
+      </p:pic>
+    </p:spTree>
+    <p:extLst>
+      <p:ext uri="{BB962C8B-B14F-4D97-AF65-F5344CB8AC3E}">
+        <p14:creationId xmlns:p14="http://schemas.microsoft.com/office/powerpoint/2010/main" val="3937710476"/>
+      </p:ext>
+    </p:extLst>
+  </p:cSld>
+  <p:clrMapOvr>
+    <a:masterClrMapping/>
+  </p:clrMapOvr>
+  <p:transition spd="med">
+    <p:pull/>
+  </p:transition>
+</p:sld>
+</file>
+
+<file path=ppt/slides/slide6.xml><?xml version="1.0" encoding="utf-8"?>
+<p:sld xmlns:a="http://schemas.openxmlformats.org/drawingml/2006/main" xmlns:r="http://schemas.openxmlformats.org/officeDocument/2006/relationships" xmlns:p="http://schemas.openxmlformats.org/presentationml/2006/main">
+  <p:cSld>
+    <p:spTree>
+      <p:nvGrpSpPr>
+        <p:cNvPr id="1" name=""/>
+        <p:cNvGrpSpPr/>
+        <p:nvPr/>
+      </p:nvGrpSpPr>
+      <p:grpSpPr>
+        <a:xfrm>
+          <a:off x="0" y="0"/>
+          <a:ext cx="0" cy="0"/>
+          <a:chOff x="0" y="0"/>
+          <a:chExt cx="0" cy="0"/>
+        </a:xfrm>
+      </p:grpSpPr>
+      <p:sp>
+        <p:nvSpPr>
+          <p:cNvPr id="9" name="标题 8"/>
+          <p:cNvSpPr>
+            <a:spLocks noGrp="1"/>
+          </p:cNvSpPr>
+          <p:nvPr>
+            <p:ph type="title"/>
+          </p:nvPr>
+        </p:nvSpPr>
+        <p:spPr>
+          <a:xfrm>
+            <a:off x="1606550" y="345305"/>
+            <a:ext cx="8643848" cy="478155"/>
+          </a:xfrm>
+        </p:spPr>
+        <p:txBody>
+          <a:bodyPr/>
+          <a:lstStyle/>
+          <a:p>
+            <a:r>
+              <a:rPr lang="zh-CN" altLang="en-US" dirty="0"/>
+              <a:t>目前进度</a:t>
+            </a:r>
           </a:p>
         </p:txBody>
       </p:sp>
       <p:sp>
         <p:nvSpPr>
-          <p:cNvPr id="12" name="半闭框 11"/>
-          <p:cNvSpPr/>
+          <p:cNvPr id="10" name="文本框 9"/>
+          <p:cNvSpPr txBox="1">
+            <a:spLocks noChangeArrowheads="1"/>
+          </p:cNvSpPr>
           <p:nvPr/>
         </p:nvSpPr>
-        <p:spPr>
+        <p:spPr bwMode="auto">
           <a:xfrm>
-            <a:off x="1058985" y="1459875"/>
-            <a:ext cx="480646" cy="480646"/>
+            <a:off x="357352" y="235111"/>
+            <a:ext cx="969798" cy="646112"/>
           </a:xfrm>
-          <a:prstGeom prst="halfFrame">
-            <a:avLst>
-              <a:gd name="adj1" fmla="val 17948"/>
-              <a:gd name="adj2" fmla="val 17949"/>
-            </a:avLst>
+          <a:prstGeom prst="rect">
+            <a:avLst/>
           </a:prstGeom>
-          <a:solidFill>
-            <a:schemeClr val="accent4"/>
-          </a:solidFill>
-          <a:ln w="12700" cap="flat" cmpd="sng" algn="ctr">
+          <a:noFill/>
+          <a:ln>
             <a:noFill/>
-            <a:prstDash val="solid"/>
-            <a:miter lim="800000"/>
           </a:ln>
-          <a:effectLst/>
+          <a:extLst>
+            <a:ext uri="{909E8E84-426E-40DD-AFC4-6F175D3DCCD1}">
+              <a14:hiddenFill xmlns:a14="http://schemas.microsoft.com/office/drawing/2010/main">
+                <a:solidFill>
+                  <a:srgbClr val="FFFFFF"/>
+                </a:solidFill>
+              </a14:hiddenFill>
+            </a:ext>
+            <a:ext uri="{91240B29-F687-4F45-9708-019B960494DF}">
+              <a14:hiddenLine xmlns:a14="http://schemas.microsoft.com/office/drawing/2010/main" w="9525">
+                <a:solidFill>
+                  <a:srgbClr val="000000"/>
+                </a:solidFill>
+                <a:miter lim="800000"/>
+                <a:headEnd/>
+                <a:tailEnd/>
+              </a14:hiddenLine>
+            </a:ext>
+          </a:extLst>
         </p:spPr>
         <p:txBody>
-          <a:bodyPr rtlCol="0" anchor="ctr"/>
-          <a:lstStyle/>
+          <a:bodyPr wrap="square">
+            <a:spAutoFit/>
+          </a:bodyPr>
+          <a:lstStyle>
+            <a:lvl1pPr marL="228600" indent="-228600">
+              <a:defRPr>
+                <a:solidFill>
+                  <a:schemeClr val="tx1"/>
+                </a:solidFill>
+                <a:latin typeface="Century Gothic" panose="020B0502020202020204" pitchFamily="34" charset="0"/>
+                <a:ea typeface="微软雅黑" panose="020B0503020204020204" charset="-122"/>
+              </a:defRPr>
+            </a:lvl1pPr>
+            <a:lvl2pPr marL="742950" indent="-285750">
+              <a:defRPr>
+                <a:solidFill>
+                  <a:schemeClr val="tx1"/>
+                </a:solidFill>
+                <a:latin typeface="Century Gothic" panose="020B0502020202020204" pitchFamily="34" charset="0"/>
+                <a:ea typeface="微软雅黑" panose="020B0503020204020204" charset="-122"/>
+              </a:defRPr>
+            </a:lvl2pPr>
+            <a:lvl3pPr marL="1143000" indent="-228600">
+              <a:defRPr>
+                <a:solidFill>
+                  <a:schemeClr val="tx1"/>
+                </a:solidFill>
+                <a:latin typeface="Century Gothic" panose="020B0502020202020204" pitchFamily="34" charset="0"/>
+                <a:ea typeface="微软雅黑" panose="020B0503020204020204" charset="-122"/>
+              </a:defRPr>
+            </a:lvl3pPr>
+            <a:lvl4pPr marL="1600200" indent="-228600">
+              <a:defRPr>
+                <a:solidFill>
+                  <a:schemeClr val="tx1"/>
+                </a:solidFill>
+                <a:latin typeface="Century Gothic" panose="020B0502020202020204" pitchFamily="34" charset="0"/>
+                <a:ea typeface="微软雅黑" panose="020B0503020204020204" charset="-122"/>
+              </a:defRPr>
+            </a:lvl4pPr>
+            <a:lvl5pPr marL="2057400" indent="-228600">
+              <a:defRPr>
+                <a:solidFill>
+                  <a:schemeClr val="tx1"/>
+                </a:solidFill>
+                <a:latin typeface="Century Gothic" panose="020B0502020202020204" pitchFamily="34" charset="0"/>
+                <a:ea typeface="微软雅黑" panose="020B0503020204020204" charset="-122"/>
+              </a:defRPr>
+            </a:lvl5pPr>
+            <a:lvl6pPr marL="2514600" indent="-228600" fontAlgn="base">
+              <a:spcBef>
+                <a:spcPct val="0"/>
+              </a:spcBef>
+              <a:spcAft>
+                <a:spcPct val="0"/>
+              </a:spcAft>
+              <a:defRPr>
+                <a:solidFill>
+                  <a:schemeClr val="tx1"/>
+                </a:solidFill>
+                <a:latin typeface="Century Gothic" panose="020B0502020202020204" pitchFamily="34" charset="0"/>
+                <a:ea typeface="微软雅黑" panose="020B0503020204020204" charset="-122"/>
+              </a:defRPr>
+            </a:lvl6pPr>
+            <a:lvl7pPr marL="2971800" indent="-228600" fontAlgn="base">
+              <a:spcBef>
+                <a:spcPct val="0"/>
+              </a:spcBef>
+              <a:spcAft>
+                <a:spcPct val="0"/>
+              </a:spcAft>
+              <a:defRPr>
+                <a:solidFill>
+                  <a:schemeClr val="tx1"/>
+                </a:solidFill>
+                <a:latin typeface="Century Gothic" panose="020B0502020202020204" pitchFamily="34" charset="0"/>
+                <a:ea typeface="微软雅黑" panose="020B0503020204020204" charset="-122"/>
+              </a:defRPr>
+            </a:lvl7pPr>
+            <a:lvl8pPr marL="3429000" indent="-228600" fontAlgn="base">
+              <a:spcBef>
+                <a:spcPct val="0"/>
+              </a:spcBef>
+              <a:spcAft>
+                <a:spcPct val="0"/>
+              </a:spcAft>
+              <a:defRPr>
+                <a:solidFill>
+                  <a:schemeClr val="tx1"/>
+                </a:solidFill>
+                <a:latin typeface="Century Gothic" panose="020B0502020202020204" pitchFamily="34" charset="0"/>
+                <a:ea typeface="微软雅黑" panose="020B0503020204020204" charset="-122"/>
+              </a:defRPr>
+            </a:lvl8pPr>
+            <a:lvl9pPr marL="3886200" indent="-228600" fontAlgn="base">
+              <a:spcBef>
+                <a:spcPct val="0"/>
+              </a:spcBef>
+              <a:spcAft>
+                <a:spcPct val="0"/>
+              </a:spcAft>
+              <a:defRPr>
+                <a:solidFill>
+                  <a:schemeClr val="tx1"/>
+                </a:solidFill>
+                <a:latin typeface="Century Gothic" panose="020B0502020202020204" pitchFamily="34" charset="0"/>
+                <a:ea typeface="微软雅黑" panose="020B0503020204020204" charset="-122"/>
+              </a:defRPr>
+            </a:lvl9pPr>
+          </a:lstStyle>
           <a:p>
-            <a:pPr marL="0" marR="0" lvl="0" indent="0" algn="ctr" defTabSz="914400" rtl="0" eaLnBrk="1" fontAlgn="auto" latinLnBrk="0" hangingPunct="1">
+            <a:pPr marL="228600" marR="0" lvl="0" indent="-228600" algn="ctr" defTabSz="914400" rtl="0" eaLnBrk="1" fontAlgn="auto" latinLnBrk="0" hangingPunct="1">
               <a:lnSpc>
                 <a:spcPct val="100000"/>
               </a:lnSpc>
@@ -33019,17 +35217,25 @@
               <a:tabLst/>
               <a:defRPr/>
             </a:pPr>
-            <a:endParaRPr kumimoji="0" lang="zh-CN" altLang="en-US" sz="1800" b="0" i="0" u="none" strike="noStrike" kern="0" cap="none" spc="0" normalizeH="0" baseline="0" noProof="0">
+            <a:r>
+              <a:rPr lang="en-US" altLang="zh-CN" sz="3600" b="1" dirty="0">
+                <a:solidFill>
+                  <a:prstClr val="white"/>
+                </a:solidFill>
+              </a:rPr>
+              <a:t>2</a:t>
+            </a:r>
+            <a:endParaRPr kumimoji="0" lang="zh-CN" altLang="en-US" sz="3600" b="1" i="0" u="none" strike="noStrike" kern="1200" cap="none" spc="0" normalizeH="0" baseline="0" noProof="0" dirty="0">
               <a:ln>
                 <a:noFill/>
               </a:ln>
               <a:solidFill>
-                <a:srgbClr val="000000"/>
+                <a:prstClr val="white"/>
               </a:solidFill>
               <a:effectLst/>
               <a:uLnTx/>
               <a:uFillTx/>
-              <a:latin typeface="微软雅黑" panose="020B0503020204020204" charset="-122"/>
+              <a:latin typeface="Century Gothic" panose="020B0502020202020204" pitchFamily="34" charset="0"/>
               <a:ea typeface="微软雅黑" panose="020B0503020204020204" charset="-122"/>
               <a:cs typeface="+mn-cs"/>
             </a:endParaRPr>
@@ -33038,36 +35244,621 @@
       </p:sp>
       <p:sp>
         <p:nvSpPr>
-          <p:cNvPr id="13" name="半闭框 12"/>
-          <p:cNvSpPr/>
+          <p:cNvPr id="2" name="内容占位符 2">
+            <a:extLst>
+              <a:ext uri="{FF2B5EF4-FFF2-40B4-BE49-F238E27FC236}">
+                <a16:creationId xmlns:a16="http://schemas.microsoft.com/office/drawing/2014/main" id="{B82556F5-D4EB-E493-9235-2C067AE3EC57}"/>
+              </a:ext>
+            </a:extLst>
+          </p:cNvPr>
+          <p:cNvSpPr txBox="1">
+            <a:spLocks/>
+          </p:cNvSpPr>
           <p:nvPr/>
         </p:nvSpPr>
         <p:spPr>
-          <a:xfrm flipH="1" flipV="1">
-            <a:off x="10639669" y="5185859"/>
-            <a:ext cx="480646" cy="480646"/>
+          <a:xfrm>
+            <a:off x="258418" y="1253330"/>
+            <a:ext cx="11675164" cy="2981785"/>
           </a:xfrm>
-          <a:prstGeom prst="halfFrame">
-            <a:avLst>
-              <a:gd name="adj1" fmla="val 17948"/>
-              <a:gd name="adj2" fmla="val 17949"/>
-            </a:avLst>
+          <a:prstGeom prst="rect">
+            <a:avLst/>
           </a:prstGeom>
-          <a:solidFill>
-            <a:schemeClr val="accent4"/>
-          </a:solidFill>
-          <a:ln w="12700" cap="flat" cmpd="sng" algn="ctr">
-            <a:noFill/>
-            <a:prstDash val="solid"/>
-            <a:miter lim="800000"/>
-          </a:ln>
-          <a:effectLst/>
         </p:spPr>
         <p:txBody>
-          <a:bodyPr rtlCol="0" anchor="ctr"/>
+          <a:bodyPr/>
+          <a:lstStyle>
+            <a:lvl1pPr marL="228600" indent="-228600" algn="l" rtl="0" eaLnBrk="0" fontAlgn="base" hangingPunct="0">
+              <a:lnSpc>
+                <a:spcPct val="90000"/>
+              </a:lnSpc>
+              <a:spcBef>
+                <a:spcPts val="1000"/>
+              </a:spcBef>
+              <a:spcAft>
+                <a:spcPct val="0"/>
+              </a:spcAft>
+              <a:buFont typeface="Arial" panose="020B0604020202020204" pitchFamily="34" charset="0"/>
+              <a:buChar char="•"/>
+              <a:defRPr sz="2800" kern="1200">
+                <a:solidFill>
+                  <a:schemeClr val="tx1"/>
+                </a:solidFill>
+                <a:latin typeface="+mn-lt"/>
+                <a:ea typeface="+mn-ea"/>
+                <a:cs typeface="+mn-cs"/>
+              </a:defRPr>
+            </a:lvl1pPr>
+            <a:lvl2pPr marL="685800" indent="-228600" algn="l" rtl="0" eaLnBrk="0" fontAlgn="base" hangingPunct="0">
+              <a:lnSpc>
+                <a:spcPct val="90000"/>
+              </a:lnSpc>
+              <a:spcBef>
+                <a:spcPts val="500"/>
+              </a:spcBef>
+              <a:spcAft>
+                <a:spcPct val="0"/>
+              </a:spcAft>
+              <a:buFont typeface="Arial" panose="020B0604020202020204" pitchFamily="34" charset="0"/>
+              <a:buChar char="•"/>
+              <a:defRPr sz="2400" kern="1200">
+                <a:solidFill>
+                  <a:schemeClr val="tx1"/>
+                </a:solidFill>
+                <a:latin typeface="+mn-lt"/>
+                <a:ea typeface="+mn-ea"/>
+                <a:cs typeface="+mn-cs"/>
+              </a:defRPr>
+            </a:lvl2pPr>
+            <a:lvl3pPr marL="1143000" indent="-228600" algn="l" rtl="0" eaLnBrk="0" fontAlgn="base" hangingPunct="0">
+              <a:lnSpc>
+                <a:spcPct val="90000"/>
+              </a:lnSpc>
+              <a:spcBef>
+                <a:spcPts val="500"/>
+              </a:spcBef>
+              <a:spcAft>
+                <a:spcPct val="0"/>
+              </a:spcAft>
+              <a:buFont typeface="Arial" panose="020B0604020202020204" pitchFamily="34" charset="0"/>
+              <a:buChar char="•"/>
+              <a:defRPr sz="2000" kern="1200">
+                <a:solidFill>
+                  <a:schemeClr val="tx1"/>
+                </a:solidFill>
+                <a:latin typeface="+mn-lt"/>
+                <a:ea typeface="+mn-ea"/>
+                <a:cs typeface="+mn-cs"/>
+              </a:defRPr>
+            </a:lvl3pPr>
+            <a:lvl4pPr marL="1600200" indent="-228600" algn="l" rtl="0" eaLnBrk="0" fontAlgn="base" hangingPunct="0">
+              <a:lnSpc>
+                <a:spcPct val="90000"/>
+              </a:lnSpc>
+              <a:spcBef>
+                <a:spcPts val="500"/>
+              </a:spcBef>
+              <a:spcAft>
+                <a:spcPct val="0"/>
+              </a:spcAft>
+              <a:buFont typeface="Arial" panose="020B0604020202020204" pitchFamily="34" charset="0"/>
+              <a:buChar char="•"/>
+              <a:defRPr kern="1200">
+                <a:solidFill>
+                  <a:schemeClr val="tx1"/>
+                </a:solidFill>
+                <a:latin typeface="+mn-lt"/>
+                <a:ea typeface="+mn-ea"/>
+                <a:cs typeface="+mn-cs"/>
+              </a:defRPr>
+            </a:lvl4pPr>
+            <a:lvl5pPr marL="2057400" indent="-228600" algn="l" rtl="0" eaLnBrk="0" fontAlgn="base" hangingPunct="0">
+              <a:lnSpc>
+                <a:spcPct val="90000"/>
+              </a:lnSpc>
+              <a:spcBef>
+                <a:spcPts val="500"/>
+              </a:spcBef>
+              <a:spcAft>
+                <a:spcPct val="0"/>
+              </a:spcAft>
+              <a:buFont typeface="Arial" panose="020B0604020202020204" pitchFamily="34" charset="0"/>
+              <a:buChar char="•"/>
+              <a:defRPr kern="1200">
+                <a:solidFill>
+                  <a:schemeClr val="tx1"/>
+                </a:solidFill>
+                <a:latin typeface="+mn-lt"/>
+                <a:ea typeface="+mn-ea"/>
+                <a:cs typeface="+mn-cs"/>
+              </a:defRPr>
+            </a:lvl5pPr>
+            <a:lvl6pPr marL="2514600" indent="-228600" algn="l" defTabSz="914400" rtl="0" eaLnBrk="1" latinLnBrk="0" hangingPunct="1">
+              <a:lnSpc>
+                <a:spcPct val="90000"/>
+              </a:lnSpc>
+              <a:spcBef>
+                <a:spcPts val="500"/>
+              </a:spcBef>
+              <a:buFont typeface="Arial" panose="020B0604020202020204" pitchFamily="34" charset="0"/>
+              <a:buChar char="•"/>
+              <a:defRPr sz="1800" kern="1200">
+                <a:solidFill>
+                  <a:schemeClr val="tx1"/>
+                </a:solidFill>
+                <a:latin typeface="+mn-lt"/>
+                <a:ea typeface="+mn-ea"/>
+                <a:cs typeface="+mn-cs"/>
+              </a:defRPr>
+            </a:lvl6pPr>
+            <a:lvl7pPr marL="2971800" indent="-228600" algn="l" defTabSz="914400" rtl="0" eaLnBrk="1" latinLnBrk="0" hangingPunct="1">
+              <a:lnSpc>
+                <a:spcPct val="90000"/>
+              </a:lnSpc>
+              <a:spcBef>
+                <a:spcPts val="500"/>
+              </a:spcBef>
+              <a:buFont typeface="Arial" panose="020B0604020202020204" pitchFamily="34" charset="0"/>
+              <a:buChar char="•"/>
+              <a:defRPr sz="1800" kern="1200">
+                <a:solidFill>
+                  <a:schemeClr val="tx1"/>
+                </a:solidFill>
+                <a:latin typeface="+mn-lt"/>
+                <a:ea typeface="+mn-ea"/>
+                <a:cs typeface="+mn-cs"/>
+              </a:defRPr>
+            </a:lvl7pPr>
+            <a:lvl8pPr marL="3429000" indent="-228600" algn="l" defTabSz="914400" rtl="0" eaLnBrk="1" latinLnBrk="0" hangingPunct="1">
+              <a:lnSpc>
+                <a:spcPct val="90000"/>
+              </a:lnSpc>
+              <a:spcBef>
+                <a:spcPts val="500"/>
+              </a:spcBef>
+              <a:buFont typeface="Arial" panose="020B0604020202020204" pitchFamily="34" charset="0"/>
+              <a:buChar char="•"/>
+              <a:defRPr sz="1800" kern="1200">
+                <a:solidFill>
+                  <a:schemeClr val="tx1"/>
+                </a:solidFill>
+                <a:latin typeface="+mn-lt"/>
+                <a:ea typeface="+mn-ea"/>
+                <a:cs typeface="+mn-cs"/>
+              </a:defRPr>
+            </a:lvl8pPr>
+            <a:lvl9pPr marL="3886200" indent="-228600" algn="l" defTabSz="914400" rtl="0" eaLnBrk="1" latinLnBrk="0" hangingPunct="1">
+              <a:lnSpc>
+                <a:spcPct val="90000"/>
+              </a:lnSpc>
+              <a:spcBef>
+                <a:spcPts val="500"/>
+              </a:spcBef>
+              <a:buFont typeface="Arial" panose="020B0604020202020204" pitchFamily="34" charset="0"/>
+              <a:buChar char="•"/>
+              <a:defRPr sz="1800" kern="1200">
+                <a:solidFill>
+                  <a:schemeClr val="tx1"/>
+                </a:solidFill>
+                <a:latin typeface="+mn-lt"/>
+                <a:ea typeface="+mn-ea"/>
+                <a:cs typeface="+mn-cs"/>
+              </a:defRPr>
+            </a:lvl9pPr>
+          </a:lstStyle>
+          <a:p>
+            <a:pPr>
+              <a:lnSpc>
+                <a:spcPct val="120000"/>
+              </a:lnSpc>
+              <a:spcBef>
+                <a:spcPts val="500"/>
+              </a:spcBef>
+            </a:pPr>
+            <a:r>
+              <a:rPr lang="zh-CN" altLang="en-US" b="1" dirty="0"/>
+              <a:t>完成复现工作</a:t>
+            </a:r>
+            <a:endParaRPr lang="en-US" altLang="zh-CN" b="1" dirty="0"/>
+          </a:p>
+          <a:p>
+            <a:pPr lvl="1">
+              <a:lnSpc>
+                <a:spcPct val="120000"/>
+              </a:lnSpc>
+            </a:pPr>
+            <a:r>
+              <a:rPr lang="zh-CN" altLang="en-US" sz="2000" dirty="0"/>
+              <a:t>基于实验室其他几位同学前期的复现工作，完整运行了成佳壮前辈的 </a:t>
+            </a:r>
+            <a:r>
+              <a:rPr lang="zh-CN" altLang="en-US" sz="2000" u="sng" dirty="0"/>
+              <a:t>基础</a:t>
+            </a:r>
+            <a:r>
+              <a:rPr lang="zh-CN" altLang="en-US" sz="2000" dirty="0"/>
+              <a:t> 出租车调度系统。</a:t>
+            </a:r>
+            <a:endParaRPr lang="en-US" altLang="zh-CN" sz="2000" dirty="0"/>
+          </a:p>
+          <a:p>
+            <a:pPr lvl="1">
+              <a:lnSpc>
+                <a:spcPct val="120000"/>
+              </a:lnSpc>
+              <a:defRPr/>
+            </a:pPr>
+            <a:r>
+              <a:rPr lang="zh-CN" altLang="en-US" sz="2000" dirty="0"/>
+              <a:t>跑通了万琦玲前辈 </a:t>
+            </a:r>
+            <a:r>
+              <a:rPr lang="zh-CN" altLang="en-US" sz="2000" u="sng" dirty="0"/>
+              <a:t>使用</a:t>
+            </a:r>
+            <a:r>
+              <a:rPr lang="en-US" altLang="zh-CN" sz="2000" u="sng" dirty="0" err="1"/>
+              <a:t>vue</a:t>
+            </a:r>
+            <a:r>
+              <a:rPr lang="zh-CN" altLang="en-US" sz="2000" u="sng" dirty="0"/>
+              <a:t>前端优化 </a:t>
+            </a:r>
+            <a:r>
+              <a:rPr lang="zh-CN" altLang="en-US" sz="2000" dirty="0"/>
+              <a:t>和 </a:t>
+            </a:r>
+            <a:r>
+              <a:rPr lang="zh-CN" altLang="en-US" sz="2000" u="sng" dirty="0"/>
+              <a:t>信誉值算法补充 </a:t>
+            </a:r>
+            <a:r>
+              <a:rPr lang="zh-CN" altLang="en-US" sz="2000" dirty="0"/>
+              <a:t>的出租车调度系统</a:t>
+            </a:r>
+            <a:endParaRPr lang="en-US" altLang="zh-CN" sz="2000" dirty="0"/>
+          </a:p>
+          <a:p>
+            <a:pPr lvl="1">
+              <a:lnSpc>
+                <a:spcPct val="120000"/>
+              </a:lnSpc>
+              <a:defRPr/>
+            </a:pPr>
+            <a:r>
+              <a:rPr lang="zh-CN" altLang="en-US" sz="2000" dirty="0"/>
+              <a:t>结合实验室其他几位同学前期的复现工作，整合我在复现过程中遇到的问题，形成复现手册</a:t>
+            </a:r>
+            <a:endParaRPr lang="en-US" altLang="zh-CN" sz="2000" dirty="0"/>
+          </a:p>
+          <a:p>
+            <a:pPr lvl="2">
+              <a:lnSpc>
+                <a:spcPct val="120000"/>
+              </a:lnSpc>
+              <a:defRPr/>
+            </a:pPr>
+            <a:r>
+              <a:rPr lang="zh-CN" altLang="en-US" sz="1600" dirty="0"/>
+              <a:t>复现手册的仓库地址：</a:t>
+            </a:r>
+            <a:r>
+              <a:rPr lang="en-US" altLang="zh-CN" sz="1600" dirty="0">
+                <a:solidFill>
+                  <a:srgbClr val="0070C0"/>
+                </a:solidFill>
+                <a:hlinkClick r:id="rId3"/>
+              </a:rPr>
+              <a:t>https://github.com/LancerEnk/GraduationDesign/tree/main/doc/%E5%A4%8D%E7%8E%B0%E6%89%8B%E5%86%8C</a:t>
+            </a:r>
+            <a:endParaRPr lang="zh-CN" altLang="en-US" sz="1600" dirty="0">
+              <a:solidFill>
+                <a:srgbClr val="0070C0"/>
+              </a:solidFill>
+            </a:endParaRPr>
+          </a:p>
+        </p:txBody>
+      </p:sp>
+      <p:grpSp>
+        <p:nvGrpSpPr>
+          <p:cNvPr id="8" name="组合 7">
+            <a:extLst>
+              <a:ext uri="{FF2B5EF4-FFF2-40B4-BE49-F238E27FC236}">
+                <a16:creationId xmlns:a16="http://schemas.microsoft.com/office/drawing/2014/main" id="{D5C45DDA-C6B6-AC29-3CE8-3F9FE536CE86}"/>
+              </a:ext>
+            </a:extLst>
+          </p:cNvPr>
+          <p:cNvGrpSpPr/>
+          <p:nvPr/>
+        </p:nvGrpSpPr>
+        <p:grpSpPr>
+          <a:xfrm>
+            <a:off x="1086192" y="3794761"/>
+            <a:ext cx="10019616" cy="2477303"/>
+            <a:chOff x="1076567" y="3794761"/>
+            <a:chExt cx="10019616" cy="2477303"/>
+          </a:xfrm>
+        </p:grpSpPr>
+        <p:pic>
+          <p:nvPicPr>
+            <p:cNvPr id="5" name="图片 4">
+              <a:extLst>
+                <a:ext uri="{FF2B5EF4-FFF2-40B4-BE49-F238E27FC236}">
+                  <a16:creationId xmlns:a16="http://schemas.microsoft.com/office/drawing/2014/main" id="{6928DA66-D82F-C73B-1220-421E13DF07CF}"/>
+                </a:ext>
+              </a:extLst>
+            </p:cNvPr>
+            <p:cNvPicPr>
+              <a:picLocks noChangeAspect="1"/>
+            </p:cNvPicPr>
+            <p:nvPr/>
+          </p:nvPicPr>
+          <p:blipFill>
+            <a:blip r:embed="rId4">
+              <a:extLst>
+                <a:ext uri="{28A0092B-C50C-407E-A947-70E740481C1C}">
+                  <a14:useLocalDpi xmlns:a14="http://schemas.microsoft.com/office/drawing/2010/main" val="0"/>
+                </a:ext>
+              </a:extLst>
+            </a:blip>
+            <a:stretch>
+              <a:fillRect/>
+            </a:stretch>
+          </p:blipFill>
+          <p:spPr>
+            <a:xfrm>
+              <a:off x="1076567" y="4080040"/>
+              <a:ext cx="4496462" cy="2192024"/>
+            </a:xfrm>
+            <a:prstGeom prst="rect">
+              <a:avLst/>
+            </a:prstGeom>
+          </p:spPr>
+        </p:pic>
+        <p:pic>
+          <p:nvPicPr>
+            <p:cNvPr id="7" name="图片 6">
+              <a:extLst>
+                <a:ext uri="{FF2B5EF4-FFF2-40B4-BE49-F238E27FC236}">
+                  <a16:creationId xmlns:a16="http://schemas.microsoft.com/office/drawing/2014/main" id="{FA724721-7BD6-1A26-12B0-68F69A799C40}"/>
+                </a:ext>
+              </a:extLst>
+            </p:cNvPr>
+            <p:cNvPicPr>
+              <a:picLocks noChangeAspect="1"/>
+            </p:cNvPicPr>
+            <p:nvPr/>
+          </p:nvPicPr>
+          <p:blipFill>
+            <a:blip r:embed="rId5"/>
+            <a:stretch>
+              <a:fillRect/>
+            </a:stretch>
+          </p:blipFill>
+          <p:spPr>
+            <a:xfrm>
+              <a:off x="5822988" y="3794761"/>
+              <a:ext cx="5273195" cy="2477303"/>
+            </a:xfrm>
+            <a:prstGeom prst="rect">
+              <a:avLst/>
+            </a:prstGeom>
+          </p:spPr>
+        </p:pic>
+      </p:grpSp>
+    </p:spTree>
+    <p:extLst>
+      <p:ext uri="{BB962C8B-B14F-4D97-AF65-F5344CB8AC3E}">
+        <p14:creationId xmlns:p14="http://schemas.microsoft.com/office/powerpoint/2010/main" val="3888017629"/>
+      </p:ext>
+    </p:extLst>
+  </p:cSld>
+  <p:clrMapOvr>
+    <a:masterClrMapping/>
+  </p:clrMapOvr>
+  <p:transition spd="med">
+    <p:pull/>
+  </p:transition>
+</p:sld>
+</file>
+
+<file path=ppt/slides/slide7.xml><?xml version="1.0" encoding="utf-8"?>
+<p:sld xmlns:a="http://schemas.openxmlformats.org/drawingml/2006/main" xmlns:r="http://schemas.openxmlformats.org/officeDocument/2006/relationships" xmlns:p="http://schemas.openxmlformats.org/presentationml/2006/main">
+  <p:cSld>
+    <p:spTree>
+      <p:nvGrpSpPr>
+        <p:cNvPr id="1" name=""/>
+        <p:cNvGrpSpPr/>
+        <p:nvPr/>
+      </p:nvGrpSpPr>
+      <p:grpSpPr>
+        <a:xfrm>
+          <a:off x="0" y="0"/>
+          <a:ext cx="0" cy="0"/>
+          <a:chOff x="0" y="0"/>
+          <a:chExt cx="0" cy="0"/>
+        </a:xfrm>
+      </p:grpSpPr>
+      <p:sp>
+        <p:nvSpPr>
+          <p:cNvPr id="9" name="标题 8"/>
+          <p:cNvSpPr>
+            <a:spLocks noGrp="1"/>
+          </p:cNvSpPr>
+          <p:nvPr>
+            <p:ph type="title"/>
+          </p:nvPr>
+        </p:nvSpPr>
+        <p:spPr>
+          <a:xfrm>
+            <a:off x="1606550" y="345305"/>
+            <a:ext cx="8643848" cy="478155"/>
+          </a:xfrm>
+        </p:spPr>
+        <p:txBody>
+          <a:bodyPr/>
           <a:lstStyle/>
           <a:p>
-            <a:pPr marL="0" marR="0" lvl="0" indent="0" algn="ctr" defTabSz="914400" rtl="0" eaLnBrk="1" fontAlgn="auto" latinLnBrk="0" hangingPunct="1">
+            <a:r>
+              <a:rPr lang="zh-CN" altLang="en-US" dirty="0"/>
+              <a:t>目前进度</a:t>
+            </a:r>
+          </a:p>
+        </p:txBody>
+      </p:sp>
+      <p:sp>
+        <p:nvSpPr>
+          <p:cNvPr id="10" name="文本框 9"/>
+          <p:cNvSpPr txBox="1">
+            <a:spLocks noChangeArrowheads="1"/>
+          </p:cNvSpPr>
+          <p:nvPr/>
+        </p:nvSpPr>
+        <p:spPr bwMode="auto">
+          <a:xfrm>
+            <a:off x="357352" y="235111"/>
+            <a:ext cx="969798" cy="646112"/>
+          </a:xfrm>
+          <a:prstGeom prst="rect">
+            <a:avLst/>
+          </a:prstGeom>
+          <a:noFill/>
+          <a:ln>
+            <a:noFill/>
+          </a:ln>
+          <a:extLst>
+            <a:ext uri="{909E8E84-426E-40DD-AFC4-6F175D3DCCD1}">
+              <a14:hiddenFill xmlns:a14="http://schemas.microsoft.com/office/drawing/2010/main">
+                <a:solidFill>
+                  <a:srgbClr val="FFFFFF"/>
+                </a:solidFill>
+              </a14:hiddenFill>
+            </a:ext>
+            <a:ext uri="{91240B29-F687-4F45-9708-019B960494DF}">
+              <a14:hiddenLine xmlns:a14="http://schemas.microsoft.com/office/drawing/2010/main" w="9525">
+                <a:solidFill>
+                  <a:srgbClr val="000000"/>
+                </a:solidFill>
+                <a:miter lim="800000"/>
+                <a:headEnd/>
+                <a:tailEnd/>
+              </a14:hiddenLine>
+            </a:ext>
+          </a:extLst>
+        </p:spPr>
+        <p:txBody>
+          <a:bodyPr wrap="square">
+            <a:spAutoFit/>
+          </a:bodyPr>
+          <a:lstStyle>
+            <a:lvl1pPr marL="228600" indent="-228600">
+              <a:defRPr>
+                <a:solidFill>
+                  <a:schemeClr val="tx1"/>
+                </a:solidFill>
+                <a:latin typeface="Century Gothic" panose="020B0502020202020204" pitchFamily="34" charset="0"/>
+                <a:ea typeface="微软雅黑" panose="020B0503020204020204" charset="-122"/>
+              </a:defRPr>
+            </a:lvl1pPr>
+            <a:lvl2pPr marL="742950" indent="-285750">
+              <a:defRPr>
+                <a:solidFill>
+                  <a:schemeClr val="tx1"/>
+                </a:solidFill>
+                <a:latin typeface="Century Gothic" panose="020B0502020202020204" pitchFamily="34" charset="0"/>
+                <a:ea typeface="微软雅黑" panose="020B0503020204020204" charset="-122"/>
+              </a:defRPr>
+            </a:lvl2pPr>
+            <a:lvl3pPr marL="1143000" indent="-228600">
+              <a:defRPr>
+                <a:solidFill>
+                  <a:schemeClr val="tx1"/>
+                </a:solidFill>
+                <a:latin typeface="Century Gothic" panose="020B0502020202020204" pitchFamily="34" charset="0"/>
+                <a:ea typeface="微软雅黑" panose="020B0503020204020204" charset="-122"/>
+              </a:defRPr>
+            </a:lvl3pPr>
+            <a:lvl4pPr marL="1600200" indent="-228600">
+              <a:defRPr>
+                <a:solidFill>
+                  <a:schemeClr val="tx1"/>
+                </a:solidFill>
+                <a:latin typeface="Century Gothic" panose="020B0502020202020204" pitchFamily="34" charset="0"/>
+                <a:ea typeface="微软雅黑" panose="020B0503020204020204" charset="-122"/>
+              </a:defRPr>
+            </a:lvl4pPr>
+            <a:lvl5pPr marL="2057400" indent="-228600">
+              <a:defRPr>
+                <a:solidFill>
+                  <a:schemeClr val="tx1"/>
+                </a:solidFill>
+                <a:latin typeface="Century Gothic" panose="020B0502020202020204" pitchFamily="34" charset="0"/>
+                <a:ea typeface="微软雅黑" panose="020B0503020204020204" charset="-122"/>
+              </a:defRPr>
+            </a:lvl5pPr>
+            <a:lvl6pPr marL="2514600" indent="-228600" fontAlgn="base">
+              <a:spcBef>
+                <a:spcPct val="0"/>
+              </a:spcBef>
+              <a:spcAft>
+                <a:spcPct val="0"/>
+              </a:spcAft>
+              <a:defRPr>
+                <a:solidFill>
+                  <a:schemeClr val="tx1"/>
+                </a:solidFill>
+                <a:latin typeface="Century Gothic" panose="020B0502020202020204" pitchFamily="34" charset="0"/>
+                <a:ea typeface="微软雅黑" panose="020B0503020204020204" charset="-122"/>
+              </a:defRPr>
+            </a:lvl6pPr>
+            <a:lvl7pPr marL="2971800" indent="-228600" fontAlgn="base">
+              <a:spcBef>
+                <a:spcPct val="0"/>
+              </a:spcBef>
+              <a:spcAft>
+                <a:spcPct val="0"/>
+              </a:spcAft>
+              <a:defRPr>
+                <a:solidFill>
+                  <a:schemeClr val="tx1"/>
+                </a:solidFill>
+                <a:latin typeface="Century Gothic" panose="020B0502020202020204" pitchFamily="34" charset="0"/>
+                <a:ea typeface="微软雅黑" panose="020B0503020204020204" charset="-122"/>
+              </a:defRPr>
+            </a:lvl7pPr>
+            <a:lvl8pPr marL="3429000" indent="-228600" fontAlgn="base">
+              <a:spcBef>
+                <a:spcPct val="0"/>
+              </a:spcBef>
+              <a:spcAft>
+                <a:spcPct val="0"/>
+              </a:spcAft>
+              <a:defRPr>
+                <a:solidFill>
+                  <a:schemeClr val="tx1"/>
+                </a:solidFill>
+                <a:latin typeface="Century Gothic" panose="020B0502020202020204" pitchFamily="34" charset="0"/>
+                <a:ea typeface="微软雅黑" panose="020B0503020204020204" charset="-122"/>
+              </a:defRPr>
+            </a:lvl8pPr>
+            <a:lvl9pPr marL="3886200" indent="-228600" fontAlgn="base">
+              <a:spcBef>
+                <a:spcPct val="0"/>
+              </a:spcBef>
+              <a:spcAft>
+                <a:spcPct val="0"/>
+              </a:spcAft>
+              <a:defRPr>
+                <a:solidFill>
+                  <a:schemeClr val="tx1"/>
+                </a:solidFill>
+                <a:latin typeface="Century Gothic" panose="020B0502020202020204" pitchFamily="34" charset="0"/>
+                <a:ea typeface="微软雅黑" panose="020B0503020204020204" charset="-122"/>
+              </a:defRPr>
+            </a:lvl9pPr>
+          </a:lstStyle>
+          <a:p>
+            <a:pPr marL="228600" marR="0" lvl="0" indent="-228600" algn="ctr" defTabSz="914400" rtl="0" eaLnBrk="1" fontAlgn="auto" latinLnBrk="0" hangingPunct="1">
               <a:lnSpc>
                 <a:spcPct val="100000"/>
               </a:lnSpc>
@@ -33084,24 +35875,407 @@
               <a:tabLst/>
               <a:defRPr/>
             </a:pPr>
-            <a:endParaRPr kumimoji="0" lang="zh-CN" altLang="en-US" sz="1800" b="0" i="0" u="none" strike="noStrike" kern="0" cap="none" spc="0" normalizeH="0" baseline="0" noProof="0">
+            <a:r>
+              <a:rPr lang="en-US" altLang="zh-CN" sz="3600" b="1" dirty="0">
+                <a:solidFill>
+                  <a:prstClr val="white"/>
+                </a:solidFill>
+              </a:rPr>
+              <a:t>2</a:t>
+            </a:r>
+            <a:endParaRPr kumimoji="0" lang="zh-CN" altLang="en-US" sz="3600" b="1" i="0" u="none" strike="noStrike" kern="1200" cap="none" spc="0" normalizeH="0" baseline="0" noProof="0" dirty="0">
               <a:ln>
                 <a:noFill/>
               </a:ln>
               <a:solidFill>
-                <a:srgbClr val="000000"/>
+                <a:prstClr val="white"/>
               </a:solidFill>
               <a:effectLst/>
               <a:uLnTx/>
               <a:uFillTx/>
-              <a:latin typeface="微软雅黑" panose="020B0503020204020204" charset="-122"/>
+              <a:latin typeface="Century Gothic" panose="020B0502020202020204" pitchFamily="34" charset="0"/>
               <a:ea typeface="微软雅黑" panose="020B0503020204020204" charset="-122"/>
               <a:cs typeface="+mn-cs"/>
             </a:endParaRPr>
           </a:p>
         </p:txBody>
       </p:sp>
+      <p:sp>
+        <p:nvSpPr>
+          <p:cNvPr id="2" name="内容占位符 2">
+            <a:extLst>
+              <a:ext uri="{FF2B5EF4-FFF2-40B4-BE49-F238E27FC236}">
+                <a16:creationId xmlns:a16="http://schemas.microsoft.com/office/drawing/2014/main" id="{B82556F5-D4EB-E493-9235-2C067AE3EC57}"/>
+              </a:ext>
+            </a:extLst>
+          </p:cNvPr>
+          <p:cNvSpPr txBox="1">
+            <a:spLocks/>
+          </p:cNvSpPr>
+          <p:nvPr/>
+        </p:nvSpPr>
+        <p:spPr>
+          <a:xfrm>
+            <a:off x="258418" y="1253331"/>
+            <a:ext cx="11675164" cy="1519686"/>
+          </a:xfrm>
+          <a:prstGeom prst="rect">
+            <a:avLst/>
+          </a:prstGeom>
+        </p:spPr>
+        <p:txBody>
+          <a:bodyPr/>
+          <a:lstStyle>
+            <a:lvl1pPr marL="228600" indent="-228600" algn="l" rtl="0" eaLnBrk="0" fontAlgn="base" hangingPunct="0">
+              <a:lnSpc>
+                <a:spcPct val="90000"/>
+              </a:lnSpc>
+              <a:spcBef>
+                <a:spcPts val="1000"/>
+              </a:spcBef>
+              <a:spcAft>
+                <a:spcPct val="0"/>
+              </a:spcAft>
+              <a:buFont typeface="Arial" panose="020B0604020202020204" pitchFamily="34" charset="0"/>
+              <a:buChar char="•"/>
+              <a:defRPr sz="2800" kern="1200">
+                <a:solidFill>
+                  <a:schemeClr val="tx1"/>
+                </a:solidFill>
+                <a:latin typeface="+mn-lt"/>
+                <a:ea typeface="+mn-ea"/>
+                <a:cs typeface="+mn-cs"/>
+              </a:defRPr>
+            </a:lvl1pPr>
+            <a:lvl2pPr marL="685800" indent="-228600" algn="l" rtl="0" eaLnBrk="0" fontAlgn="base" hangingPunct="0">
+              <a:lnSpc>
+                <a:spcPct val="90000"/>
+              </a:lnSpc>
+              <a:spcBef>
+                <a:spcPts val="500"/>
+              </a:spcBef>
+              <a:spcAft>
+                <a:spcPct val="0"/>
+              </a:spcAft>
+              <a:buFont typeface="Arial" panose="020B0604020202020204" pitchFamily="34" charset="0"/>
+              <a:buChar char="•"/>
+              <a:defRPr sz="2400" kern="1200">
+                <a:solidFill>
+                  <a:schemeClr val="tx1"/>
+                </a:solidFill>
+                <a:latin typeface="+mn-lt"/>
+                <a:ea typeface="+mn-ea"/>
+                <a:cs typeface="+mn-cs"/>
+              </a:defRPr>
+            </a:lvl2pPr>
+            <a:lvl3pPr marL="1143000" indent="-228600" algn="l" rtl="0" eaLnBrk="0" fontAlgn="base" hangingPunct="0">
+              <a:lnSpc>
+                <a:spcPct val="90000"/>
+              </a:lnSpc>
+              <a:spcBef>
+                <a:spcPts val="500"/>
+              </a:spcBef>
+              <a:spcAft>
+                <a:spcPct val="0"/>
+              </a:spcAft>
+              <a:buFont typeface="Arial" panose="020B0604020202020204" pitchFamily="34" charset="0"/>
+              <a:buChar char="•"/>
+              <a:defRPr sz="2000" kern="1200">
+                <a:solidFill>
+                  <a:schemeClr val="tx1"/>
+                </a:solidFill>
+                <a:latin typeface="+mn-lt"/>
+                <a:ea typeface="+mn-ea"/>
+                <a:cs typeface="+mn-cs"/>
+              </a:defRPr>
+            </a:lvl3pPr>
+            <a:lvl4pPr marL="1600200" indent="-228600" algn="l" rtl="0" eaLnBrk="0" fontAlgn="base" hangingPunct="0">
+              <a:lnSpc>
+                <a:spcPct val="90000"/>
+              </a:lnSpc>
+              <a:spcBef>
+                <a:spcPts val="500"/>
+              </a:spcBef>
+              <a:spcAft>
+                <a:spcPct val="0"/>
+              </a:spcAft>
+              <a:buFont typeface="Arial" panose="020B0604020202020204" pitchFamily="34" charset="0"/>
+              <a:buChar char="•"/>
+              <a:defRPr kern="1200">
+                <a:solidFill>
+                  <a:schemeClr val="tx1"/>
+                </a:solidFill>
+                <a:latin typeface="+mn-lt"/>
+                <a:ea typeface="+mn-ea"/>
+                <a:cs typeface="+mn-cs"/>
+              </a:defRPr>
+            </a:lvl4pPr>
+            <a:lvl5pPr marL="2057400" indent="-228600" algn="l" rtl="0" eaLnBrk="0" fontAlgn="base" hangingPunct="0">
+              <a:lnSpc>
+                <a:spcPct val="90000"/>
+              </a:lnSpc>
+              <a:spcBef>
+                <a:spcPts val="500"/>
+              </a:spcBef>
+              <a:spcAft>
+                <a:spcPct val="0"/>
+              </a:spcAft>
+              <a:buFont typeface="Arial" panose="020B0604020202020204" pitchFamily="34" charset="0"/>
+              <a:buChar char="•"/>
+              <a:defRPr kern="1200">
+                <a:solidFill>
+                  <a:schemeClr val="tx1"/>
+                </a:solidFill>
+                <a:latin typeface="+mn-lt"/>
+                <a:ea typeface="+mn-ea"/>
+                <a:cs typeface="+mn-cs"/>
+              </a:defRPr>
+            </a:lvl5pPr>
+            <a:lvl6pPr marL="2514600" indent="-228600" algn="l" defTabSz="914400" rtl="0" eaLnBrk="1" latinLnBrk="0" hangingPunct="1">
+              <a:lnSpc>
+                <a:spcPct val="90000"/>
+              </a:lnSpc>
+              <a:spcBef>
+                <a:spcPts val="500"/>
+              </a:spcBef>
+              <a:buFont typeface="Arial" panose="020B0604020202020204" pitchFamily="34" charset="0"/>
+              <a:buChar char="•"/>
+              <a:defRPr sz="1800" kern="1200">
+                <a:solidFill>
+                  <a:schemeClr val="tx1"/>
+                </a:solidFill>
+                <a:latin typeface="+mn-lt"/>
+                <a:ea typeface="+mn-ea"/>
+                <a:cs typeface="+mn-cs"/>
+              </a:defRPr>
+            </a:lvl6pPr>
+            <a:lvl7pPr marL="2971800" indent="-228600" algn="l" defTabSz="914400" rtl="0" eaLnBrk="1" latinLnBrk="0" hangingPunct="1">
+              <a:lnSpc>
+                <a:spcPct val="90000"/>
+              </a:lnSpc>
+              <a:spcBef>
+                <a:spcPts val="500"/>
+              </a:spcBef>
+              <a:buFont typeface="Arial" panose="020B0604020202020204" pitchFamily="34" charset="0"/>
+              <a:buChar char="•"/>
+              <a:defRPr sz="1800" kern="1200">
+                <a:solidFill>
+                  <a:schemeClr val="tx1"/>
+                </a:solidFill>
+                <a:latin typeface="+mn-lt"/>
+                <a:ea typeface="+mn-ea"/>
+                <a:cs typeface="+mn-cs"/>
+              </a:defRPr>
+            </a:lvl7pPr>
+            <a:lvl8pPr marL="3429000" indent="-228600" algn="l" defTabSz="914400" rtl="0" eaLnBrk="1" latinLnBrk="0" hangingPunct="1">
+              <a:lnSpc>
+                <a:spcPct val="90000"/>
+              </a:lnSpc>
+              <a:spcBef>
+                <a:spcPts val="500"/>
+              </a:spcBef>
+              <a:buFont typeface="Arial" panose="020B0604020202020204" pitchFamily="34" charset="0"/>
+              <a:buChar char="•"/>
+              <a:defRPr sz="1800" kern="1200">
+                <a:solidFill>
+                  <a:schemeClr val="tx1"/>
+                </a:solidFill>
+                <a:latin typeface="+mn-lt"/>
+                <a:ea typeface="+mn-ea"/>
+                <a:cs typeface="+mn-cs"/>
+              </a:defRPr>
+            </a:lvl8pPr>
+            <a:lvl9pPr marL="3886200" indent="-228600" algn="l" defTabSz="914400" rtl="0" eaLnBrk="1" latinLnBrk="0" hangingPunct="1">
+              <a:lnSpc>
+                <a:spcPct val="90000"/>
+              </a:lnSpc>
+              <a:spcBef>
+                <a:spcPts val="500"/>
+              </a:spcBef>
+              <a:buFont typeface="Arial" panose="020B0604020202020204" pitchFamily="34" charset="0"/>
+              <a:buChar char="•"/>
+              <a:defRPr sz="1800" kern="1200">
+                <a:solidFill>
+                  <a:schemeClr val="tx1"/>
+                </a:solidFill>
+                <a:latin typeface="+mn-lt"/>
+                <a:ea typeface="+mn-ea"/>
+                <a:cs typeface="+mn-cs"/>
+              </a:defRPr>
+            </a:lvl9pPr>
+          </a:lstStyle>
+          <a:p>
+            <a:pPr>
+              <a:lnSpc>
+                <a:spcPct val="120000"/>
+              </a:lnSpc>
+              <a:spcBef>
+                <a:spcPts val="500"/>
+              </a:spcBef>
+            </a:pPr>
+            <a:r>
+              <a:rPr lang="zh-CN" altLang="en-US" b="1" dirty="0"/>
+              <a:t>正在优化路径规划算法</a:t>
+            </a:r>
+            <a:endParaRPr lang="en-US" altLang="zh-CN" b="1" dirty="0"/>
+          </a:p>
+          <a:p>
+            <a:pPr lvl="1">
+              <a:lnSpc>
+                <a:spcPct val="120000"/>
+              </a:lnSpc>
+            </a:pPr>
+            <a:r>
+              <a:rPr lang="zh-CN" altLang="en-US" sz="2000" dirty="0"/>
+              <a:t>完成了路径规划算法的思路细化，给出了</a:t>
+            </a:r>
+            <a:r>
+              <a:rPr lang="zh-CN" altLang="en-US" sz="2000" dirty="0">
+                <a:hlinkClick r:id="rId3"/>
+              </a:rPr>
+              <a:t>思路细化文档</a:t>
+            </a:r>
+            <a:r>
+              <a:rPr lang="zh-CN" altLang="en-US" sz="2000" dirty="0"/>
+              <a:t>、详细的</a:t>
+            </a:r>
+            <a:r>
+              <a:rPr lang="zh-CN" altLang="en-US" sz="2000" dirty="0">
+                <a:hlinkClick r:id="rId4"/>
+              </a:rPr>
+              <a:t>设计示意图</a:t>
+            </a:r>
+            <a:r>
+              <a:rPr lang="zh-CN" altLang="en-US" sz="2000" dirty="0"/>
+              <a:t>（左图）</a:t>
+            </a:r>
+            <a:endParaRPr lang="en-US" altLang="zh-CN" sz="2000" dirty="0">
+              <a:solidFill>
+                <a:srgbClr val="0070C0"/>
+              </a:solidFill>
+            </a:endParaRPr>
+          </a:p>
+          <a:p>
+            <a:pPr lvl="1">
+              <a:lnSpc>
+                <a:spcPct val="120000"/>
+              </a:lnSpc>
+            </a:pPr>
+            <a:r>
+              <a:rPr lang="zh-CN" altLang="en-US" sz="2000" dirty="0"/>
+              <a:t>利用前端给出了一个简易的运行效果</a:t>
+            </a:r>
+            <a:r>
+              <a:rPr lang="en-US" altLang="zh-CN" sz="2000" dirty="0"/>
+              <a:t>demo</a:t>
+            </a:r>
+            <a:r>
+              <a:rPr lang="zh-CN" altLang="en-US" sz="2000" dirty="0"/>
+              <a:t>，根据此预期效果编写代码中（右图）</a:t>
+            </a:r>
+            <a:endParaRPr lang="en-US" altLang="zh-CN" sz="2000" dirty="0"/>
+          </a:p>
+        </p:txBody>
+      </p:sp>
+      <p:grpSp>
+        <p:nvGrpSpPr>
+          <p:cNvPr id="7" name="组合 6">
+            <a:extLst>
+              <a:ext uri="{FF2B5EF4-FFF2-40B4-BE49-F238E27FC236}">
+                <a16:creationId xmlns:a16="http://schemas.microsoft.com/office/drawing/2014/main" id="{CE1156BB-FA2A-5328-51F0-A395E495D6A2}"/>
+              </a:ext>
+            </a:extLst>
+          </p:cNvPr>
+          <p:cNvGrpSpPr/>
+          <p:nvPr/>
+        </p:nvGrpSpPr>
+        <p:grpSpPr>
+          <a:xfrm>
+            <a:off x="607462" y="2773017"/>
+            <a:ext cx="10977077" cy="3319775"/>
+            <a:chOff x="507132" y="2773017"/>
+            <a:chExt cx="10977077" cy="3319775"/>
+          </a:xfrm>
+        </p:grpSpPr>
+        <p:pic>
+          <p:nvPicPr>
+            <p:cNvPr id="4" name="图片 3">
+              <a:extLst>
+                <a:ext uri="{FF2B5EF4-FFF2-40B4-BE49-F238E27FC236}">
+                  <a16:creationId xmlns:a16="http://schemas.microsoft.com/office/drawing/2014/main" id="{D26DDF0F-8591-CF4F-7C0E-31D0CBAA7722}"/>
+                </a:ext>
+              </a:extLst>
+            </p:cNvPr>
+            <p:cNvPicPr>
+              <a:picLocks noChangeAspect="1"/>
+            </p:cNvPicPr>
+            <p:nvPr/>
+          </p:nvPicPr>
+          <p:blipFill>
+            <a:blip r:embed="rId5">
+              <a:extLst>
+                <a:ext uri="{28A0092B-C50C-407E-A947-70E740481C1C}">
+                  <a14:useLocalDpi xmlns:a14="http://schemas.microsoft.com/office/drawing/2010/main" val="0"/>
+                </a:ext>
+              </a:extLst>
+            </a:blip>
+            <a:stretch>
+              <a:fillRect/>
+            </a:stretch>
+          </p:blipFill>
+          <p:spPr>
+            <a:xfrm>
+              <a:off x="507132" y="2773017"/>
+              <a:ext cx="6318325" cy="3319775"/>
+            </a:xfrm>
+            <a:prstGeom prst="rect">
+              <a:avLst/>
+            </a:prstGeom>
+          </p:spPr>
+        </p:pic>
+        <p:pic>
+          <p:nvPicPr>
+            <p:cNvPr id="6" name="图片 5">
+              <a:extLst>
+                <a:ext uri="{FF2B5EF4-FFF2-40B4-BE49-F238E27FC236}">
+                  <a16:creationId xmlns:a16="http://schemas.microsoft.com/office/drawing/2014/main" id="{69BC7AC1-3674-3D17-F50F-AEF943E803A2}"/>
+                </a:ext>
+              </a:extLst>
+            </p:cNvPr>
+            <p:cNvPicPr>
+              <a:picLocks noChangeAspect="1"/>
+            </p:cNvPicPr>
+            <p:nvPr/>
+          </p:nvPicPr>
+          <p:blipFill>
+            <a:blip r:embed="rId6">
+              <a:extLst>
+                <a:ext uri="{28A0092B-C50C-407E-A947-70E740481C1C}">
+                  <a14:useLocalDpi xmlns:a14="http://schemas.microsoft.com/office/drawing/2010/main" val="0"/>
+                </a:ext>
+              </a:extLst>
+            </a:blip>
+            <a:stretch>
+              <a:fillRect/>
+            </a:stretch>
+          </p:blipFill>
+          <p:spPr>
+            <a:xfrm>
+              <a:off x="6825457" y="3295886"/>
+              <a:ext cx="4658752" cy="2620547"/>
+            </a:xfrm>
+            <a:prstGeom prst="rect">
+              <a:avLst/>
+            </a:prstGeom>
+          </p:spPr>
+        </p:pic>
+      </p:grpSp>
     </p:spTree>
+    <p:extLst>
+      <p:ext uri="{BB962C8B-B14F-4D97-AF65-F5344CB8AC3E}">
+        <p14:creationId xmlns:p14="http://schemas.microsoft.com/office/powerpoint/2010/main" val="2056913498"/>
+      </p:ext>
+    </p:extLst>
   </p:cSld>
   <p:clrMapOvr>
     <a:masterClrMapping/>
@@ -33112,7 +36286,7 @@
 </p:sld>
 </file>
 
-<file path=ppt/slides/slide5.xml><?xml version="1.0" encoding="utf-8"?>
+<file path=ppt/slides/slide8.xml><?xml version="1.0" encoding="utf-8"?>
 <p:sld xmlns:a="http://schemas.openxmlformats.org/drawingml/2006/main" xmlns:r="http://schemas.openxmlformats.org/officeDocument/2006/relationships" xmlns:p="http://schemas.openxmlformats.org/presentationml/2006/main">
   <p:cSld>
     <p:spTree>
@@ -33352,34 +36526,43 @@
       </p:sp>
       <p:sp>
         <p:nvSpPr>
-          <p:cNvPr id="11" name="内容占位符 1"/>
-          <p:cNvSpPr txBox="1"/>
+          <p:cNvPr id="4" name="内容占位符 2">
+            <a:extLst>
+              <a:ext uri="{FF2B5EF4-FFF2-40B4-BE49-F238E27FC236}">
+                <a16:creationId xmlns:a16="http://schemas.microsoft.com/office/drawing/2014/main" id="{68DBDBFB-CDA2-6CAB-36C4-ECC930C5204B}"/>
+              </a:ext>
+            </a:extLst>
+          </p:cNvPr>
+          <p:cNvSpPr txBox="1">
+            <a:spLocks/>
+          </p:cNvSpPr>
           <p:nvPr/>
         </p:nvSpPr>
         <p:spPr>
           <a:xfrm>
-            <a:off x="1539631" y="1700198"/>
-            <a:ext cx="9100038" cy="3610708"/>
+            <a:off x="502990" y="1456845"/>
+            <a:ext cx="11186020" cy="3944311"/>
           </a:xfrm>
           <a:prstGeom prst="rect">
             <a:avLst/>
           </a:prstGeom>
         </p:spPr>
         <p:txBody>
-          <a:bodyPr vert="horz" lIns="0" tIns="0" rIns="0" bIns="0" rtlCol="0">
-            <a:normAutofit/>
-          </a:bodyPr>
+          <a:bodyPr/>
           <a:lstStyle>
-            <a:lvl1pPr marL="228600" indent="-228600" algn="l" defTabSz="914400" rtl="0" eaLnBrk="1" latinLnBrk="0" hangingPunct="1">
+            <a:lvl1pPr marL="228600" indent="-228600" algn="l" rtl="0" eaLnBrk="0" fontAlgn="base" hangingPunct="0">
               <a:lnSpc>
-                <a:spcPct val="120000"/>
+                <a:spcPct val="90000"/>
               </a:lnSpc>
               <a:spcBef>
                 <a:spcPts val="1000"/>
               </a:spcBef>
+              <a:spcAft>
+                <a:spcPct val="0"/>
+              </a:spcAft>
               <a:buFont typeface="Arial" panose="020B0604020202020204" pitchFamily="34" charset="0"/>
               <a:buChar char="•"/>
-              <a:defRPr sz="2800" kern="1200" spc="300">
+              <a:defRPr sz="2800" kern="1200">
                 <a:solidFill>
                   <a:schemeClr val="tx1"/>
                 </a:solidFill>
@@ -33388,16 +36571,19 @@
                 <a:cs typeface="+mn-cs"/>
               </a:defRPr>
             </a:lvl1pPr>
-            <a:lvl2pPr marL="685800" indent="-228600" algn="l" defTabSz="914400" rtl="0" eaLnBrk="1" latinLnBrk="0" hangingPunct="1">
+            <a:lvl2pPr marL="685800" indent="-228600" algn="l" rtl="0" eaLnBrk="0" fontAlgn="base" hangingPunct="0">
               <a:lnSpc>
-                <a:spcPct val="120000"/>
+                <a:spcPct val="90000"/>
               </a:lnSpc>
               <a:spcBef>
                 <a:spcPts val="500"/>
               </a:spcBef>
+              <a:spcAft>
+                <a:spcPct val="0"/>
+              </a:spcAft>
               <a:buFont typeface="Arial" panose="020B0604020202020204" pitchFamily="34" charset="0"/>
               <a:buChar char="•"/>
-              <a:defRPr sz="2400" kern="1200" spc="300">
+              <a:defRPr sz="2400" kern="1200">
                 <a:solidFill>
                   <a:schemeClr val="tx1"/>
                 </a:solidFill>
@@ -33406,16 +36592,19 @@
                 <a:cs typeface="+mn-cs"/>
               </a:defRPr>
             </a:lvl2pPr>
-            <a:lvl3pPr marL="1143000" indent="-228600" algn="l" defTabSz="914400" rtl="0" eaLnBrk="1" latinLnBrk="0" hangingPunct="1">
+            <a:lvl3pPr marL="1143000" indent="-228600" algn="l" rtl="0" eaLnBrk="0" fontAlgn="base" hangingPunct="0">
               <a:lnSpc>
                 <a:spcPct val="90000"/>
               </a:lnSpc>
               <a:spcBef>
                 <a:spcPts val="500"/>
               </a:spcBef>
+              <a:spcAft>
+                <a:spcPct val="0"/>
+              </a:spcAft>
               <a:buFont typeface="Arial" panose="020B0604020202020204" pitchFamily="34" charset="0"/>
               <a:buChar char="•"/>
-              <a:defRPr sz="2000" kern="1200" spc="300">
+              <a:defRPr sz="2000" kern="1200">
                 <a:solidFill>
                   <a:schemeClr val="tx1"/>
                 </a:solidFill>
@@ -33424,16 +36613,19 @@
                 <a:cs typeface="+mn-cs"/>
               </a:defRPr>
             </a:lvl3pPr>
-            <a:lvl4pPr marL="1600200" indent="-228600" algn="l" defTabSz="914400" rtl="0" eaLnBrk="1" latinLnBrk="0" hangingPunct="1">
+            <a:lvl4pPr marL="1600200" indent="-228600" algn="l" rtl="0" eaLnBrk="0" fontAlgn="base" hangingPunct="0">
               <a:lnSpc>
                 <a:spcPct val="90000"/>
               </a:lnSpc>
               <a:spcBef>
                 <a:spcPts val="500"/>
               </a:spcBef>
+              <a:spcAft>
+                <a:spcPct val="0"/>
+              </a:spcAft>
               <a:buFont typeface="Arial" panose="020B0604020202020204" pitchFamily="34" charset="0"/>
               <a:buChar char="•"/>
-              <a:defRPr sz="1800" kern="1200" spc="300">
+              <a:defRPr kern="1200">
                 <a:solidFill>
                   <a:schemeClr val="tx1"/>
                 </a:solidFill>
@@ -33442,16 +36634,19 @@
                 <a:cs typeface="+mn-cs"/>
               </a:defRPr>
             </a:lvl4pPr>
-            <a:lvl5pPr marL="2057400" indent="-228600" algn="l" defTabSz="914400" rtl="0" eaLnBrk="1" latinLnBrk="0" hangingPunct="1">
+            <a:lvl5pPr marL="2057400" indent="-228600" algn="l" rtl="0" eaLnBrk="0" fontAlgn="base" hangingPunct="0">
               <a:lnSpc>
                 <a:spcPct val="90000"/>
               </a:lnSpc>
               <a:spcBef>
                 <a:spcPts val="500"/>
               </a:spcBef>
+              <a:spcAft>
+                <a:spcPct val="0"/>
+              </a:spcAft>
               <a:buFont typeface="Arial" panose="020B0604020202020204" pitchFamily="34" charset="0"/>
               <a:buChar char="•"/>
-              <a:defRPr sz="1800" kern="1200" spc="300">
+              <a:defRPr kern="1200">
                 <a:solidFill>
                   <a:schemeClr val="tx1"/>
                 </a:solidFill>
@@ -33534,168 +36729,135 @@
             </a:lvl9pPr>
           </a:lstStyle>
           <a:p>
-            <a:pPr marL="0" marR="0" lvl="0" indent="0" algn="l" defTabSz="914400" rtl="0" eaLnBrk="1" fontAlgn="auto" latinLnBrk="0" hangingPunct="1">
+            <a:pPr>
               <a:lnSpc>
                 <a:spcPct val="120000"/>
               </a:lnSpc>
               <a:spcBef>
-                <a:spcPts val="1000"/>
+                <a:spcPts val="500"/>
               </a:spcBef>
-              <a:spcAft>
-                <a:spcPts val="0"/>
-              </a:spcAft>
-              <a:buClrTx/>
-              <a:buSzTx/>
-              <a:buFont typeface="Arial" panose="020B0604020202020204" pitchFamily="34" charset="0"/>
-              <a:buNone/>
-              <a:tabLst/>
-              <a:defRPr/>
             </a:pPr>
-            <a:endParaRPr kumimoji="0" lang="zh-CN" altLang="en-US" sz="2855" b="0" i="0" u="none" strike="noStrike" kern="1200" cap="none" spc="300" normalizeH="0" baseline="0" noProof="0" dirty="0">
-              <a:ln>
-                <a:noFill/>
-              </a:ln>
+            <a:r>
+              <a:rPr lang="zh-CN" altLang="en-US" b="1" dirty="0"/>
+              <a:t>优化路径规划算法</a:t>
+            </a:r>
+            <a:endParaRPr lang="en-US" altLang="zh-CN" sz="1600" dirty="0">
               <a:solidFill>
-                <a:srgbClr val="000000"/>
+                <a:srgbClr val="0070C0"/>
               </a:solidFill>
-              <a:effectLst/>
-              <a:uLnTx/>
-              <a:uFillTx/>
-              <a:latin typeface="微软雅黑" panose="020B0503020204020204" charset="-122"/>
-              <a:ea typeface="微软雅黑" panose="020B0503020204020204" charset="-122"/>
-              <a:cs typeface="+mn-cs"/>
-              <a:sym typeface="+mn-ea"/>
             </a:endParaRPr>
           </a:p>
-        </p:txBody>
-      </p:sp>
-      <p:sp>
-        <p:nvSpPr>
-          <p:cNvPr id="12" name="半闭框 11"/>
-          <p:cNvSpPr/>
-          <p:nvPr/>
-        </p:nvSpPr>
-        <p:spPr>
-          <a:xfrm>
-            <a:off x="1058985" y="1203203"/>
-            <a:ext cx="480646" cy="480646"/>
-          </a:xfrm>
-          <a:prstGeom prst="halfFrame">
-            <a:avLst>
-              <a:gd name="adj1" fmla="val 17948"/>
-              <a:gd name="adj2" fmla="val 17949"/>
-            </a:avLst>
-          </a:prstGeom>
-          <a:solidFill>
-            <a:schemeClr val="accent4"/>
-          </a:solidFill>
-          <a:ln w="12700" cap="flat" cmpd="sng" algn="ctr">
-            <a:noFill/>
-            <a:prstDash val="solid"/>
-            <a:miter lim="800000"/>
-          </a:ln>
-          <a:effectLst/>
-        </p:spPr>
-        <p:txBody>
-          <a:bodyPr rtlCol="0" anchor="ctr"/>
-          <a:lstStyle/>
           <a:p>
-            <a:pPr marL="0" marR="0" lvl="0" indent="0" algn="ctr" defTabSz="914400" rtl="0" eaLnBrk="1" fontAlgn="auto" latinLnBrk="0" hangingPunct="1">
+            <a:pPr lvl="1">
               <a:lnSpc>
-                <a:spcPct val="100000"/>
+                <a:spcPct val="120000"/>
+              </a:lnSpc>
+            </a:pPr>
+            <a:r>
+              <a:rPr lang="zh-CN" altLang="en-US" sz="2000" dirty="0"/>
+              <a:t>目前，我的算法开发是在 </a:t>
+            </a:r>
+            <a:r>
+              <a:rPr lang="zh-CN" altLang="en-US" sz="2000" u="sng" dirty="0"/>
+              <a:t>成佳壮前辈的基础版出租车打车系统</a:t>
+            </a:r>
+            <a:r>
+              <a:rPr lang="zh-CN" altLang="en-US" sz="2000" dirty="0"/>
+              <a:t> 中运行的</a:t>
+            </a:r>
+            <a:endParaRPr lang="en-US" altLang="zh-CN" sz="2000" dirty="0"/>
+          </a:p>
+          <a:p>
+            <a:pPr lvl="2">
+              <a:lnSpc>
+                <a:spcPct val="120000"/>
+              </a:lnSpc>
+            </a:pPr>
+            <a:r>
+              <a:rPr lang="zh-CN" altLang="en-US" sz="1600" dirty="0"/>
+              <a:t>优点：简洁，便于调试</a:t>
+            </a:r>
+            <a:endParaRPr lang="en-US" altLang="zh-CN" sz="1600" dirty="0"/>
+          </a:p>
+          <a:p>
+            <a:pPr lvl="2">
+              <a:lnSpc>
+                <a:spcPct val="120000"/>
+              </a:lnSpc>
+            </a:pPr>
+            <a:r>
+              <a:rPr lang="zh-CN" altLang="en-US" sz="1600" dirty="0"/>
+              <a:t>缺点：不是最新版的系统，功能不够全面</a:t>
+            </a:r>
+            <a:endParaRPr lang="en-US" altLang="zh-CN" sz="1600" dirty="0"/>
+          </a:p>
+          <a:p>
+            <a:pPr lvl="1">
+              <a:lnSpc>
+                <a:spcPct val="120000"/>
+              </a:lnSpc>
+            </a:pPr>
+            <a:r>
+              <a:rPr lang="zh-CN" altLang="en-US" sz="2000" dirty="0"/>
+              <a:t>在理想的状态下，是应该把我的算法移植到万琦玲前辈的</a:t>
+            </a:r>
+            <a:r>
+              <a:rPr lang="en-US" altLang="zh-CN" sz="2000" dirty="0" err="1"/>
+              <a:t>vue</a:t>
+            </a:r>
+            <a:r>
+              <a:rPr lang="zh-CN" altLang="en-US" sz="2000" dirty="0"/>
+              <a:t>版出租车调度系统上的</a:t>
+            </a:r>
+            <a:endParaRPr lang="en-US" altLang="zh-CN" sz="2000" dirty="0"/>
+          </a:p>
+          <a:p>
+            <a:pPr marL="457200" lvl="1" indent="0">
+              <a:lnSpc>
+                <a:spcPct val="120000"/>
+              </a:lnSpc>
+              <a:buNone/>
+            </a:pPr>
+            <a:endParaRPr lang="en-US" altLang="zh-CN" sz="2000" dirty="0"/>
+          </a:p>
+          <a:p>
+            <a:pPr>
+              <a:lnSpc>
+                <a:spcPct val="120000"/>
               </a:lnSpc>
               <a:spcBef>
-                <a:spcPts val="0"/>
+                <a:spcPts val="500"/>
               </a:spcBef>
-              <a:spcAft>
-                <a:spcPts val="0"/>
-              </a:spcAft>
-              <a:buClrTx/>
-              <a:buSzTx/>
-              <a:buFontTx/>
-              <a:buNone/>
-              <a:tabLst/>
-              <a:defRPr/>
             </a:pPr>
-            <a:endParaRPr kumimoji="0" lang="zh-CN" altLang="en-US" sz="1800" b="0" i="0" u="none" strike="noStrike" kern="0" cap="none" spc="0" normalizeH="0" baseline="0" noProof="0">
-              <a:ln>
-                <a:noFill/>
-              </a:ln>
-              <a:solidFill>
-                <a:srgbClr val="000000"/>
-              </a:solidFill>
-              <a:effectLst/>
-              <a:uLnTx/>
-              <a:uFillTx/>
-              <a:latin typeface="微软雅黑" panose="020B0503020204020204" charset="-122"/>
-              <a:ea typeface="微软雅黑" panose="020B0503020204020204" charset="-122"/>
-              <a:cs typeface="+mn-cs"/>
-            </a:endParaRPr>
+            <a:r>
+              <a:rPr lang="zh-CN" altLang="en-US" b="1" dirty="0"/>
+              <a:t>对优化信誉值的部分还未进行调研</a:t>
+            </a:r>
+            <a:endParaRPr lang="en-US" altLang="zh-CN" b="1" dirty="0"/>
           </a:p>
-        </p:txBody>
-      </p:sp>
-      <p:sp>
-        <p:nvSpPr>
-          <p:cNvPr id="13" name="半闭框 12"/>
-          <p:cNvSpPr/>
-          <p:nvPr/>
-        </p:nvSpPr>
-        <p:spPr>
-          <a:xfrm flipH="1" flipV="1">
-            <a:off x="10638254" y="5373052"/>
-            <a:ext cx="480646" cy="480646"/>
-          </a:xfrm>
-          <a:prstGeom prst="halfFrame">
-            <a:avLst>
-              <a:gd name="adj1" fmla="val 17948"/>
-              <a:gd name="adj2" fmla="val 17949"/>
-            </a:avLst>
-          </a:prstGeom>
-          <a:solidFill>
-            <a:schemeClr val="accent4"/>
-          </a:solidFill>
-          <a:ln w="12700" cap="flat" cmpd="sng" algn="ctr">
-            <a:noFill/>
-            <a:prstDash val="solid"/>
-            <a:miter lim="800000"/>
-          </a:ln>
-          <a:effectLst/>
-        </p:spPr>
-        <p:txBody>
-          <a:bodyPr rtlCol="0" anchor="ctr"/>
-          <a:lstStyle/>
           <a:p>
-            <a:pPr marL="0" marR="0" lvl="0" indent="0" algn="ctr" defTabSz="914400" rtl="0" eaLnBrk="1" fontAlgn="auto" latinLnBrk="0" hangingPunct="1">
+            <a:pPr lvl="1">
               <a:lnSpc>
-                <a:spcPct val="100000"/>
+                <a:spcPct val="120000"/>
               </a:lnSpc>
-              <a:spcBef>
-                <a:spcPts val="0"/>
-              </a:spcBef>
-              <a:spcAft>
-                <a:spcPts val="0"/>
-              </a:spcAft>
-              <a:buClrTx/>
-              <a:buSzTx/>
-              <a:buFontTx/>
-              <a:buNone/>
-              <a:tabLst/>
-              <a:defRPr/>
             </a:pPr>
-            <a:endParaRPr kumimoji="0" lang="zh-CN" altLang="en-US" sz="1800" b="0" i="0" u="none" strike="noStrike" kern="0" cap="none" spc="0" normalizeH="0" baseline="0" noProof="0">
-              <a:ln>
-                <a:noFill/>
-              </a:ln>
-              <a:solidFill>
-                <a:srgbClr val="000000"/>
-              </a:solidFill>
-              <a:effectLst/>
-              <a:uLnTx/>
-              <a:uFillTx/>
-              <a:latin typeface="微软雅黑" panose="020B0503020204020204" charset="-122"/>
-              <a:ea typeface="微软雅黑" panose="020B0503020204020204" charset="-122"/>
-              <a:cs typeface="+mn-cs"/>
-            </a:endParaRPr>
+            <a:r>
+              <a:rPr lang="zh-CN" altLang="en-US" sz="2000" dirty="0"/>
+              <a:t>导致对此部分的开发还尚无头绪</a:t>
+            </a:r>
+            <a:endParaRPr lang="en-US" altLang="zh-CN" sz="2000" dirty="0"/>
+          </a:p>
+          <a:p>
+            <a:pPr lvl="1">
+              <a:lnSpc>
+                <a:spcPct val="120000"/>
+              </a:lnSpc>
+            </a:pPr>
+            <a:r>
+              <a:rPr lang="zh-CN" altLang="en-US" sz="2000" dirty="0"/>
+              <a:t>需要加快进度，提早开始调研，细化此部分的实施思路</a:t>
+            </a:r>
+            <a:endParaRPr lang="en-US" altLang="zh-CN" sz="2000" dirty="0"/>
           </a:p>
         </p:txBody>
       </p:sp>
@@ -33710,7 +36872,7 @@
 </p:sld>
 </file>
 
-<file path=ppt/slides/slide6.xml><?xml version="1.0" encoding="utf-8"?>
+<file path=ppt/slides/slide9.xml><?xml version="1.0" encoding="utf-8"?>
 <p:sld xmlns:a="http://schemas.openxmlformats.org/drawingml/2006/main" xmlns:r="http://schemas.openxmlformats.org/officeDocument/2006/relationships" xmlns:p="http://schemas.openxmlformats.org/presentationml/2006/main">
   <p:cSld>
     <p:spTree>
@@ -33957,136 +37119,6 @@
           </a:p>
         </p:txBody>
       </p:sp>
-      <p:sp>
-        <p:nvSpPr>
-          <p:cNvPr id="12" name="半闭框 11"/>
-          <p:cNvSpPr/>
-          <p:nvPr/>
-        </p:nvSpPr>
-        <p:spPr>
-          <a:xfrm>
-            <a:off x="846504" y="1191495"/>
-            <a:ext cx="480646" cy="480646"/>
-          </a:xfrm>
-          <a:prstGeom prst="halfFrame">
-            <a:avLst>
-              <a:gd name="adj1" fmla="val 17948"/>
-              <a:gd name="adj2" fmla="val 17949"/>
-            </a:avLst>
-          </a:prstGeom>
-          <a:solidFill>
-            <a:schemeClr val="accent4"/>
-          </a:solidFill>
-          <a:ln w="12700" cap="flat" cmpd="sng" algn="ctr">
-            <a:noFill/>
-            <a:prstDash val="solid"/>
-            <a:miter lim="800000"/>
-          </a:ln>
-          <a:effectLst/>
-        </p:spPr>
-        <p:txBody>
-          <a:bodyPr rtlCol="0" anchor="ctr"/>
-          <a:lstStyle/>
-          <a:p>
-            <a:pPr marL="0" marR="0" lvl="0" indent="0" algn="ctr" defTabSz="914400" rtl="0" eaLnBrk="1" fontAlgn="auto" latinLnBrk="0" hangingPunct="1">
-              <a:lnSpc>
-                <a:spcPct val="100000"/>
-              </a:lnSpc>
-              <a:spcBef>
-                <a:spcPts val="0"/>
-              </a:spcBef>
-              <a:spcAft>
-                <a:spcPts val="0"/>
-              </a:spcAft>
-              <a:buClrTx/>
-              <a:buSzTx/>
-              <a:buFontTx/>
-              <a:buNone/>
-              <a:tabLst/>
-              <a:defRPr/>
-            </a:pPr>
-            <a:endParaRPr kumimoji="0" lang="zh-CN" altLang="en-US" sz="1800" b="0" i="0" u="none" strike="noStrike" kern="0" cap="none" spc="0" normalizeH="0" baseline="0" noProof="0">
-              <a:ln>
-                <a:noFill/>
-              </a:ln>
-              <a:solidFill>
-                <a:srgbClr val="000000"/>
-              </a:solidFill>
-              <a:effectLst/>
-              <a:uLnTx/>
-              <a:uFillTx/>
-              <a:latin typeface="微软雅黑" panose="020B0503020204020204" charset="-122"/>
-              <a:ea typeface="微软雅黑" panose="020B0503020204020204" charset="-122"/>
-              <a:cs typeface="+mn-cs"/>
-            </a:endParaRPr>
-          </a:p>
-        </p:txBody>
-      </p:sp>
-      <p:sp>
-        <p:nvSpPr>
-          <p:cNvPr id="13" name="半闭框 12"/>
-          <p:cNvSpPr/>
-          <p:nvPr/>
-        </p:nvSpPr>
-        <p:spPr>
-          <a:xfrm flipH="1" flipV="1">
-            <a:off x="11093172" y="5507621"/>
-            <a:ext cx="480646" cy="480646"/>
-          </a:xfrm>
-          <a:prstGeom prst="halfFrame">
-            <a:avLst>
-              <a:gd name="adj1" fmla="val 17948"/>
-              <a:gd name="adj2" fmla="val 17949"/>
-            </a:avLst>
-          </a:prstGeom>
-          <a:solidFill>
-            <a:schemeClr val="accent4"/>
-          </a:solidFill>
-          <a:ln w="12700" cap="flat" cmpd="sng" algn="ctr">
-            <a:noFill/>
-            <a:prstDash val="solid"/>
-            <a:miter lim="800000"/>
-          </a:ln>
-          <a:effectLst/>
-        </p:spPr>
-        <p:txBody>
-          <a:bodyPr rtlCol="0" anchor="ctr"/>
-          <a:lstStyle/>
-          <a:p>
-            <a:pPr marL="0" marR="0" lvl="0" indent="0" algn="ctr" defTabSz="914400" rtl="0" eaLnBrk="1" fontAlgn="auto" latinLnBrk="0" hangingPunct="1">
-              <a:lnSpc>
-                <a:spcPct val="100000"/>
-              </a:lnSpc>
-              <a:spcBef>
-                <a:spcPts val="0"/>
-              </a:spcBef>
-              <a:spcAft>
-                <a:spcPts val="0"/>
-              </a:spcAft>
-              <a:buClrTx/>
-              <a:buSzTx/>
-              <a:buFontTx/>
-              <a:buNone/>
-              <a:tabLst/>
-              <a:defRPr/>
-            </a:pPr>
-            <a:endParaRPr kumimoji="0" lang="zh-CN" altLang="en-US" sz="1800" b="0" i="0" u="none" strike="noStrike" kern="0" cap="none" spc="0" normalizeH="0" baseline="0" noProof="0">
-              <a:ln>
-                <a:noFill/>
-              </a:ln>
-              <a:solidFill>
-                <a:srgbClr val="000000"/>
-              </a:solidFill>
-              <a:effectLst/>
-              <a:uLnTx/>
-              <a:uFillTx/>
-              <a:latin typeface="微软雅黑" panose="020B0503020204020204" charset="-122"/>
-              <a:ea typeface="微软雅黑" panose="020B0503020204020204" charset="-122"/>
-              <a:cs typeface="+mn-cs"/>
-            </a:endParaRPr>
-          </a:p>
-        </p:txBody>
-      </p:sp>
       <p:graphicFrame>
         <p:nvGraphicFramePr>
           <p:cNvPr id="3" name="表格 3">
@@ -34102,14 +37134,14 @@
           <p:nvPr>
             <p:extLst>
               <p:ext uri="{D42A27DB-BD31-4B8C-83A1-F6EECF244321}">
-                <p14:modId xmlns:p14="http://schemas.microsoft.com/office/powerpoint/2010/main" val="2667874127"/>
+                <p14:modId xmlns:p14="http://schemas.microsoft.com/office/powerpoint/2010/main" val="1764328202"/>
               </p:ext>
             </p:extLst>
           </p:nvPr>
         </p:nvGraphicFramePr>
         <p:xfrm>
-          <a:off x="1422881" y="1366229"/>
-          <a:ext cx="9346238" cy="3851222"/>
+          <a:off x="417801" y="1436499"/>
+          <a:ext cx="11356399" cy="3985002"/>
         </p:xfrm>
         <a:graphic>
           <a:graphicData uri="http://schemas.openxmlformats.org/drawingml/2006/table">
@@ -34118,21 +37150,21 @@
                 <a:tableStyleId>{3B4B98B0-60AC-42C2-AFA5-B58CD77FA1E5}</a:tableStyleId>
               </a:tblPr>
               <a:tblGrid>
-                <a:gridCol w="2191009">
+                <a:gridCol w="2421652">
                   <a:extLst>
                     <a:ext uri="{9D8B030D-6E8A-4147-A177-3AD203B41FA5}">
                       <a16:colId xmlns:a16="http://schemas.microsoft.com/office/drawing/2014/main" val="72731705"/>
                     </a:ext>
                   </a:extLst>
                 </a:gridCol>
-                <a:gridCol w="4039816">
+                <a:gridCol w="4125756">
                   <a:extLst>
                     <a:ext uri="{9D8B030D-6E8A-4147-A177-3AD203B41FA5}">
                       <a16:colId xmlns:a16="http://schemas.microsoft.com/office/drawing/2014/main" val="442817575"/>
                     </a:ext>
                   </a:extLst>
                 </a:gridCol>
-                <a:gridCol w="3115413">
+                <a:gridCol w="4808991">
                   <a:extLst>
                     <a:ext uri="{9D8B030D-6E8A-4147-A177-3AD203B41FA5}">
                       <a16:colId xmlns:a16="http://schemas.microsoft.com/office/drawing/2014/main" val="911958740"/>
@@ -34213,13 +37245,22 @@
                         <a:defRPr/>
                       </a:pPr>
                       <a:r>
+                        <a:rPr lang="en-US" altLang="zh-CN" sz="1800" kern="1200" dirty="0">
+                          <a:solidFill>
+                            <a:schemeClr val="dk1"/>
+                          </a:solidFill>
+                          <a:effectLst/>
+                        </a:rPr>
+                        <a:t>4</a:t>
+                      </a:r>
+                      <a:r>
                         <a:rPr lang="zh-CN" altLang="en-US" sz="1800" kern="1200" dirty="0">
                           <a:solidFill>
                             <a:schemeClr val="dk1"/>
                           </a:solidFill>
                           <a:effectLst/>
                         </a:rPr>
-                        <a:t>第</a:t>
+                        <a:t>月</a:t>
                       </a:r>
                       <a:r>
                         <a:rPr lang="en-US" altLang="zh-CN" sz="1800" kern="1200" dirty="0">
@@ -34228,7 +37269,7 @@
                           </a:solidFill>
                           <a:effectLst/>
                         </a:rPr>
-                        <a:t>1</a:t>
+                        <a:t>6</a:t>
                       </a:r>
                       <a:r>
                         <a:rPr lang="zh-CN" altLang="en-US" sz="1800" kern="1200" dirty="0">
@@ -34237,7 +37278,7 @@
                           </a:solidFill>
                           <a:effectLst/>
                         </a:rPr>
-                        <a:t>周 </a:t>
+                        <a:t>日 </a:t>
                       </a:r>
                       <a:r>
                         <a:rPr lang="en-US" altLang="zh-CN" sz="1800" kern="1200" dirty="0">
@@ -34246,7 +37287,7 @@
                           </a:solidFill>
                           <a:effectLst/>
                         </a:rPr>
-                        <a:t>- </a:t>
+                        <a:t>– 4</a:t>
                       </a:r>
                       <a:r>
                         <a:rPr lang="zh-CN" altLang="en-US" sz="1800" kern="1200" dirty="0">
@@ -34255,7 +37296,7 @@
                           </a:solidFill>
                           <a:effectLst/>
                         </a:rPr>
-                        <a:t>第</a:t>
+                        <a:t>月</a:t>
                       </a:r>
                       <a:r>
                         <a:rPr lang="en-US" altLang="zh-CN" sz="1800" kern="1200" dirty="0">
@@ -34264,7 +37305,7 @@
                           </a:solidFill>
                           <a:effectLst/>
                         </a:rPr>
-                        <a:t>2</a:t>
+                        <a:t>15</a:t>
                       </a:r>
                       <a:r>
                         <a:rPr lang="zh-CN" altLang="en-US" sz="1800" kern="1200" dirty="0">
@@ -34273,7 +37314,7 @@
                           </a:solidFill>
                           <a:effectLst/>
                         </a:rPr>
-                        <a:t>周</a:t>
+                        <a:t>日</a:t>
                       </a:r>
                       <a:endParaRPr lang="zh-CN" altLang="en-US" sz="1800" kern="1200" dirty="0">
                         <a:solidFill>
@@ -34317,7 +37358,44 @@
                           </a:solidFill>
                           <a:effectLst/>
                         </a:rPr>
-                        <a:t>了解区块链基本原理，学习</a:t>
+                        <a:t>完成“路径规划算法”的开发：</a:t>
+                      </a:r>
+                      <a:endParaRPr lang="en-US" altLang="zh-CN" sz="1800" kern="1200" dirty="0">
+                        <a:solidFill>
+                          <a:schemeClr val="dk1"/>
+                        </a:solidFill>
+                        <a:effectLst/>
+                      </a:endParaRPr>
+                    </a:p>
+                    <a:p>
+                      <a:pPr marL="0" marR="0" lvl="0" indent="0" algn="l" defTabSz="914400" rtl="0" eaLnBrk="1" fontAlgn="auto" latinLnBrk="0" hangingPunct="1">
+                        <a:lnSpc>
+                          <a:spcPct val="100000"/>
+                        </a:lnSpc>
+                        <a:spcBef>
+                          <a:spcPts val="0"/>
+                        </a:spcBef>
+                        <a:spcAft>
+                          <a:spcPts val="0"/>
+                        </a:spcAft>
+                        <a:buClrTx/>
+                        <a:buSzTx/>
+                        <a:buFontTx/>
+                        <a:buNone/>
+                        <a:tabLst/>
+                        <a:defRPr/>
+                      </a:pPr>
+                      <a:r>
+                        <a:rPr lang="zh-CN" altLang="en-US" sz="1800" kern="1200" dirty="0">
+                          <a:solidFill>
+                            <a:schemeClr val="dk1"/>
+                          </a:solidFill>
+                          <a:effectLst/>
+                          <a:latin typeface="+mn-lt"/>
+                          <a:ea typeface="+mn-ea"/>
+                          <a:cs typeface="+mn-cs"/>
+                        </a:rPr>
+                        <a:t>（</a:t>
                       </a:r>
                       <a:r>
                         <a:rPr lang="en-US" altLang="zh-CN" sz="1800" kern="1200" dirty="0">
@@ -34325,8 +37403,11 @@
                             <a:schemeClr val="dk1"/>
                           </a:solidFill>
                           <a:effectLst/>
+                          <a:latin typeface="+mn-lt"/>
+                          <a:ea typeface="+mn-ea"/>
+                          <a:cs typeface="+mn-cs"/>
                         </a:rPr>
-                        <a:t>Python</a:t>
+                        <a:t>1</a:t>
                       </a:r>
                       <a:r>
                         <a:rPr lang="zh-CN" altLang="en-US" sz="1800" kern="1200" dirty="0">
@@ -34334,46 +37415,13 @@
                             <a:schemeClr val="dk1"/>
                           </a:solidFill>
                           <a:effectLst/>
+                          <a:latin typeface="+mn-lt"/>
+                          <a:ea typeface="+mn-ea"/>
+                          <a:cs typeface="+mn-cs"/>
                         </a:rPr>
-                        <a:t>、</a:t>
+                        <a:t>）撰写算法代码。</a:t>
                       </a:r>
-                      <a:r>
-                        <a:rPr lang="en-US" altLang="zh-CN" sz="1800" kern="1200" dirty="0">
-                          <a:solidFill>
-                            <a:schemeClr val="dk1"/>
-                          </a:solidFill>
-                          <a:effectLst/>
-                        </a:rPr>
-                        <a:t>JavaScript</a:t>
-                      </a:r>
-                      <a:r>
-                        <a:rPr lang="zh-CN" altLang="en-US" sz="1800" kern="1200" dirty="0">
-                          <a:solidFill>
-                            <a:schemeClr val="dk1"/>
-                          </a:solidFill>
-                          <a:effectLst/>
-                        </a:rPr>
-                        <a:t>等语言及</a:t>
-                      </a:r>
-                      <a:r>
-                        <a:rPr lang="en-US" altLang="zh-CN" sz="1800" kern="1200" dirty="0">
-                          <a:solidFill>
-                            <a:schemeClr val="dk1"/>
-                          </a:solidFill>
-                          <a:effectLst/>
-                        </a:rPr>
-                        <a:t>Geth</a:t>
-                      </a:r>
-                      <a:r>
-                        <a:rPr lang="zh-CN" altLang="en-US" sz="1800" kern="1200" dirty="0">
-                          <a:solidFill>
-                            <a:schemeClr val="dk1"/>
-                          </a:solidFill>
-                          <a:effectLst/>
-                        </a:rPr>
-                        <a:t>等工具软件的使用；</a:t>
-                      </a:r>
-                      <a:endParaRPr lang="zh-CN" altLang="en-US" sz="1800" kern="1200" dirty="0">
+                      <a:endParaRPr lang="en-US" altLang="zh-CN" sz="1800" kern="1200" dirty="0">
                         <a:solidFill>
                           <a:schemeClr val="dk1"/>
                         </a:solidFill>
@@ -34382,6 +37430,61 @@
                         <a:ea typeface="+mn-ea"/>
                         <a:cs typeface="+mn-cs"/>
                       </a:endParaRPr>
+                    </a:p>
+                    <a:p>
+                      <a:pPr marL="0" marR="0" lvl="0" indent="0" algn="l" defTabSz="914400" rtl="0" eaLnBrk="1" fontAlgn="auto" latinLnBrk="0" hangingPunct="1">
+                        <a:lnSpc>
+                          <a:spcPct val="100000"/>
+                        </a:lnSpc>
+                        <a:spcBef>
+                          <a:spcPts val="0"/>
+                        </a:spcBef>
+                        <a:spcAft>
+                          <a:spcPts val="0"/>
+                        </a:spcAft>
+                        <a:buClrTx/>
+                        <a:buSzTx/>
+                        <a:buFontTx/>
+                        <a:buNone/>
+                        <a:tabLst/>
+                        <a:defRPr/>
+                      </a:pPr>
+                      <a:r>
+                        <a:rPr lang="zh-CN" altLang="en-US" sz="1800" kern="1200" dirty="0">
+                          <a:solidFill>
+                            <a:schemeClr val="dk1"/>
+                          </a:solidFill>
+                          <a:effectLst/>
+                          <a:latin typeface="+mn-lt"/>
+                          <a:ea typeface="+mn-ea"/>
+                          <a:cs typeface="+mn-cs"/>
+                        </a:rPr>
+                        <a:t>（</a:t>
+                      </a:r>
+                      <a:r>
+                        <a:rPr lang="en-US" altLang="zh-CN" sz="1800" kern="1200" dirty="0">
+                          <a:solidFill>
+                            <a:schemeClr val="dk1"/>
+                          </a:solidFill>
+                          <a:effectLst/>
+                          <a:latin typeface="+mn-lt"/>
+                          <a:ea typeface="+mn-ea"/>
+                          <a:cs typeface="+mn-cs"/>
+                        </a:rPr>
+                        <a:t>2</a:t>
+                      </a:r>
+                      <a:r>
+                        <a:rPr lang="zh-CN" altLang="en-US" sz="1800" kern="1200" dirty="0">
+                          <a:solidFill>
+                            <a:schemeClr val="dk1"/>
+                          </a:solidFill>
+                          <a:effectLst/>
+                          <a:latin typeface="+mn-lt"/>
+                          <a:ea typeface="+mn-ea"/>
+                          <a:cs typeface="+mn-cs"/>
+                        </a:rPr>
+                        <a:t>）实现测试。</a:t>
+                      </a:r>
                     </a:p>
                   </a:txBody>
                   <a:tcPr/>
@@ -34394,31 +37497,39 @@
                       <a:pPr algn="l"/>
                       <a:r>
                         <a:rPr lang="zh-CN" altLang="en-US" sz="1600" dirty="0"/>
-                        <a:t>能基本讲述区块链基本原理，能独立编写</a:t>
+                        <a:t>（</a:t>
                       </a:r>
                       <a:r>
                         <a:rPr lang="en-US" altLang="zh-CN" sz="1600" dirty="0"/>
-                        <a:t>python</a:t>
+                        <a:t>1</a:t>
                       </a:r>
                       <a:r>
                         <a:rPr lang="zh-CN" altLang="en-US" sz="1600" dirty="0"/>
-                        <a:t>、</a:t>
+                        <a:t>）将完成的代码及对应手册上传至</a:t>
                       </a:r>
                       <a:r>
                         <a:rPr lang="en-US" altLang="zh-CN" sz="1600" dirty="0"/>
-                        <a:t>JavaScript</a:t>
+                        <a:t>GitHub</a:t>
                       </a:r>
                       <a:r>
                         <a:rPr lang="zh-CN" altLang="en-US" sz="1600" dirty="0"/>
-                        <a:t>代码，能对</a:t>
+                        <a:t>仓库。</a:t>
+                      </a:r>
+                      <a:endParaRPr lang="en-US" altLang="zh-CN" sz="1600" dirty="0"/>
+                    </a:p>
+                    <a:p>
+                      <a:pPr algn="l"/>
+                      <a:r>
+                        <a:rPr lang="zh-CN" altLang="en-US" sz="1600" dirty="0"/>
+                        <a:t>（</a:t>
                       </a:r>
                       <a:r>
                         <a:rPr lang="en-US" altLang="zh-CN" sz="1600" dirty="0"/>
-                        <a:t>Geth</a:t>
+                        <a:t>2</a:t>
                       </a:r>
                       <a:r>
                         <a:rPr lang="zh-CN" altLang="en-US" sz="1600" dirty="0"/>
-                        <a:t>进行简单操作</a:t>
+                        <a:t>）形成测试数据，处理分析。</a:t>
                       </a:r>
                     </a:p>
                   </a:txBody>
@@ -34454,13 +37565,22 @@
                         <a:defRPr/>
                       </a:pPr>
                       <a:r>
+                        <a:rPr lang="en-US" altLang="zh-CN" sz="1800" kern="1200" dirty="0">
+                          <a:solidFill>
+                            <a:schemeClr val="dk1"/>
+                          </a:solidFill>
+                          <a:effectLst/>
+                        </a:rPr>
+                        <a:t>4</a:t>
+                      </a:r>
+                      <a:r>
                         <a:rPr lang="zh-CN" altLang="en-US" sz="1800" kern="1200" dirty="0">
                           <a:solidFill>
                             <a:schemeClr val="dk1"/>
                           </a:solidFill>
                           <a:effectLst/>
                         </a:rPr>
-                        <a:t>第</a:t>
+                        <a:t>月</a:t>
                       </a:r>
                       <a:r>
                         <a:rPr lang="en-US" altLang="zh-CN" sz="1800" kern="1200" dirty="0">
@@ -34469,7 +37589,7 @@
                           </a:solidFill>
                           <a:effectLst/>
                         </a:rPr>
-                        <a:t>3</a:t>
+                        <a:t>16</a:t>
                       </a:r>
                       <a:r>
                         <a:rPr lang="zh-CN" altLang="en-US" sz="1800" kern="1200" dirty="0">
@@ -34478,7 +37598,7 @@
                           </a:solidFill>
                           <a:effectLst/>
                         </a:rPr>
-                        <a:t>周 </a:t>
+                        <a:t>日 </a:t>
                       </a:r>
                       <a:r>
                         <a:rPr lang="en-US" altLang="zh-CN" sz="1800" kern="1200" dirty="0">
@@ -34487,7 +37607,7 @@
                           </a:solidFill>
                           <a:effectLst/>
                         </a:rPr>
-                        <a:t>- </a:t>
+                        <a:t>– 4</a:t>
                       </a:r>
                       <a:r>
                         <a:rPr lang="zh-CN" altLang="en-US" sz="1800" kern="1200" dirty="0">
@@ -34496,7 +37616,7 @@
                           </a:solidFill>
                           <a:effectLst/>
                         </a:rPr>
-                        <a:t>第</a:t>
+                        <a:t>月</a:t>
                       </a:r>
                       <a:r>
                         <a:rPr lang="en-US" altLang="zh-CN" sz="1800" kern="1200" dirty="0">
@@ -34505,7 +37625,7 @@
                           </a:solidFill>
                           <a:effectLst/>
                         </a:rPr>
-                        <a:t>6</a:t>
+                        <a:t>20</a:t>
                       </a:r>
                       <a:r>
                         <a:rPr lang="zh-CN" altLang="en-US" sz="1800" kern="1200" dirty="0">
@@ -34514,7 +37634,7 @@
                           </a:solidFill>
                           <a:effectLst/>
                         </a:rPr>
-                        <a:t>周</a:t>
+                        <a:t>日</a:t>
                       </a:r>
                       <a:endParaRPr lang="zh-CN" altLang="en-US" sz="1800" kern="1200" dirty="0">
                         <a:solidFill>
@@ -34557,19 +37677,13 @@
                             <a:schemeClr val="dk1"/>
                           </a:solidFill>
                           <a:effectLst/>
+                          <a:latin typeface="+mn-lt"/>
+                          <a:ea typeface="+mn-ea"/>
+                          <a:cs typeface="+mn-cs"/>
                         </a:rPr>
-                        <a:t>在本地搭建私有的树状区块链，并基于实验室已有工作成果部署</a:t>
+                        <a:t>阅读“信誉值”相关论文和前人工作，</a:t>
                       </a:r>
-                      <a:r>
-                        <a:rPr lang="zh-CN" altLang="en-US" sz="1800" kern="1200">
-                          <a:solidFill>
-                            <a:schemeClr val="dk1"/>
-                          </a:solidFill>
-                          <a:effectLst/>
-                        </a:rPr>
-                        <a:t>智能合约。</a:t>
-                      </a:r>
-                      <a:endParaRPr lang="zh-CN" altLang="en-US" sz="1800" kern="1200" dirty="0">
+                      <a:endParaRPr lang="en-US" altLang="zh-CN" sz="1800" kern="1200" dirty="0">
                         <a:solidFill>
                           <a:schemeClr val="dk1"/>
                         </a:solidFill>
@@ -34578,6 +37692,37 @@
                         <a:ea typeface="+mn-ea"/>
                         <a:cs typeface="+mn-cs"/>
                       </a:endParaRPr>
+                    </a:p>
+                    <a:p>
+                      <a:pPr marL="0" marR="0" lvl="0" indent="0" algn="l" defTabSz="914400" rtl="0" eaLnBrk="1" fontAlgn="auto" latinLnBrk="0" hangingPunct="1">
+                        <a:lnSpc>
+                          <a:spcPct val="100000"/>
+                        </a:lnSpc>
+                        <a:spcBef>
+                          <a:spcPts val="0"/>
+                        </a:spcBef>
+                        <a:spcAft>
+                          <a:spcPts val="0"/>
+                        </a:spcAft>
+                        <a:buClrTx/>
+                        <a:buSzTx/>
+                        <a:buFontTx/>
+                        <a:buNone/>
+                        <a:tabLst/>
+                        <a:defRPr/>
+                      </a:pPr>
+                      <a:r>
+                        <a:rPr lang="zh-CN" altLang="en-US" sz="1800" kern="1200" dirty="0">
+                          <a:solidFill>
+                            <a:schemeClr val="dk1"/>
+                          </a:solidFill>
+                          <a:effectLst/>
+                          <a:latin typeface="+mn-lt"/>
+                          <a:ea typeface="+mn-ea"/>
+                          <a:cs typeface="+mn-cs"/>
+                        </a:rPr>
+                        <a:t>完成“优化信誉值”部分的思路细化。</a:t>
+                      </a:r>
                     </a:p>
                   </a:txBody>
                   <a:tcPr/>
@@ -34590,7 +37735,31 @@
                       <a:pPr algn="l"/>
                       <a:r>
                         <a:rPr lang="zh-CN" altLang="en-US" sz="1600" dirty="0"/>
-                        <a:t>完成对前辈工作的复现，实现现有的调度模型</a:t>
+                        <a:t>（</a:t>
+                      </a:r>
+                      <a:r>
+                        <a:rPr lang="en-US" altLang="zh-CN" sz="1600" dirty="0"/>
+                        <a:t>1</a:t>
+                      </a:r>
+                      <a:r>
+                        <a:rPr lang="zh-CN" altLang="en-US" sz="1600" dirty="0"/>
+                        <a:t>）形成思路细化文档，与老师进行交流。</a:t>
+                      </a:r>
+                      <a:endParaRPr lang="en-US" altLang="zh-CN" sz="1600" dirty="0"/>
+                    </a:p>
+                    <a:p>
+                      <a:pPr algn="l"/>
+                      <a:r>
+                        <a:rPr lang="zh-CN" altLang="en-US" sz="1600" dirty="0"/>
+                        <a:t>（</a:t>
+                      </a:r>
+                      <a:r>
+                        <a:rPr lang="en-US" altLang="zh-CN" sz="1600" dirty="0"/>
+                        <a:t>2</a:t>
+                      </a:r>
+                      <a:r>
+                        <a:rPr lang="zh-CN" altLang="en-US" sz="1600" dirty="0"/>
+                        <a:t>）分析本环节要做的工作，给出对应的实施方法。</a:t>
                       </a:r>
                     </a:p>
                   </a:txBody>
@@ -34626,13 +37795,22 @@
                         <a:defRPr/>
                       </a:pPr>
                       <a:r>
+                        <a:rPr lang="en-US" altLang="zh-CN" sz="1800" kern="1200" dirty="0">
+                          <a:solidFill>
+                            <a:schemeClr val="dk1"/>
+                          </a:solidFill>
+                          <a:effectLst/>
+                        </a:rPr>
+                        <a:t>4</a:t>
+                      </a:r>
+                      <a:r>
                         <a:rPr lang="zh-CN" altLang="en-US" sz="1800" kern="1200" dirty="0">
                           <a:solidFill>
                             <a:schemeClr val="dk1"/>
                           </a:solidFill>
                           <a:effectLst/>
                         </a:rPr>
-                        <a:t>第</a:t>
+                        <a:t>月</a:t>
                       </a:r>
                       <a:r>
                         <a:rPr lang="en-US" altLang="zh-CN" sz="1800" kern="1200" dirty="0">
@@ -34641,7 +37819,7 @@
                           </a:solidFill>
                           <a:effectLst/>
                         </a:rPr>
-                        <a:t>7</a:t>
+                        <a:t>21</a:t>
                       </a:r>
                       <a:r>
                         <a:rPr lang="zh-CN" altLang="en-US" sz="1800" kern="1200" dirty="0">
@@ -34650,7 +37828,7 @@
                           </a:solidFill>
                           <a:effectLst/>
                         </a:rPr>
-                        <a:t>周 </a:t>
+                        <a:t>日 </a:t>
                       </a:r>
                       <a:r>
                         <a:rPr lang="en-US" altLang="zh-CN" sz="1800" kern="1200" dirty="0">
@@ -34659,7 +37837,7 @@
                           </a:solidFill>
                           <a:effectLst/>
                         </a:rPr>
-                        <a:t>- </a:t>
+                        <a:t>– 4</a:t>
                       </a:r>
                       <a:r>
                         <a:rPr lang="zh-CN" altLang="en-US" sz="1800" kern="1200" dirty="0">
@@ -34668,7 +37846,7 @@
                           </a:solidFill>
                           <a:effectLst/>
                         </a:rPr>
-                        <a:t>第</a:t>
+                        <a:t>月</a:t>
                       </a:r>
                       <a:r>
                         <a:rPr lang="en-US" altLang="zh-CN" sz="1800" kern="1200" dirty="0">
@@ -34677,7 +37855,7 @@
                           </a:solidFill>
                           <a:effectLst/>
                         </a:rPr>
-                        <a:t>10</a:t>
+                        <a:t>30</a:t>
                       </a:r>
                       <a:r>
                         <a:rPr lang="zh-CN" altLang="en-US" sz="1800" kern="1200" dirty="0">
@@ -34686,7 +37864,7 @@
                           </a:solidFill>
                           <a:effectLst/>
                         </a:rPr>
-                        <a:t>周</a:t>
+                        <a:t>日</a:t>
                       </a:r>
                       <a:endParaRPr lang="zh-CN" altLang="en-US" sz="1800" kern="1200" dirty="0">
                         <a:solidFill>
@@ -34729,10 +37907,13 @@
                             <a:schemeClr val="dk1"/>
                           </a:solidFill>
                           <a:effectLst/>
+                          <a:latin typeface="+mn-lt"/>
+                          <a:ea typeface="+mn-ea"/>
+                          <a:cs typeface="+mn-cs"/>
                         </a:rPr>
-                        <a:t>对调度系统的路径规划算法进行改进和优化；</a:t>
+                        <a:t>完成“优化信誉值”部分的开发：</a:t>
                       </a:r>
-                      <a:endParaRPr lang="zh-CN" altLang="en-US" sz="1800" kern="1200" dirty="0">
+                      <a:endParaRPr lang="en-US" altLang="zh-CN" sz="1800" kern="1200" dirty="0">
                         <a:solidFill>
                           <a:schemeClr val="dk1"/>
                         </a:solidFill>
@@ -34741,6 +37922,125 @@
                         <a:ea typeface="+mn-ea"/>
                         <a:cs typeface="+mn-cs"/>
                       </a:endParaRPr>
+                    </a:p>
+                    <a:p>
+                      <a:pPr marL="0" marR="0" lvl="0" indent="0" algn="l" defTabSz="914400" rtl="0" eaLnBrk="1" fontAlgn="auto" latinLnBrk="0" hangingPunct="1">
+                        <a:lnSpc>
+                          <a:spcPct val="100000"/>
+                        </a:lnSpc>
+                        <a:spcBef>
+                          <a:spcPts val="0"/>
+                        </a:spcBef>
+                        <a:spcAft>
+                          <a:spcPts val="0"/>
+                        </a:spcAft>
+                        <a:buClrTx/>
+                        <a:buSzTx/>
+                        <a:buFontTx/>
+                        <a:buNone/>
+                        <a:tabLst/>
+                        <a:defRPr/>
+                      </a:pPr>
+                      <a:r>
+                        <a:rPr lang="zh-CN" altLang="en-US" sz="1800" kern="1200" dirty="0">
+                          <a:solidFill>
+                            <a:schemeClr val="dk1"/>
+                          </a:solidFill>
+                          <a:effectLst/>
+                          <a:latin typeface="+mn-lt"/>
+                          <a:ea typeface="+mn-ea"/>
+                          <a:cs typeface="+mn-cs"/>
+                        </a:rPr>
+                        <a:t>（</a:t>
+                      </a:r>
+                      <a:r>
+                        <a:rPr lang="en-US" altLang="zh-CN" sz="1800" kern="1200" dirty="0">
+                          <a:solidFill>
+                            <a:schemeClr val="dk1"/>
+                          </a:solidFill>
+                          <a:effectLst/>
+                          <a:latin typeface="+mn-lt"/>
+                          <a:ea typeface="+mn-ea"/>
+                          <a:cs typeface="+mn-cs"/>
+                        </a:rPr>
+                        <a:t>1</a:t>
+                      </a:r>
+                      <a:r>
+                        <a:rPr lang="zh-CN" altLang="en-US" sz="1800" kern="1200" dirty="0">
+                          <a:solidFill>
+                            <a:schemeClr val="dk1"/>
+                          </a:solidFill>
+                          <a:effectLst/>
+                          <a:latin typeface="+mn-lt"/>
+                          <a:ea typeface="+mn-ea"/>
+                          <a:cs typeface="+mn-cs"/>
+                        </a:rPr>
+                        <a:t>）撰写算法代码。</a:t>
+                      </a:r>
+                      <a:endParaRPr lang="en-US" altLang="zh-CN" sz="1800" kern="1200" dirty="0">
+                        <a:solidFill>
+                          <a:schemeClr val="dk1"/>
+                        </a:solidFill>
+                        <a:effectLst/>
+                        <a:latin typeface="+mn-lt"/>
+                        <a:ea typeface="+mn-ea"/>
+                        <a:cs typeface="+mn-cs"/>
+                      </a:endParaRPr>
+                    </a:p>
+                    <a:p>
+                      <a:pPr marL="0" marR="0" lvl="0" indent="0" algn="l" defTabSz="914400" rtl="0" eaLnBrk="1" fontAlgn="auto" latinLnBrk="0" hangingPunct="1">
+                        <a:lnSpc>
+                          <a:spcPct val="100000"/>
+                        </a:lnSpc>
+                        <a:spcBef>
+                          <a:spcPts val="0"/>
+                        </a:spcBef>
+                        <a:spcAft>
+                          <a:spcPts val="0"/>
+                        </a:spcAft>
+                        <a:buClrTx/>
+                        <a:buSzTx/>
+                        <a:buFontTx/>
+                        <a:buNone/>
+                        <a:tabLst/>
+                        <a:defRPr/>
+                      </a:pPr>
+                      <a:r>
+                        <a:rPr lang="zh-CN" altLang="en-US" sz="1800" kern="1200" dirty="0">
+                          <a:solidFill>
+                            <a:schemeClr val="dk1"/>
+                          </a:solidFill>
+                          <a:effectLst/>
+                          <a:latin typeface="+mn-lt"/>
+                          <a:ea typeface="+mn-ea"/>
+                          <a:cs typeface="+mn-cs"/>
+                        </a:rPr>
+                        <a:t>（</a:t>
+                      </a:r>
+                      <a:r>
+                        <a:rPr lang="en-US" altLang="zh-CN" sz="1800" kern="1200" dirty="0">
+                          <a:solidFill>
+                            <a:schemeClr val="dk1"/>
+                          </a:solidFill>
+                          <a:effectLst/>
+                          <a:latin typeface="+mn-lt"/>
+                          <a:ea typeface="+mn-ea"/>
+                          <a:cs typeface="+mn-cs"/>
+                        </a:rPr>
+                        <a:t>2</a:t>
+                      </a:r>
+                      <a:r>
+                        <a:rPr lang="zh-CN" altLang="en-US" sz="1800" kern="1200" dirty="0">
+                          <a:solidFill>
+                            <a:schemeClr val="dk1"/>
+                          </a:solidFill>
+                          <a:effectLst/>
+                          <a:latin typeface="+mn-lt"/>
+                          <a:ea typeface="+mn-ea"/>
+                          <a:cs typeface="+mn-cs"/>
+                        </a:rPr>
+                        <a:t>）实现测试。</a:t>
+                      </a:r>
                     </a:p>
                   </a:txBody>
                   <a:tcPr/>
@@ -34753,7 +38053,39 @@
                       <a:pPr algn="l"/>
                       <a:r>
                         <a:rPr lang="zh-CN" altLang="en-US" sz="1600" dirty="0"/>
-                        <a:t>通过测试来验证改进和优化后算法的优越性、正确性</a:t>
+                        <a:t>（</a:t>
+                      </a:r>
+                      <a:r>
+                        <a:rPr lang="en-US" altLang="zh-CN" sz="1600" dirty="0"/>
+                        <a:t>1</a:t>
+                      </a:r>
+                      <a:r>
+                        <a:rPr lang="zh-CN" altLang="en-US" sz="1600" dirty="0"/>
+                        <a:t>）将完成的代码及对应手册上传至</a:t>
+                      </a:r>
+                      <a:r>
+                        <a:rPr lang="en-US" altLang="zh-CN" sz="1600" dirty="0"/>
+                        <a:t>GitHub</a:t>
+                      </a:r>
+                      <a:r>
+                        <a:rPr lang="zh-CN" altLang="en-US" sz="1600" dirty="0"/>
+                        <a:t>仓库。</a:t>
+                      </a:r>
+                      <a:endParaRPr lang="en-US" altLang="zh-CN" sz="1600" dirty="0"/>
+                    </a:p>
+                    <a:p>
+                      <a:pPr algn="l"/>
+                      <a:r>
+                        <a:rPr lang="zh-CN" altLang="en-US" sz="1600" dirty="0"/>
+                        <a:t>（</a:t>
+                      </a:r>
+                      <a:r>
+                        <a:rPr lang="en-US" altLang="zh-CN" sz="1600" dirty="0"/>
+                        <a:t>2</a:t>
+                      </a:r>
+                      <a:r>
+                        <a:rPr lang="zh-CN" altLang="en-US" sz="1600" dirty="0"/>
+                        <a:t>）形成测试数据，处理分析。</a:t>
                       </a:r>
                     </a:p>
                   </a:txBody>
@@ -34789,13 +38121,28 @@
                         <a:defRPr/>
                       </a:pPr>
                       <a:r>
+                        <a:rPr lang="en-US" altLang="zh-CN" sz="1800" kern="1200" dirty="0">
+                          <a:solidFill>
+                            <a:schemeClr val="dk1"/>
+                          </a:solidFill>
+                          <a:effectLst/>
+                          <a:latin typeface="+mn-lt"/>
+                          <a:ea typeface="+mn-ea"/>
+                          <a:cs typeface="+mn-cs"/>
+                        </a:rPr>
+                        <a:t>5</a:t>
+                      </a:r>
+                      <a:r>
                         <a:rPr lang="zh-CN" altLang="en-US" sz="1800" kern="1200" dirty="0">
                           <a:solidFill>
                             <a:schemeClr val="dk1"/>
                           </a:solidFill>
                           <a:effectLst/>
+                          <a:latin typeface="+mn-lt"/>
+                          <a:ea typeface="+mn-ea"/>
+                          <a:cs typeface="+mn-cs"/>
                         </a:rPr>
-                        <a:t>第</a:t>
+                        <a:t>月</a:t>
                       </a:r>
                       <a:r>
                         <a:rPr lang="en-US" altLang="zh-CN" sz="1800" kern="1200" dirty="0">
@@ -34803,8 +38150,11 @@
                             <a:schemeClr val="dk1"/>
                           </a:solidFill>
                           <a:effectLst/>
+                          <a:latin typeface="+mn-lt"/>
+                          <a:ea typeface="+mn-ea"/>
+                          <a:cs typeface="+mn-cs"/>
                         </a:rPr>
-                        <a:t>11</a:t>
+                        <a:t>1</a:t>
                       </a:r>
                       <a:r>
                         <a:rPr lang="zh-CN" altLang="en-US" sz="1800" kern="1200" dirty="0">
@@ -34812,8 +38162,11 @@
                             <a:schemeClr val="dk1"/>
                           </a:solidFill>
                           <a:effectLst/>
+                          <a:latin typeface="+mn-lt"/>
+                          <a:ea typeface="+mn-ea"/>
+                          <a:cs typeface="+mn-cs"/>
                         </a:rPr>
-                        <a:t>周 </a:t>
+                        <a:t>日 </a:t>
                       </a:r>
                       <a:r>
                         <a:rPr lang="en-US" altLang="zh-CN" sz="1800" kern="1200" dirty="0">
@@ -34821,8 +38174,11 @@
                             <a:schemeClr val="dk1"/>
                           </a:solidFill>
                           <a:effectLst/>
+                          <a:latin typeface="+mn-lt"/>
+                          <a:ea typeface="+mn-ea"/>
+                          <a:cs typeface="+mn-cs"/>
                         </a:rPr>
-                        <a:t>- </a:t>
+                        <a:t>– 5</a:t>
                       </a:r>
                       <a:r>
                         <a:rPr lang="zh-CN" altLang="en-US" sz="1800" kern="1200" dirty="0">
@@ -34830,8 +38186,11 @@
                             <a:schemeClr val="dk1"/>
                           </a:solidFill>
                           <a:effectLst/>
+                          <a:latin typeface="+mn-lt"/>
+                          <a:ea typeface="+mn-ea"/>
+                          <a:cs typeface="+mn-cs"/>
                         </a:rPr>
-                        <a:t>第</a:t>
+                        <a:t>月</a:t>
                       </a:r>
                       <a:r>
                         <a:rPr lang="en-US" altLang="zh-CN" sz="1800" kern="1200" dirty="0">
@@ -34839,8 +38198,11 @@
                             <a:schemeClr val="dk1"/>
                           </a:solidFill>
                           <a:effectLst/>
+                          <a:latin typeface="+mn-lt"/>
+                          <a:ea typeface="+mn-ea"/>
+                          <a:cs typeface="+mn-cs"/>
                         </a:rPr>
-                        <a:t>14</a:t>
+                        <a:t>10</a:t>
                       </a:r>
                       <a:r>
                         <a:rPr lang="zh-CN" altLang="en-US" sz="1800" kern="1200" dirty="0">
@@ -34848,18 +38210,12 @@
                             <a:schemeClr val="dk1"/>
                           </a:solidFill>
                           <a:effectLst/>
+                          <a:latin typeface="+mn-lt"/>
+                          <a:ea typeface="+mn-ea"/>
+                          <a:cs typeface="+mn-cs"/>
                         </a:rPr>
-                        <a:t>周</a:t>
+                        <a:t>日</a:t>
                       </a:r>
-                      <a:endParaRPr lang="zh-CN" altLang="en-US" sz="1800" kern="1200" dirty="0">
-                        <a:solidFill>
-                          <a:schemeClr val="dk1"/>
-                        </a:solidFill>
-                        <a:effectLst/>
-                        <a:latin typeface="+mn-lt"/>
-                        <a:ea typeface="+mn-ea"/>
-                        <a:cs typeface="+mn-cs"/>
-                      </a:endParaRPr>
                     </a:p>
                   </a:txBody>
                   <a:tcPr/>
@@ -34892,18 +38248,12 @@
                             <a:schemeClr val="dk1"/>
                           </a:solidFill>
                           <a:effectLst/>
+                          <a:latin typeface="+mn-lt"/>
+                          <a:ea typeface="+mn-ea"/>
+                          <a:cs typeface="+mn-cs"/>
                         </a:rPr>
-                        <a:t>对用户的信誉值进行评估，建立模型，优化结果；</a:t>
+                        <a:t>根据本学期做的工作，撰写毕业论文。</a:t>
                       </a:r>
-                      <a:endParaRPr lang="zh-CN" altLang="en-US" sz="1800" kern="1200" dirty="0">
-                        <a:solidFill>
-                          <a:schemeClr val="dk1"/>
-                        </a:solidFill>
-                        <a:effectLst/>
-                        <a:latin typeface="+mn-lt"/>
-                        <a:ea typeface="+mn-ea"/>
-                        <a:cs typeface="+mn-cs"/>
-                      </a:endParaRPr>
                     </a:p>
                   </a:txBody>
                   <a:tcPr/>
@@ -34916,8 +38266,17 @@
                       <a:pPr algn="l"/>
                       <a:r>
                         <a:rPr lang="zh-CN" altLang="en-US" sz="1600" dirty="0"/>
-                        <a:t>通过前端界面的直观显示、模块测试来测试信誉值模块的正确性</a:t>
+                        <a:t>（</a:t>
                       </a:r>
+                      <a:r>
+                        <a:rPr lang="en-US" altLang="zh-CN" sz="1600" dirty="0"/>
+                        <a:t>1</a:t>
+                      </a:r>
+                      <a:r>
+                        <a:rPr lang="zh-CN" altLang="en-US" sz="1600" dirty="0"/>
+                        <a:t>）完成毕业论文的文字产出。</a:t>
+                      </a:r>
+                      <a:endParaRPr lang="en-US" altLang="zh-CN" sz="1600" dirty="0"/>
                     </a:p>
                   </a:txBody>
                   <a:tcPr/>
@@ -34952,13 +38311,28 @@
                         <a:defRPr/>
                       </a:pPr>
                       <a:r>
+                        <a:rPr lang="en-US" altLang="zh-CN" sz="1800" kern="1200" dirty="0">
+                          <a:solidFill>
+                            <a:schemeClr val="dk1"/>
+                          </a:solidFill>
+                          <a:effectLst/>
+                          <a:latin typeface="+mn-lt"/>
+                          <a:ea typeface="+mn-ea"/>
+                          <a:cs typeface="+mn-cs"/>
+                        </a:rPr>
+                        <a:t>5</a:t>
+                      </a:r>
+                      <a:r>
                         <a:rPr lang="zh-CN" altLang="en-US" sz="1800" kern="1200" dirty="0">
                           <a:solidFill>
                             <a:schemeClr val="dk1"/>
                           </a:solidFill>
                           <a:effectLst/>
+                          <a:latin typeface="+mn-lt"/>
+                          <a:ea typeface="+mn-ea"/>
+                          <a:cs typeface="+mn-cs"/>
                         </a:rPr>
-                        <a:t>第</a:t>
+                        <a:t>月</a:t>
                       </a:r>
                       <a:r>
                         <a:rPr lang="en-US" altLang="zh-CN" sz="1800" kern="1200" dirty="0">
@@ -34966,8 +38340,11 @@
                             <a:schemeClr val="dk1"/>
                           </a:solidFill>
                           <a:effectLst/>
+                          <a:latin typeface="+mn-lt"/>
+                          <a:ea typeface="+mn-ea"/>
+                          <a:cs typeface="+mn-cs"/>
                         </a:rPr>
-                        <a:t>1</a:t>
+                        <a:t>11</a:t>
                       </a:r>
                       <a:r>
                         <a:rPr lang="zh-CN" altLang="en-US" sz="1800" kern="1200" dirty="0">
@@ -34975,8 +38352,11 @@
                             <a:schemeClr val="dk1"/>
                           </a:solidFill>
                           <a:effectLst/>
+                          <a:latin typeface="+mn-lt"/>
+                          <a:ea typeface="+mn-ea"/>
+                          <a:cs typeface="+mn-cs"/>
                         </a:rPr>
-                        <a:t>周 </a:t>
+                        <a:t>日 </a:t>
                       </a:r>
                       <a:r>
                         <a:rPr lang="en-US" altLang="zh-CN" sz="1800" kern="1200" dirty="0">
@@ -34984,8 +38364,11 @@
                             <a:schemeClr val="dk1"/>
                           </a:solidFill>
                           <a:effectLst/>
+                          <a:latin typeface="+mn-lt"/>
+                          <a:ea typeface="+mn-ea"/>
+                          <a:cs typeface="+mn-cs"/>
                         </a:rPr>
-                        <a:t>- </a:t>
+                        <a:t>– </a:t>
                       </a:r>
                       <a:r>
                         <a:rPr lang="zh-CN" altLang="en-US" sz="1800" kern="1200" dirty="0">
@@ -34993,36 +38376,12 @@
                             <a:schemeClr val="dk1"/>
                           </a:solidFill>
                           <a:effectLst/>
+                          <a:latin typeface="+mn-lt"/>
+                          <a:ea typeface="+mn-ea"/>
+                          <a:cs typeface="+mn-cs"/>
                         </a:rPr>
-                        <a:t>第</a:t>
+                        <a:t>毕业</a:t>
                       </a:r>
-                      <a:r>
-                        <a:rPr lang="en-US" altLang="zh-CN" sz="1800" kern="1200" dirty="0">
-                          <a:solidFill>
-                            <a:schemeClr val="dk1"/>
-                          </a:solidFill>
-                          <a:effectLst/>
-                        </a:rPr>
-                        <a:t>16</a:t>
-                      </a:r>
-                      <a:r>
-                        <a:rPr lang="zh-CN" altLang="en-US" sz="1800" kern="1200" dirty="0">
-                          <a:solidFill>
-                            <a:schemeClr val="dk1"/>
-                          </a:solidFill>
-                          <a:effectLst/>
-                        </a:rPr>
-                        <a:t>周</a:t>
-                      </a:r>
-                      <a:endParaRPr lang="zh-CN" altLang="en-US" sz="1800" kern="1200" dirty="0">
-                        <a:solidFill>
-                          <a:schemeClr val="dk1"/>
-                        </a:solidFill>
-                        <a:effectLst/>
-                        <a:latin typeface="+mn-lt"/>
-                        <a:ea typeface="+mn-ea"/>
-                        <a:cs typeface="+mn-cs"/>
-                      </a:endParaRPr>
                     </a:p>
                   </a:txBody>
                   <a:tcPr/>
@@ -35055,18 +38414,12 @@
                             <a:schemeClr val="dk1"/>
                           </a:solidFill>
                           <a:effectLst/>
+                          <a:latin typeface="+mn-lt"/>
+                          <a:ea typeface="+mn-ea"/>
+                          <a:cs typeface="+mn-cs"/>
                         </a:rPr>
-                        <a:t>依照工作进度，形成毕业设计论文，同步进行翻译工作</a:t>
+                        <a:t>提交论文盲审，通过毕业设计答辩。</a:t>
                       </a:r>
-                      <a:endParaRPr lang="zh-CN" altLang="en-US" sz="1800" kern="1200" dirty="0">
-                        <a:solidFill>
-                          <a:schemeClr val="dk1"/>
-                        </a:solidFill>
-                        <a:effectLst/>
-                        <a:latin typeface="+mn-lt"/>
-                        <a:ea typeface="+mn-ea"/>
-                        <a:cs typeface="+mn-cs"/>
-                      </a:endParaRPr>
                     </a:p>
                   </a:txBody>
                   <a:tcPr/>
@@ -35076,18 +38429,46 @@
                     <a:bodyPr/>
                     <a:lstStyle/>
                     <a:p>
-                      <a:pPr algn="l"/>
+                      <a:pPr marL="0" marR="0" lvl="0" indent="0" algn="l" defTabSz="914400" rtl="0" eaLnBrk="1" fontAlgn="auto" latinLnBrk="0" hangingPunct="1">
+                        <a:lnSpc>
+                          <a:spcPct val="100000"/>
+                        </a:lnSpc>
+                        <a:spcBef>
+                          <a:spcPts val="0"/>
+                        </a:spcBef>
+                        <a:spcAft>
+                          <a:spcPts val="0"/>
+                        </a:spcAft>
+                        <a:buClrTx/>
+                        <a:buSzTx/>
+                        <a:buFontTx/>
+                        <a:buNone/>
+                        <a:tabLst/>
+                        <a:defRPr/>
+                      </a:pPr>
                       <a:r>
                         <a:rPr lang="zh-CN" altLang="en-US" sz="1600" dirty="0"/>
-                        <a:t>完成文字产出，参加答辩</a:t>
+                        <a:t>（</a:t>
                       </a:r>
+                      <a:r>
+                        <a:rPr lang="en-US" altLang="zh-CN" sz="1600" dirty="0"/>
+                        <a:t>1</a:t>
+                      </a:r>
+                      <a:r>
+                        <a:rPr lang="zh-CN" altLang="en-US" sz="1600" dirty="0"/>
+                        <a:t>）通过毕业设计答辩。</a:t>
+                      </a:r>
+                    </a:p>
+                    <a:p>
+                      <a:pPr algn="l"/>
+                      <a:endParaRPr lang="zh-CN" altLang="en-US" sz="1600" dirty="0"/>
                     </a:p>
                   </a:txBody>
                   <a:tcPr/>
                 </a:tc>
                 <a:extLst>
                   <a:ext uri="{0D108BD9-81ED-4DB2-BD59-A6C34878D82A}">
-                    <a16:rowId xmlns:a16="http://schemas.microsoft.com/office/drawing/2014/main" val="2805848390"/>
+                    <a16:rowId xmlns:a16="http://schemas.microsoft.com/office/drawing/2014/main" val="3985450496"/>
                   </a:ext>
                 </a:extLst>
               </a:tr>
@@ -35101,279 +38482,6 @@
         <p14:creationId xmlns:p14="http://schemas.microsoft.com/office/powerpoint/2010/main" val="3146579874"/>
       </p:ext>
     </p:extLst>
-  </p:cSld>
-  <p:clrMapOvr>
-    <a:masterClrMapping/>
-  </p:clrMapOvr>
-  <p:transition spd="med">
-    <p:pull/>
-  </p:transition>
-</p:sld>
-</file>
-
-<file path=ppt/slides/slide7.xml><?xml version="1.0" encoding="utf-8"?>
-<p:sld xmlns:a="http://schemas.openxmlformats.org/drawingml/2006/main" xmlns:r="http://schemas.openxmlformats.org/officeDocument/2006/relationships" xmlns:p="http://schemas.openxmlformats.org/presentationml/2006/main">
-  <p:cSld>
-    <p:spTree>
-      <p:nvGrpSpPr>
-        <p:cNvPr id="1" name=""/>
-        <p:cNvGrpSpPr/>
-        <p:nvPr/>
-      </p:nvGrpSpPr>
-      <p:grpSpPr>
-        <a:xfrm>
-          <a:off x="0" y="0"/>
-          <a:ext cx="0" cy="0"/>
-          <a:chOff x="0" y="0"/>
-          <a:chExt cx="0" cy="0"/>
-        </a:xfrm>
-      </p:grpSpPr>
-      <p:sp>
-        <p:nvSpPr>
-          <p:cNvPr id="11" name="文本框 10"/>
-          <p:cNvSpPr txBox="1"/>
-          <p:nvPr/>
-        </p:nvSpPr>
-        <p:spPr>
-          <a:xfrm>
-            <a:off x="1833795" y="2336758"/>
-            <a:ext cx="8524408" cy="1446550"/>
-          </a:xfrm>
-          <a:prstGeom prst="rect">
-            <a:avLst/>
-          </a:prstGeom>
-          <a:noFill/>
-        </p:spPr>
-        <p:txBody>
-          <a:bodyPr wrap="square" rtlCol="0">
-            <a:spAutoFit/>
-          </a:bodyPr>
-          <a:lstStyle/>
-          <a:p>
-            <a:pPr marL="0" marR="0" lvl="0" indent="0" algn="ctr" defTabSz="914400" rtl="0" eaLnBrk="1" fontAlgn="auto" latinLnBrk="0" hangingPunct="1">
-              <a:lnSpc>
-                <a:spcPct val="100000"/>
-              </a:lnSpc>
-              <a:spcBef>
-                <a:spcPts val="0"/>
-              </a:spcBef>
-              <a:spcAft>
-                <a:spcPts val="0"/>
-              </a:spcAft>
-              <a:buClrTx/>
-              <a:buSzTx/>
-              <a:buFontTx/>
-              <a:buNone/>
-              <a:tabLst/>
-              <a:defRPr/>
-            </a:pPr>
-            <a:r>
-              <a:rPr kumimoji="0" lang="zh-CN" altLang="en-US" sz="4400" b="0" i="0" u="none" strike="noStrike" kern="1200" cap="none" spc="0" normalizeH="0" baseline="0" noProof="0" dirty="0">
-                <a:ln>
-                  <a:noFill/>
-                </a:ln>
-                <a:solidFill>
-                  <a:prstClr val="white"/>
-                </a:solidFill>
-                <a:effectLst/>
-                <a:uLnTx/>
-                <a:uFillTx/>
-                <a:latin typeface="微软雅黑"/>
-                <a:ea typeface="微软雅黑"/>
-                <a:cs typeface="+mn-cs"/>
-              </a:rPr>
-              <a:t>谢谢观看</a:t>
-            </a:r>
-            <a:endParaRPr kumimoji="0" lang="en-US" altLang="zh-CN" sz="4400" b="0" i="0" u="none" strike="noStrike" kern="1200" cap="none" spc="0" normalizeH="0" baseline="0" noProof="0" dirty="0">
-              <a:ln>
-                <a:noFill/>
-              </a:ln>
-              <a:solidFill>
-                <a:prstClr val="white"/>
-              </a:solidFill>
-              <a:effectLst/>
-              <a:uLnTx/>
-              <a:uFillTx/>
-              <a:latin typeface="微软雅黑"/>
-              <a:ea typeface="微软雅黑"/>
-              <a:cs typeface="+mn-cs"/>
-            </a:endParaRPr>
-          </a:p>
-          <a:p>
-            <a:pPr marL="0" marR="0" lvl="0" indent="0" algn="ctr" defTabSz="914400" rtl="0" eaLnBrk="1" fontAlgn="auto" latinLnBrk="0" hangingPunct="1">
-              <a:lnSpc>
-                <a:spcPct val="100000"/>
-              </a:lnSpc>
-              <a:spcBef>
-                <a:spcPts val="0"/>
-              </a:spcBef>
-              <a:spcAft>
-                <a:spcPts val="0"/>
-              </a:spcAft>
-              <a:buClrTx/>
-              <a:buSzTx/>
-              <a:buFontTx/>
-              <a:buNone/>
-              <a:tabLst/>
-              <a:defRPr/>
-            </a:pPr>
-            <a:r>
-              <a:rPr kumimoji="0" lang="zh-CN" altLang="en-US" sz="4400" b="0" i="0" u="none" strike="noStrike" kern="1200" cap="none" spc="0" normalizeH="0" baseline="0" noProof="0" dirty="0">
-                <a:ln>
-                  <a:noFill/>
-                </a:ln>
-                <a:solidFill>
-                  <a:prstClr val="white"/>
-                </a:solidFill>
-                <a:effectLst/>
-                <a:uLnTx/>
-                <a:uFillTx/>
-                <a:latin typeface="微软雅黑"/>
-                <a:ea typeface="微软雅黑"/>
-                <a:cs typeface="+mn-cs"/>
-              </a:rPr>
-              <a:t>敬请各位老师批评指正</a:t>
-            </a:r>
-          </a:p>
-        </p:txBody>
-      </p:sp>
-      <p:sp>
-        <p:nvSpPr>
-          <p:cNvPr id="16" name="文本框 15"/>
-          <p:cNvSpPr txBox="1"/>
-          <p:nvPr/>
-        </p:nvSpPr>
-        <p:spPr>
-          <a:xfrm>
-            <a:off x="5052591" y="4089237"/>
-            <a:ext cx="2100625" cy="570865"/>
-          </a:xfrm>
-          <a:prstGeom prst="rect">
-            <a:avLst/>
-          </a:prstGeom>
-          <a:noFill/>
-        </p:spPr>
-        <p:txBody>
-          <a:bodyPr wrap="square" rtlCol="0">
-            <a:spAutoFit/>
-          </a:bodyPr>
-          <a:lstStyle/>
-          <a:p>
-            <a:pPr marL="0" marR="0" lvl="0" indent="0" algn="ctr" defTabSz="914400" rtl="0" eaLnBrk="1" fontAlgn="auto" latinLnBrk="0" hangingPunct="1">
-              <a:lnSpc>
-                <a:spcPct val="130000"/>
-              </a:lnSpc>
-              <a:spcBef>
-                <a:spcPts val="0"/>
-              </a:spcBef>
-              <a:spcAft>
-                <a:spcPts val="0"/>
-              </a:spcAft>
-              <a:buClrTx/>
-              <a:buSzTx/>
-              <a:buFontTx/>
-              <a:buNone/>
-              <a:tabLst/>
-              <a:defRPr/>
-            </a:pPr>
-            <a:r>
-              <a:rPr lang="zh-CN" altLang="en-US" sz="1200" spc="100" dirty="0">
-                <a:solidFill>
-                  <a:prstClr val="white"/>
-                </a:solidFill>
-                <a:latin typeface="微软雅黑"/>
-                <a:ea typeface="微软雅黑"/>
-                <a:cs typeface="+mn-ea"/>
-                <a:sym typeface="+mn-lt"/>
-              </a:rPr>
-              <a:t>报告</a:t>
-            </a:r>
-            <a:r>
-              <a:rPr kumimoji="0" lang="zh-CN" altLang="en-US" sz="1200" b="0" i="0" u="none" strike="noStrike" kern="1200" cap="none" spc="100" normalizeH="0" baseline="0" noProof="0" dirty="0">
-                <a:ln>
-                  <a:noFill/>
-                </a:ln>
-                <a:solidFill>
-                  <a:prstClr val="white"/>
-                </a:solidFill>
-                <a:effectLst/>
-                <a:uLnTx/>
-                <a:uFillTx/>
-                <a:latin typeface="微软雅黑"/>
-                <a:ea typeface="微软雅黑"/>
-                <a:cs typeface="+mn-ea"/>
-                <a:sym typeface="+mn-lt"/>
-              </a:rPr>
-              <a:t>人：</a:t>
-            </a:r>
-            <a:r>
-              <a:rPr lang="zh-CN" altLang="en-US" sz="1200" spc="100" dirty="0">
-                <a:solidFill>
-                  <a:prstClr val="white"/>
-                </a:solidFill>
-                <a:latin typeface="微软雅黑"/>
-                <a:ea typeface="微软雅黑"/>
-                <a:cs typeface="+mn-ea"/>
-                <a:sym typeface="+mn-lt"/>
-              </a:rPr>
-              <a:t>蒙思洁</a:t>
-            </a:r>
-            <a:endParaRPr kumimoji="0" lang="en-US" altLang="zh-CN" sz="1200" b="0" i="0" u="none" strike="noStrike" kern="1200" cap="none" spc="100" normalizeH="0" baseline="0" noProof="0" dirty="0">
-              <a:ln>
-                <a:noFill/>
-              </a:ln>
-              <a:solidFill>
-                <a:prstClr val="white"/>
-              </a:solidFill>
-              <a:effectLst/>
-              <a:uLnTx/>
-              <a:uFillTx/>
-              <a:latin typeface="微软雅黑"/>
-              <a:ea typeface="微软雅黑"/>
-              <a:cs typeface="+mn-ea"/>
-              <a:sym typeface="+mn-lt"/>
-            </a:endParaRPr>
-          </a:p>
-          <a:p>
-            <a:pPr marL="0" marR="0" lvl="0" indent="0" algn="ctr" defTabSz="914400" rtl="0" eaLnBrk="1" fontAlgn="auto" latinLnBrk="0" hangingPunct="1">
-              <a:lnSpc>
-                <a:spcPct val="130000"/>
-              </a:lnSpc>
-              <a:spcBef>
-                <a:spcPts val="0"/>
-              </a:spcBef>
-              <a:spcAft>
-                <a:spcPts val="0"/>
-              </a:spcAft>
-              <a:buClrTx/>
-              <a:buSzTx/>
-              <a:buFontTx/>
-              <a:buNone/>
-              <a:tabLst/>
-              <a:defRPr/>
-            </a:pPr>
-            <a:r>
-              <a:rPr kumimoji="0" lang="zh-CN" altLang="en-US" sz="1200" b="0" i="0" u="none" strike="noStrike" kern="1200" cap="none" spc="100" normalizeH="0" baseline="0" noProof="0" dirty="0">
-                <a:ln>
-                  <a:noFill/>
-                </a:ln>
-                <a:solidFill>
-                  <a:prstClr val="white"/>
-                </a:solidFill>
-                <a:effectLst/>
-                <a:uLnTx/>
-                <a:uFillTx/>
-                <a:latin typeface="微软雅黑"/>
-                <a:ea typeface="微软雅黑"/>
-                <a:cs typeface="+mn-ea"/>
-                <a:sym typeface="+mn-lt"/>
-              </a:rPr>
-              <a:t>导　师：陆慧梅</a:t>
-            </a:r>
-          </a:p>
-        </p:txBody>
-      </p:sp>
-    </p:spTree>
   </p:cSld>
   <p:clrMapOvr>
     <a:masterClrMapping/>
@@ -35920,4 +39028,299 @@
     </a:ext>
   </a:extLst>
 </a:theme>
+</file>
+
+<file path=ppt/theme/theme3.xml><?xml version="1.0" encoding="utf-8"?>
+<a:theme xmlns:a="http://schemas.openxmlformats.org/drawingml/2006/main" name="Office 主题​​">
+  <a:themeElements>
+    <a:clrScheme name="Office">
+      <a:dk1>
+        <a:sysClr val="windowText" lastClr="000000"/>
+      </a:dk1>
+      <a:lt1>
+        <a:sysClr val="window" lastClr="FFFFFF"/>
+      </a:lt1>
+      <a:dk2>
+        <a:srgbClr val="44546A"/>
+      </a:dk2>
+      <a:lt2>
+        <a:srgbClr val="E7E6E6"/>
+      </a:lt2>
+      <a:accent1>
+        <a:srgbClr val="4472C4"/>
+      </a:accent1>
+      <a:accent2>
+        <a:srgbClr val="ED7D31"/>
+      </a:accent2>
+      <a:accent3>
+        <a:srgbClr val="A5A5A5"/>
+      </a:accent3>
+      <a:accent4>
+        <a:srgbClr val="FFC000"/>
+      </a:accent4>
+      <a:accent5>
+        <a:srgbClr val="5B9BD5"/>
+      </a:accent5>
+      <a:accent6>
+        <a:srgbClr val="70AD47"/>
+      </a:accent6>
+      <a:hlink>
+        <a:srgbClr val="0563C1"/>
+      </a:hlink>
+      <a:folHlink>
+        <a:srgbClr val="954F72"/>
+      </a:folHlink>
+    </a:clrScheme>
+    <a:fontScheme name="Office">
+      <a:majorFont>
+        <a:latin typeface="等线 Light" panose="020F0302020204030204"/>
+        <a:ea typeface=""/>
+        <a:cs typeface=""/>
+        <a:font script="Jpan" typeface="游ゴシック Light"/>
+        <a:font script="Hang" typeface="맑은 고딕"/>
+        <a:font script="Hans" typeface="等线 Light"/>
+        <a:font script="Hant" typeface="新細明體"/>
+        <a:font script="Arab" typeface="Times New Roman"/>
+        <a:font script="Hebr" typeface="Times New Roman"/>
+        <a:font script="Thai" typeface="Angsana New"/>
+        <a:font script="Ethi" typeface="Nyala"/>
+        <a:font script="Beng" typeface="Vrinda"/>
+        <a:font script="Gujr" typeface="Shruti"/>
+        <a:font script="Khmr" typeface="MoolBoran"/>
+        <a:font script="Knda" typeface="Tunga"/>
+        <a:font script="Guru" typeface="Raavi"/>
+        <a:font script="Cans" typeface="Euphemia"/>
+        <a:font script="Cher" typeface="Plantagenet Cherokee"/>
+        <a:font script="Yiii" typeface="Microsoft Yi Baiti"/>
+        <a:font script="Tibt" typeface="Microsoft Himalaya"/>
+        <a:font script="Thaa" typeface="MV Boli"/>
+        <a:font script="Deva" typeface="Mangal"/>
+        <a:font script="Telu" typeface="Gautami"/>
+        <a:font script="Taml" typeface="Latha"/>
+        <a:font script="Syrc" typeface="Estrangelo Edessa"/>
+        <a:font script="Orya" typeface="Kalinga"/>
+        <a:font script="Mlym" typeface="Kartika"/>
+        <a:font script="Laoo" typeface="DokChampa"/>
+        <a:font script="Sinh" typeface="Iskoola Pota"/>
+        <a:font script="Mong" typeface="Mongolian Baiti"/>
+        <a:font script="Viet" typeface="Times New Roman"/>
+        <a:font script="Uigh" typeface="Microsoft Uighur"/>
+        <a:font script="Geor" typeface="Sylfaen"/>
+        <a:font script="Armn" typeface="Arial"/>
+        <a:font script="Bugi" typeface="Leelawadee UI"/>
+        <a:font script="Bopo" typeface="Microsoft JhengHei"/>
+        <a:font script="Java" typeface="Javanese Text"/>
+        <a:font script="Lisu" typeface="Segoe UI"/>
+        <a:font script="Mymr" typeface="Myanmar Text"/>
+        <a:font script="Nkoo" typeface="Ebrima"/>
+        <a:font script="Olck" typeface="Nirmala UI"/>
+        <a:font script="Osma" typeface="Ebrima"/>
+        <a:font script="Phag" typeface="Phagspa"/>
+        <a:font script="Syrn" typeface="Estrangelo Edessa"/>
+        <a:font script="Syrj" typeface="Estrangelo Edessa"/>
+        <a:font script="Syre" typeface="Estrangelo Edessa"/>
+        <a:font script="Sora" typeface="Nirmala UI"/>
+        <a:font script="Tale" typeface="Microsoft Tai Le"/>
+        <a:font script="Talu" typeface="Microsoft New Tai Lue"/>
+        <a:font script="Tfng" typeface="Ebrima"/>
+      </a:majorFont>
+      <a:minorFont>
+        <a:latin typeface="等线" panose="020F0502020204030204"/>
+        <a:ea typeface=""/>
+        <a:cs typeface=""/>
+        <a:font script="Jpan" typeface="游ゴシック"/>
+        <a:font script="Hang" typeface="맑은 고딕"/>
+        <a:font script="Hans" typeface="等线"/>
+        <a:font script="Hant" typeface="新細明體"/>
+        <a:font script="Arab" typeface="Arial"/>
+        <a:font script="Hebr" typeface="Arial"/>
+        <a:font script="Thai" typeface="Cordia New"/>
+        <a:font script="Ethi" typeface="Nyala"/>
+        <a:font script="Beng" typeface="Vrinda"/>
+        <a:font script="Gujr" typeface="Shruti"/>
+        <a:font script="Khmr" typeface="DaunPenh"/>
+        <a:font script="Knda" typeface="Tunga"/>
+        <a:font script="Guru" typeface="Raavi"/>
+        <a:font script="Cans" typeface="Euphemia"/>
+        <a:font script="Cher" typeface="Plantagenet Cherokee"/>
+        <a:font script="Yiii" typeface="Microsoft Yi Baiti"/>
+        <a:font script="Tibt" typeface="Microsoft Himalaya"/>
+        <a:font script="Thaa" typeface="MV Boli"/>
+        <a:font script="Deva" typeface="Mangal"/>
+        <a:font script="Telu" typeface="Gautami"/>
+        <a:font script="Taml" typeface="Latha"/>
+        <a:font script="Syrc" typeface="Estrangelo Edessa"/>
+        <a:font script="Orya" typeface="Kalinga"/>
+        <a:font script="Mlym" typeface="Kartika"/>
+        <a:font script="Laoo" typeface="DokChampa"/>
+        <a:font script="Sinh" typeface="Iskoola Pota"/>
+        <a:font script="Mong" typeface="Mongolian Baiti"/>
+        <a:font script="Viet" typeface="Arial"/>
+        <a:font script="Uigh" typeface="Microsoft Uighur"/>
+        <a:font script="Geor" typeface="Sylfaen"/>
+        <a:font script="Armn" typeface="Arial"/>
+        <a:font script="Bugi" typeface="Leelawadee UI"/>
+        <a:font script="Bopo" typeface="Microsoft JhengHei"/>
+        <a:font script="Java" typeface="Javanese Text"/>
+        <a:font script="Lisu" typeface="Segoe UI"/>
+        <a:font script="Mymr" typeface="Myanmar Text"/>
+        <a:font script="Nkoo" typeface="Ebrima"/>
+        <a:font script="Olck" typeface="Nirmala UI"/>
+        <a:font script="Osma" typeface="Ebrima"/>
+        <a:font script="Phag" typeface="Phagspa"/>
+        <a:font script="Syrn" typeface="Estrangelo Edessa"/>
+        <a:font script="Syrj" typeface="Estrangelo Edessa"/>
+        <a:font script="Syre" typeface="Estrangelo Edessa"/>
+        <a:font script="Sora" typeface="Nirmala UI"/>
+        <a:font script="Tale" typeface="Microsoft Tai Le"/>
+        <a:font script="Talu" typeface="Microsoft New Tai Lue"/>
+        <a:font script="Tfng" typeface="Ebrima"/>
+      </a:minorFont>
+    </a:fontScheme>
+    <a:fmtScheme name="Office">
+      <a:fillStyleLst>
+        <a:solidFill>
+          <a:schemeClr val="phClr"/>
+        </a:solidFill>
+        <a:gradFill rotWithShape="1">
+          <a:gsLst>
+            <a:gs pos="0">
+              <a:schemeClr val="phClr">
+                <a:lumMod val="110000"/>
+                <a:satMod val="105000"/>
+                <a:tint val="67000"/>
+              </a:schemeClr>
+            </a:gs>
+            <a:gs pos="50000">
+              <a:schemeClr val="phClr">
+                <a:lumMod val="105000"/>
+                <a:satMod val="103000"/>
+                <a:tint val="73000"/>
+              </a:schemeClr>
+            </a:gs>
+            <a:gs pos="100000">
+              <a:schemeClr val="phClr">
+                <a:lumMod val="105000"/>
+                <a:satMod val="109000"/>
+                <a:tint val="81000"/>
+              </a:schemeClr>
+            </a:gs>
+          </a:gsLst>
+          <a:lin ang="5400000" scaled="0"/>
+        </a:gradFill>
+        <a:gradFill rotWithShape="1">
+          <a:gsLst>
+            <a:gs pos="0">
+              <a:schemeClr val="phClr">
+                <a:satMod val="103000"/>
+                <a:lumMod val="102000"/>
+                <a:tint val="94000"/>
+              </a:schemeClr>
+            </a:gs>
+            <a:gs pos="50000">
+              <a:schemeClr val="phClr">
+                <a:satMod val="110000"/>
+                <a:lumMod val="100000"/>
+                <a:shade val="100000"/>
+              </a:schemeClr>
+            </a:gs>
+            <a:gs pos="100000">
+              <a:schemeClr val="phClr">
+                <a:lumMod val="99000"/>
+                <a:satMod val="120000"/>
+                <a:shade val="78000"/>
+              </a:schemeClr>
+            </a:gs>
+          </a:gsLst>
+          <a:lin ang="5400000" scaled="0"/>
+        </a:gradFill>
+      </a:fillStyleLst>
+      <a:lnStyleLst>
+        <a:ln w="6350" cap="flat" cmpd="sng" algn="ctr">
+          <a:solidFill>
+            <a:schemeClr val="phClr"/>
+          </a:solidFill>
+          <a:prstDash val="solid"/>
+          <a:miter lim="800000"/>
+        </a:ln>
+        <a:ln w="12700" cap="flat" cmpd="sng" algn="ctr">
+          <a:solidFill>
+            <a:schemeClr val="phClr"/>
+          </a:solidFill>
+          <a:prstDash val="solid"/>
+          <a:miter lim="800000"/>
+        </a:ln>
+        <a:ln w="19050" cap="flat" cmpd="sng" algn="ctr">
+          <a:solidFill>
+            <a:schemeClr val="phClr"/>
+          </a:solidFill>
+          <a:prstDash val="solid"/>
+          <a:miter lim="800000"/>
+        </a:ln>
+      </a:lnStyleLst>
+      <a:effectStyleLst>
+        <a:effectStyle>
+          <a:effectLst/>
+        </a:effectStyle>
+        <a:effectStyle>
+          <a:effectLst/>
+        </a:effectStyle>
+        <a:effectStyle>
+          <a:effectLst>
+            <a:outerShdw blurRad="57150" dist="19050" dir="5400000" algn="ctr" rotWithShape="0">
+              <a:srgbClr val="000000">
+                <a:alpha val="63000"/>
+              </a:srgbClr>
+            </a:outerShdw>
+          </a:effectLst>
+        </a:effectStyle>
+      </a:effectStyleLst>
+      <a:bgFillStyleLst>
+        <a:solidFill>
+          <a:schemeClr val="phClr"/>
+        </a:solidFill>
+        <a:solidFill>
+          <a:schemeClr val="phClr">
+            <a:tint val="95000"/>
+            <a:satMod val="170000"/>
+          </a:schemeClr>
+        </a:solidFill>
+        <a:gradFill rotWithShape="1">
+          <a:gsLst>
+            <a:gs pos="0">
+              <a:schemeClr val="phClr">
+                <a:tint val="93000"/>
+                <a:satMod val="150000"/>
+                <a:shade val="98000"/>
+                <a:lumMod val="102000"/>
+              </a:schemeClr>
+            </a:gs>
+            <a:gs pos="50000">
+              <a:schemeClr val="phClr">
+                <a:tint val="98000"/>
+                <a:satMod val="130000"/>
+                <a:shade val="90000"/>
+                <a:lumMod val="103000"/>
+              </a:schemeClr>
+            </a:gs>
+            <a:gs pos="100000">
+              <a:schemeClr val="phClr">
+                <a:shade val="63000"/>
+                <a:satMod val="120000"/>
+              </a:schemeClr>
+            </a:gs>
+          </a:gsLst>
+          <a:lin ang="5400000" scaled="0"/>
+        </a:gradFill>
+      </a:bgFillStyleLst>
+    </a:fmtScheme>
+  </a:themeElements>
+  <a:objectDefaults/>
+  <a:extraClrSchemeLst/>
+  <a:extLst>
+    <a:ext uri="{05A4C25C-085E-4340-85A3-A5531E510DB2}">
+      <thm15:themeFamily xmlns:thm15="http://schemas.microsoft.com/office/thememl/2012/main" name="Office Theme" id="{62F939B6-93AF-4DB8-9C6B-D6C7DFDC589F}" vid="{4A3C46E8-61CC-4603-A589-7422A47A8E4A}"/>
+    </a:ext>
+  </a:extLst>
+</a:theme>
 </file>
--- a/doc/中期/中期_msj.pptx
+++ b/doc/中期/中期_msj.pptx
@@ -129,7 +129,7 @@
 
 <file path=ppt/commentAuthors.xml><?xml version="1.0" encoding="utf-8"?>
 <p:cmAuthorLst xmlns:a="http://schemas.openxmlformats.org/drawingml/2006/main" xmlns:r="http://schemas.openxmlformats.org/officeDocument/2006/relationships" xmlns:p="http://schemas.openxmlformats.org/presentationml/2006/main">
-  <p:cmAuthor id="1" name="meng enkidu" initials="me" lastIdx="14" clrIdx="0">
+  <p:cmAuthor id="1" name="meng enkidu" initials="me" lastIdx="20" clrIdx="0">
     <p:extLst>
       <p:ext uri="{19B8F6BF-5375-455C-9EA6-DF929625EA0E}">
         <p15:presenceInfo xmlns:p15="http://schemas.microsoft.com/office/powerpoint/2012/main" userId="9a7fc3d586c394e4" providerId="Windows Live"/>
@@ -233,7 +233,7 @@
           <a:p>
             <a:fld id="{88A6F14E-B0BF-43F9-8D32-67B08E5E48BE}" type="datetimeFigureOut">
               <a:rPr lang="zh-CN" altLang="en-US" smtClean="0"/>
-              <a:t>2023/4/6</a:t>
+              <a:t>2023/4/10</a:t>
             </a:fld>
             <a:endParaRPr lang="zh-CN" altLang="en-US"/>
           </a:p>
@@ -411,7 +411,7 @@
           <a:p>
             <a:fld id="{66EF0C78-19D9-46FD-B99C-6242BF7357E3}" type="datetimeFigureOut">
               <a:rPr lang="zh-CN" altLang="en-US" smtClean="0"/>
-              <a:t>2023/4/6</a:t>
+              <a:t>2023/4/10</a:t>
             </a:fld>
             <a:endParaRPr lang="zh-CN" altLang="en-US"/>
           </a:p>
@@ -30381,7 +30381,7 @@
                 <a:ea typeface="微软雅黑" panose="020B0503020204020204" charset="-122"/>
                 <a:cs typeface="+mn-cs"/>
               </a:rPr>
-              <a:t>2023/4/6</a:t>
+              <a:t>2023/4/10</a:t>
             </a:fld>
             <a:endParaRPr kumimoji="0" lang="zh-CN" altLang="en-US" sz="1200" b="0" i="0" u="none" strike="noStrike" kern="1200" cap="none" spc="0" normalizeH="0" baseline="0" noProof="0">
               <a:ln>
@@ -31111,7 +31111,7 @@
             </a:r>
             <a:fld id="{D59A35C6-7D58-4C95-A60A-B688BEF8C3D6}" type="datetime1">
               <a:rPr lang="zh-CN" altLang="en-US" smtClean="0"/>
-              <a:t>2023/4/6</a:t>
+              <a:t>2023/4/10</a:t>
             </a:fld>
             <a:endParaRPr lang="zh-CN" altLang="en-US" dirty="0"/>
           </a:p>
@@ -33424,6 +33424,10 @@
               <a:buAutoNum type="arabicPeriod"/>
             </a:pPr>
             <a:r>
+              <a:rPr lang="zh-CN" altLang="en-US" sz="1800" dirty="0"/>
+              <a:t>（如果时间充裕）</a:t>
+            </a:r>
+            <a:r>
               <a:rPr lang="zh-CN" altLang="en-US" sz="1800" u="sng" dirty="0"/>
               <a:t>完善</a:t>
             </a:r>
@@ -33745,10 +33749,10 @@
         </p:nvGrpSpPr>
         <p:grpSpPr>
           <a:xfrm>
-            <a:off x="866248" y="701312"/>
-            <a:ext cx="10459504" cy="4723857"/>
-            <a:chOff x="561422" y="740543"/>
-            <a:chExt cx="10459504" cy="4723857"/>
+            <a:off x="467911" y="823460"/>
+            <a:ext cx="11256178" cy="4723857"/>
+            <a:chOff x="561421" y="740543"/>
+            <a:chExt cx="10459505" cy="4723857"/>
           </a:xfrm>
         </p:grpSpPr>
         <p:sp>
@@ -33765,8 +33769,8 @@
           </p:nvSpPr>
           <p:spPr>
             <a:xfrm>
-              <a:off x="561422" y="740543"/>
-              <a:ext cx="3556494" cy="4723857"/>
+              <a:off x="561421" y="740543"/>
+              <a:ext cx="5723395" cy="4723857"/>
             </a:xfrm>
             <a:prstGeom prst="rect">
               <a:avLst/>
@@ -33975,6 +33979,36 @@
                 <a:defRPr/>
               </a:pPr>
               <a:r>
+                <a:rPr lang="en-US" altLang="zh-CN" sz="2000" dirty="0">
+                  <a:solidFill>
+                    <a:prstClr val="black"/>
+                  </a:solidFill>
+                  <a:latin typeface="微软雅黑"/>
+                  <a:ea typeface="微软雅黑"/>
+                </a:rPr>
+                <a:t>(</a:t>
+              </a:r>
+              <a:r>
+                <a:rPr lang="zh-CN" altLang="en-US" sz="2000" dirty="0">
+                  <a:solidFill>
+                    <a:prstClr val="black"/>
+                  </a:solidFill>
+                  <a:latin typeface="微软雅黑"/>
+                  <a:ea typeface="微软雅黑"/>
+                </a:rPr>
+                <a:t>如果时间充裕</a:t>
+              </a:r>
+              <a:r>
+                <a:rPr lang="en-US" altLang="zh-CN" sz="2000" dirty="0">
+                  <a:solidFill>
+                    <a:prstClr val="black"/>
+                  </a:solidFill>
+                  <a:latin typeface="微软雅黑"/>
+                  <a:ea typeface="微软雅黑"/>
+                </a:rPr>
+                <a:t>) </a:t>
+              </a:r>
+              <a:r>
                 <a:rPr kumimoji="0" lang="zh-CN" altLang="en-US" sz="2000" b="1" i="0" u="sng" strike="noStrike" kern="1200" cap="none" spc="0" normalizeH="0" baseline="0" noProof="0" dirty="0">
                   <a:ln>
                     <a:noFill/>
@@ -34008,19 +34042,12 @@
                 </a:rPr>
                 <a:t>信誉值计算模块</a:t>
               </a:r>
-              <a:endParaRPr kumimoji="0" lang="en-US" altLang="zh-CN" sz="2000" b="0" i="0" u="none" strike="noStrike" kern="1200" cap="none" spc="0" normalizeH="0" baseline="0" noProof="0" dirty="0">
-                <a:ln>
-                  <a:noFill/>
-                </a:ln>
+              <a:endParaRPr lang="en-US" altLang="zh-CN" sz="2000" dirty="0">
                 <a:solidFill>
                   <a:prstClr val="black"/>
                 </a:solidFill>
-                <a:effectLst/>
-                <a:uLnTx/>
-                <a:uFillTx/>
                 <a:latin typeface="微软雅黑"/>
                 <a:ea typeface="微软雅黑"/>
-                <a:cs typeface="+mn-cs"/>
               </a:endParaRPr>
             </a:p>
           </p:txBody>
@@ -34195,7 +34222,7 @@
                   <a:latin typeface="微软雅黑"/>
                   <a:ea typeface="微软雅黑"/>
                 </a:rPr>
-                <a:t>正在完成</a:t>
+                <a:t>正在进行</a:t>
               </a:r>
               <a:endParaRPr kumimoji="0" lang="zh-CN" altLang="en-US" sz="2000" b="1" i="0" strike="noStrike" kern="1200" cap="none" spc="0" normalizeH="0" baseline="0" noProof="0" dirty="0">
                 <a:ln>
@@ -34262,8 +34289,8 @@
           </p:nvSpPr>
           <p:spPr>
             <a:xfrm>
-              <a:off x="4500584" y="2332603"/>
-              <a:ext cx="2310063" cy="336884"/>
+              <a:off x="5791174" y="2312724"/>
+              <a:ext cx="1080000" cy="336884"/>
             </a:xfrm>
             <a:prstGeom prst="rightArrow">
               <a:avLst>
@@ -34314,8 +34341,8 @@
           </p:nvSpPr>
           <p:spPr>
             <a:xfrm>
-              <a:off x="4500585" y="3228948"/>
-              <a:ext cx="2310063" cy="336884"/>
+              <a:off x="5791175" y="3209069"/>
+              <a:ext cx="1080000" cy="336884"/>
             </a:xfrm>
             <a:prstGeom prst="rightArrow">
               <a:avLst>
@@ -34366,8 +34393,8 @@
           </p:nvSpPr>
           <p:spPr>
             <a:xfrm>
-              <a:off x="4500585" y="4125293"/>
-              <a:ext cx="2310063" cy="336884"/>
+              <a:off x="5791175" y="4105414"/>
+              <a:ext cx="1080000" cy="336884"/>
             </a:xfrm>
             <a:prstGeom prst="rightArrow">
               <a:avLst>
@@ -34418,8 +34445,8 @@
           </p:nvSpPr>
           <p:spPr>
             <a:xfrm>
-              <a:off x="4500584" y="5021639"/>
-              <a:ext cx="2310063" cy="336884"/>
+              <a:off x="5791174" y="5001760"/>
+              <a:ext cx="1080000" cy="336884"/>
             </a:xfrm>
             <a:prstGeom prst="rightArrow">
               <a:avLst>
@@ -36540,8 +36567,8 @@
         </p:nvSpPr>
         <p:spPr>
           <a:xfrm>
-            <a:off x="502990" y="1456845"/>
-            <a:ext cx="11186020" cy="3944311"/>
+            <a:off x="502990" y="1285014"/>
+            <a:ext cx="11186020" cy="4466877"/>
           </a:xfrm>
           <a:prstGeom prst="rect">
             <a:avLst/>
@@ -36855,9 +36882,21 @@
             </a:pPr>
             <a:r>
               <a:rPr lang="zh-CN" altLang="en-US" sz="2000" dirty="0"/>
-              <a:t>需要加快进度，提早开始调研，细化此部分的实施思路</a:t>
+              <a:t>在评估了我的开发速度后，对我的毕设规划进行了调整</a:t>
             </a:r>
             <a:endParaRPr lang="en-US" altLang="zh-CN" sz="2000" dirty="0"/>
+          </a:p>
+          <a:p>
+            <a:pPr lvl="2">
+              <a:lnSpc>
+                <a:spcPct val="120000"/>
+              </a:lnSpc>
+            </a:pPr>
+            <a:r>
+              <a:rPr lang="zh-CN" altLang="en-US" sz="1600" dirty="0"/>
+              <a:t>新规划：以路径规划算法的优化为主要实现目标，如果有余下的空闲时间，可以对当前的信誉值模型进行改进</a:t>
+            </a:r>
+            <a:endParaRPr lang="en-US" altLang="zh-CN" sz="1600" dirty="0"/>
           </a:p>
         </p:txBody>
       </p:sp>
@@ -37134,14 +37173,14 @@
           <p:nvPr>
             <p:extLst>
               <p:ext uri="{D42A27DB-BD31-4B8C-83A1-F6EECF244321}">
-                <p14:modId xmlns:p14="http://schemas.microsoft.com/office/powerpoint/2010/main" val="1764328202"/>
+                <p14:modId xmlns:p14="http://schemas.microsoft.com/office/powerpoint/2010/main" val="4106941821"/>
               </p:ext>
             </p:extLst>
           </p:nvPr>
         </p:nvGraphicFramePr>
         <p:xfrm>
-          <a:off x="417801" y="1436499"/>
-          <a:ext cx="11356399" cy="3985002"/>
+          <a:off x="521849" y="1756539"/>
+          <a:ext cx="11148302" cy="3344922"/>
         </p:xfrm>
         <a:graphic>
           <a:graphicData uri="http://schemas.openxmlformats.org/drawingml/2006/table">
@@ -37150,21 +37189,21 @@
                 <a:tableStyleId>{3B4B98B0-60AC-42C2-AFA5-B58CD77FA1E5}</a:tableStyleId>
               </a:tblPr>
               <a:tblGrid>
-                <a:gridCol w="2421652">
+                <a:gridCol w="2213023">
                   <a:extLst>
                     <a:ext uri="{9D8B030D-6E8A-4147-A177-3AD203B41FA5}">
                       <a16:colId xmlns:a16="http://schemas.microsoft.com/office/drawing/2014/main" val="72731705"/>
                     </a:ext>
                   </a:extLst>
                 </a:gridCol>
-                <a:gridCol w="4125756">
+                <a:gridCol w="4671391">
                   <a:extLst>
                     <a:ext uri="{9D8B030D-6E8A-4147-A177-3AD203B41FA5}">
                       <a16:colId xmlns:a16="http://schemas.microsoft.com/office/drawing/2014/main" val="442817575"/>
                     </a:ext>
                   </a:extLst>
                 </a:gridCol>
-                <a:gridCol w="4808991">
+                <a:gridCol w="4263888">
                   <a:extLst>
                     <a:ext uri="{9D8B030D-6E8A-4147-A177-3AD203B41FA5}">
                       <a16:colId xmlns:a16="http://schemas.microsoft.com/office/drawing/2014/main" val="911958740"/>
@@ -37305,7 +37344,7 @@
                           </a:solidFill>
                           <a:effectLst/>
                         </a:rPr>
-                        <a:t>15</a:t>
+                        <a:t>20</a:t>
                       </a:r>
                       <a:r>
                         <a:rPr lang="zh-CN" altLang="en-US" sz="1800" kern="1200" dirty="0">
@@ -37386,18 +37425,6 @@
                         <a:defRPr/>
                       </a:pPr>
                       <a:r>
-                        <a:rPr lang="zh-CN" altLang="en-US" sz="1800" kern="1200" dirty="0">
-                          <a:solidFill>
-                            <a:schemeClr val="dk1"/>
-                          </a:solidFill>
-                          <a:effectLst/>
-                          <a:latin typeface="+mn-lt"/>
-                          <a:ea typeface="+mn-ea"/>
-                          <a:cs typeface="+mn-cs"/>
-                        </a:rPr>
-                        <a:t>（</a:t>
-                      </a:r>
-                      <a:r>
                         <a:rPr lang="en-US" altLang="zh-CN" sz="1800" kern="1200" dirty="0">
                           <a:solidFill>
                             <a:schemeClr val="dk1"/>
@@ -37407,7 +37434,7 @@
                           <a:ea typeface="+mn-ea"/>
                           <a:cs typeface="+mn-cs"/>
                         </a:rPr>
-                        <a:t>1</a:t>
+                        <a:t>(1)</a:t>
                       </a:r>
                       <a:r>
                         <a:rPr lang="zh-CN" altLang="en-US" sz="1800" kern="1200" dirty="0">
@@ -37419,7 +37446,7 @@
                           <a:ea typeface="+mn-ea"/>
                           <a:cs typeface="+mn-cs"/>
                         </a:rPr>
-                        <a:t>）撰写算法代码。</a:t>
+                        <a:t> 实现“实时路况迭代”部分。</a:t>
                       </a:r>
                       <a:endParaRPr lang="en-US" altLang="zh-CN" sz="1800" kern="1200" dirty="0">
                         <a:solidFill>
@@ -37450,18 +37477,6 @@
                         <a:defRPr/>
                       </a:pPr>
                       <a:r>
-                        <a:rPr lang="zh-CN" altLang="en-US" sz="1800" kern="1200" dirty="0">
-                          <a:solidFill>
-                            <a:schemeClr val="dk1"/>
-                          </a:solidFill>
-                          <a:effectLst/>
-                          <a:latin typeface="+mn-lt"/>
-                          <a:ea typeface="+mn-ea"/>
-                          <a:cs typeface="+mn-cs"/>
-                        </a:rPr>
-                        <a:t>（</a:t>
-                      </a:r>
-                      <a:r>
                         <a:rPr lang="en-US" altLang="zh-CN" sz="1800" kern="1200" dirty="0">
                           <a:solidFill>
                             <a:schemeClr val="dk1"/>
@@ -37471,7 +37486,7 @@
                           <a:ea typeface="+mn-ea"/>
                           <a:cs typeface="+mn-cs"/>
                         </a:rPr>
-                        <a:t>2</a:t>
+                        <a:t>(2)</a:t>
                       </a:r>
                       <a:r>
                         <a:rPr lang="zh-CN" altLang="en-US" sz="1800" kern="1200" dirty="0">
@@ -37483,7 +37498,7 @@
                           <a:ea typeface="+mn-ea"/>
                           <a:cs typeface="+mn-cs"/>
                         </a:rPr>
-                        <a:t>）实现测试。</a:t>
+                        <a:t> 实现“路径规划”部分。</a:t>
                       </a:r>
                     </a:p>
                   </a:txBody>
@@ -37497,15 +37512,7 @@
                       <a:pPr algn="l"/>
                       <a:r>
                         <a:rPr lang="zh-CN" altLang="en-US" sz="1600" dirty="0"/>
-                        <a:t>（</a:t>
-                      </a:r>
-                      <a:r>
-                        <a:rPr lang="en-US" altLang="zh-CN" sz="1600" dirty="0"/>
-                        <a:t>1</a:t>
-                      </a:r>
-                      <a:r>
-                        <a:rPr lang="zh-CN" altLang="en-US" sz="1600" dirty="0"/>
-                        <a:t>）将完成的代码及对应手册上传至</a:t>
+                        <a:t>将完成的代码及对应手册上传至</a:t>
                       </a:r>
                       <a:r>
                         <a:rPr lang="en-US" altLang="zh-CN" sz="1600" dirty="0"/>
@@ -37516,21 +37523,6 @@
                         <a:t>仓库。</a:t>
                       </a:r>
                       <a:endParaRPr lang="en-US" altLang="zh-CN" sz="1600" dirty="0"/>
-                    </a:p>
-                    <a:p>
-                      <a:pPr algn="l"/>
-                      <a:r>
-                        <a:rPr lang="zh-CN" altLang="en-US" sz="1600" dirty="0"/>
-                        <a:t>（</a:t>
-                      </a:r>
-                      <a:r>
-                        <a:rPr lang="en-US" altLang="zh-CN" sz="1600" dirty="0"/>
-                        <a:t>2</a:t>
-                      </a:r>
-                      <a:r>
-                        <a:rPr lang="zh-CN" altLang="en-US" sz="1600" dirty="0"/>
-                        <a:t>）形成测试数据，处理分析。</a:t>
-                      </a:r>
                     </a:p>
                   </a:txBody>
                   <a:tcPr/>
@@ -37589,237 +37581,7 @@
                           </a:solidFill>
                           <a:effectLst/>
                         </a:rPr>
-                        <a:t>16</a:t>
-                      </a:r>
-                      <a:r>
-                        <a:rPr lang="zh-CN" altLang="en-US" sz="1800" kern="1200" dirty="0">
-                          <a:solidFill>
-                            <a:schemeClr val="dk1"/>
-                          </a:solidFill>
-                          <a:effectLst/>
-                        </a:rPr>
-                        <a:t>日 </a:t>
-                      </a:r>
-                      <a:r>
-                        <a:rPr lang="en-US" altLang="zh-CN" sz="1800" kern="1200" dirty="0">
-                          <a:solidFill>
-                            <a:schemeClr val="dk1"/>
-                          </a:solidFill>
-                          <a:effectLst/>
-                        </a:rPr>
-                        <a:t>– 4</a:t>
-                      </a:r>
-                      <a:r>
-                        <a:rPr lang="zh-CN" altLang="en-US" sz="1800" kern="1200" dirty="0">
-                          <a:solidFill>
-                            <a:schemeClr val="dk1"/>
-                          </a:solidFill>
-                          <a:effectLst/>
-                        </a:rPr>
-                        <a:t>月</a:t>
-                      </a:r>
-                      <a:r>
-                        <a:rPr lang="en-US" altLang="zh-CN" sz="1800" kern="1200" dirty="0">
-                          <a:solidFill>
-                            <a:schemeClr val="dk1"/>
-                          </a:solidFill>
-                          <a:effectLst/>
-                        </a:rPr>
                         <a:t>20</a:t>
-                      </a:r>
-                      <a:r>
-                        <a:rPr lang="zh-CN" altLang="en-US" sz="1800" kern="1200" dirty="0">
-                          <a:solidFill>
-                            <a:schemeClr val="dk1"/>
-                          </a:solidFill>
-                          <a:effectLst/>
-                        </a:rPr>
-                        <a:t>日</a:t>
-                      </a:r>
-                      <a:endParaRPr lang="zh-CN" altLang="en-US" sz="1800" kern="1200" dirty="0">
-                        <a:solidFill>
-                          <a:schemeClr val="dk1"/>
-                        </a:solidFill>
-                        <a:effectLst/>
-                        <a:latin typeface="+mn-lt"/>
-                        <a:ea typeface="+mn-ea"/>
-                        <a:cs typeface="+mn-cs"/>
-                      </a:endParaRPr>
-                    </a:p>
-                  </a:txBody>
-                  <a:tcPr/>
-                </a:tc>
-                <a:tc>
-                  <a:txBody>
-                    <a:bodyPr/>
-                    <a:lstStyle/>
-                    <a:p>
-                      <a:pPr marL="0" marR="0" lvl="0" indent="0" algn="l" defTabSz="914400" rtl="0" eaLnBrk="1" fontAlgn="auto" latinLnBrk="0" hangingPunct="1">
-                        <a:lnSpc>
-                          <a:spcPct val="100000"/>
-                        </a:lnSpc>
-                        <a:spcBef>
-                          <a:spcPts val="0"/>
-                        </a:spcBef>
-                        <a:spcAft>
-                          <a:spcPts val="0"/>
-                        </a:spcAft>
-                        <a:buClrTx/>
-                        <a:buSzTx/>
-                        <a:buFontTx/>
-                        <a:buNone/>
-                        <a:tabLst/>
-                        <a:defRPr/>
-                      </a:pPr>
-                      <a:r>
-                        <a:rPr lang="zh-CN" altLang="en-US" sz="1800" kern="1200" dirty="0">
-                          <a:solidFill>
-                            <a:schemeClr val="dk1"/>
-                          </a:solidFill>
-                          <a:effectLst/>
-                          <a:latin typeface="+mn-lt"/>
-                          <a:ea typeface="+mn-ea"/>
-                          <a:cs typeface="+mn-cs"/>
-                        </a:rPr>
-                        <a:t>阅读“信誉值”相关论文和前人工作，</a:t>
-                      </a:r>
-                      <a:endParaRPr lang="en-US" altLang="zh-CN" sz="1800" kern="1200" dirty="0">
-                        <a:solidFill>
-                          <a:schemeClr val="dk1"/>
-                        </a:solidFill>
-                        <a:effectLst/>
-                        <a:latin typeface="+mn-lt"/>
-                        <a:ea typeface="+mn-ea"/>
-                        <a:cs typeface="+mn-cs"/>
-                      </a:endParaRPr>
-                    </a:p>
-                    <a:p>
-                      <a:pPr marL="0" marR="0" lvl="0" indent="0" algn="l" defTabSz="914400" rtl="0" eaLnBrk="1" fontAlgn="auto" latinLnBrk="0" hangingPunct="1">
-                        <a:lnSpc>
-                          <a:spcPct val="100000"/>
-                        </a:lnSpc>
-                        <a:spcBef>
-                          <a:spcPts val="0"/>
-                        </a:spcBef>
-                        <a:spcAft>
-                          <a:spcPts val="0"/>
-                        </a:spcAft>
-                        <a:buClrTx/>
-                        <a:buSzTx/>
-                        <a:buFontTx/>
-                        <a:buNone/>
-                        <a:tabLst/>
-                        <a:defRPr/>
-                      </a:pPr>
-                      <a:r>
-                        <a:rPr lang="zh-CN" altLang="en-US" sz="1800" kern="1200" dirty="0">
-                          <a:solidFill>
-                            <a:schemeClr val="dk1"/>
-                          </a:solidFill>
-                          <a:effectLst/>
-                          <a:latin typeface="+mn-lt"/>
-                          <a:ea typeface="+mn-ea"/>
-                          <a:cs typeface="+mn-cs"/>
-                        </a:rPr>
-                        <a:t>完成“优化信誉值”部分的思路细化。</a:t>
-                      </a:r>
-                    </a:p>
-                  </a:txBody>
-                  <a:tcPr/>
-                </a:tc>
-                <a:tc>
-                  <a:txBody>
-                    <a:bodyPr/>
-                    <a:lstStyle/>
-                    <a:p>
-                      <a:pPr algn="l"/>
-                      <a:r>
-                        <a:rPr lang="zh-CN" altLang="en-US" sz="1600" dirty="0"/>
-                        <a:t>（</a:t>
-                      </a:r>
-                      <a:r>
-                        <a:rPr lang="en-US" altLang="zh-CN" sz="1600" dirty="0"/>
-                        <a:t>1</a:t>
-                      </a:r>
-                      <a:r>
-                        <a:rPr lang="zh-CN" altLang="en-US" sz="1600" dirty="0"/>
-                        <a:t>）形成思路细化文档，与老师进行交流。</a:t>
-                      </a:r>
-                      <a:endParaRPr lang="en-US" altLang="zh-CN" sz="1600" dirty="0"/>
-                    </a:p>
-                    <a:p>
-                      <a:pPr algn="l"/>
-                      <a:r>
-                        <a:rPr lang="zh-CN" altLang="en-US" sz="1600" dirty="0"/>
-                        <a:t>（</a:t>
-                      </a:r>
-                      <a:r>
-                        <a:rPr lang="en-US" altLang="zh-CN" sz="1600" dirty="0"/>
-                        <a:t>2</a:t>
-                      </a:r>
-                      <a:r>
-                        <a:rPr lang="zh-CN" altLang="en-US" sz="1600" dirty="0"/>
-                        <a:t>）分析本环节要做的工作，给出对应的实施方法。</a:t>
-                      </a:r>
-                    </a:p>
-                  </a:txBody>
-                  <a:tcPr/>
-                </a:tc>
-                <a:extLst>
-                  <a:ext uri="{0D108BD9-81ED-4DB2-BD59-A6C34878D82A}">
-                    <a16:rowId xmlns:a16="http://schemas.microsoft.com/office/drawing/2014/main" val="3773198848"/>
-                  </a:ext>
-                </a:extLst>
-              </a:tr>
-              <a:tr h="560500">
-                <a:tc>
-                  <a:txBody>
-                    <a:bodyPr/>
-                    <a:lstStyle/>
-                    <a:p>
-                      <a:pPr marL="0" marR="0" lvl="0" indent="0" algn="ctr" defTabSz="914400" rtl="0" eaLnBrk="1" fontAlgn="auto" latinLnBrk="0" hangingPunct="1">
-                        <a:lnSpc>
-                          <a:spcPct val="100000"/>
-                        </a:lnSpc>
-                        <a:spcBef>
-                          <a:spcPts val="0"/>
-                        </a:spcBef>
-                        <a:spcAft>
-                          <a:spcPts val="0"/>
-                        </a:spcAft>
-                        <a:buClrTx/>
-                        <a:buSzTx/>
-                        <a:buFontTx/>
-                        <a:buNone/>
-                        <a:tabLst/>
-                        <a:defRPr/>
-                      </a:pPr>
-                      <a:r>
-                        <a:rPr lang="en-US" altLang="zh-CN" sz="1800" kern="1200" dirty="0">
-                          <a:solidFill>
-                            <a:schemeClr val="dk1"/>
-                          </a:solidFill>
-                          <a:effectLst/>
-                        </a:rPr>
-                        <a:t>4</a:t>
-                      </a:r>
-                      <a:r>
-                        <a:rPr lang="zh-CN" altLang="en-US" sz="1800" kern="1200" dirty="0">
-                          <a:solidFill>
-                            <a:schemeClr val="dk1"/>
-                          </a:solidFill>
-                          <a:effectLst/>
-                        </a:rPr>
-                        <a:t>月</a:t>
-                      </a:r>
-                      <a:r>
-                        <a:rPr lang="en-US" altLang="zh-CN" sz="1800" kern="1200" dirty="0">
-                          <a:solidFill>
-                            <a:schemeClr val="dk1"/>
-                          </a:solidFill>
-                          <a:effectLst/>
-                        </a:rPr>
-                        <a:t>21</a:t>
                       </a:r>
                       <a:r>
                         <a:rPr lang="zh-CN" altLang="en-US" sz="1800" kern="1200" dirty="0">
@@ -37911,7 +37673,7 @@
                           <a:ea typeface="+mn-ea"/>
                           <a:cs typeface="+mn-cs"/>
                         </a:rPr>
-                        <a:t>完成“优化信誉值”部分的开发：</a:t>
+                        <a:t>完善测试：</a:t>
                       </a:r>
                       <a:endParaRPr lang="en-US" altLang="zh-CN" sz="1800" kern="1200" dirty="0">
                         <a:solidFill>
@@ -37942,18 +37704,6 @@
                         <a:defRPr/>
                       </a:pPr>
                       <a:r>
-                        <a:rPr lang="zh-CN" altLang="en-US" sz="1800" kern="1200" dirty="0">
-                          <a:solidFill>
-                            <a:schemeClr val="dk1"/>
-                          </a:solidFill>
-                          <a:effectLst/>
-                          <a:latin typeface="+mn-lt"/>
-                          <a:ea typeface="+mn-ea"/>
-                          <a:cs typeface="+mn-cs"/>
-                        </a:rPr>
-                        <a:t>（</a:t>
-                      </a:r>
-                      <a:r>
                         <a:rPr lang="en-US" altLang="zh-CN" sz="1800" kern="1200" dirty="0">
                           <a:solidFill>
                             <a:schemeClr val="dk1"/>
@@ -37963,23 +37713,47 @@
                           <a:ea typeface="+mn-ea"/>
                           <a:cs typeface="+mn-cs"/>
                         </a:rPr>
-                        <a:t>1</a:t>
+                        <a:t>(1) </a:t>
                       </a:r>
                       <a:r>
                         <a:rPr lang="zh-CN" altLang="en-US" sz="1800" kern="1200" dirty="0">
                           <a:solidFill>
-                            <a:schemeClr val="dk1"/>
+                            <a:schemeClr val="tx1"/>
                           </a:solidFill>
                           <a:effectLst/>
                           <a:latin typeface="+mn-lt"/>
                           <a:ea typeface="+mn-ea"/>
                           <a:cs typeface="+mn-cs"/>
                         </a:rPr>
-                        <a:t>）撰写算法代码。</a:t>
+                        <a:t>测试</a:t>
+                      </a:r>
+                      <a:r>
+                        <a:rPr lang="zh-CN" altLang="zh-CN" sz="1800" kern="1200" dirty="0">
+                          <a:solidFill>
+                            <a:schemeClr val="tx1"/>
+                          </a:solidFill>
+                          <a:effectLst/>
+                          <a:latin typeface="+mn-lt"/>
+                          <a:ea typeface="+mn-ea"/>
+                          <a:cs typeface="+mn-cs"/>
+                        </a:rPr>
+                        <a:t>算法的正确性</a:t>
+                      </a:r>
+                      <a:r>
+                        <a:rPr lang="zh-CN" altLang="en-US" sz="1800" kern="1200" dirty="0">
+                          <a:solidFill>
+                            <a:schemeClr val="tx1"/>
+                          </a:solidFill>
+                          <a:effectLst/>
+                          <a:latin typeface="+mn-lt"/>
+                          <a:ea typeface="+mn-ea"/>
+                          <a:cs typeface="+mn-cs"/>
+                        </a:rPr>
+                        <a:t>。</a:t>
                       </a:r>
                       <a:endParaRPr lang="en-US" altLang="zh-CN" sz="1800" kern="1200" dirty="0">
                         <a:solidFill>
-                          <a:schemeClr val="dk1"/>
+                          <a:schemeClr val="tx1"/>
                         </a:solidFill>
                         <a:effectLst/>
                         <a:latin typeface="+mn-lt"/>
@@ -38006,41 +37780,62 @@
                         <a:defRPr/>
                       </a:pPr>
                       <a:r>
-                        <a:rPr lang="zh-CN" altLang="en-US" sz="1800" kern="1200" dirty="0">
+                        <a:rPr lang="en-US" altLang="zh-CN" sz="1800" kern="1200" dirty="0">
                           <a:solidFill>
-                            <a:schemeClr val="dk1"/>
+                            <a:schemeClr val="tx1"/>
                           </a:solidFill>
                           <a:effectLst/>
                           <a:latin typeface="+mn-lt"/>
                           <a:ea typeface="+mn-ea"/>
                           <a:cs typeface="+mn-cs"/>
                         </a:rPr>
-                        <a:t>（</a:t>
+                        <a:t>(2) </a:t>
                       </a:r>
                       <a:r>
-                        <a:rPr lang="en-US" altLang="zh-CN" sz="1800" kern="1200" dirty="0">
+                        <a:rPr lang="zh-CN" altLang="en-US" sz="1800" kern="1200" dirty="0">
                           <a:solidFill>
-                            <a:schemeClr val="dk1"/>
+                            <a:schemeClr val="tx1"/>
                           </a:solidFill>
                           <a:effectLst/>
                           <a:latin typeface="+mn-lt"/>
                           <a:ea typeface="+mn-ea"/>
                           <a:cs typeface="+mn-cs"/>
                         </a:rPr>
-                        <a:t>2</a:t>
+                        <a:t>测试</a:t>
                       </a:r>
                       <a:r>
-                        <a:rPr lang="zh-CN" altLang="en-US" sz="1800" kern="1200" dirty="0">
+                        <a:rPr lang="zh-CN" altLang="zh-CN" sz="1800" kern="1200" dirty="0">
                           <a:solidFill>
-                            <a:schemeClr val="dk1"/>
+                            <a:schemeClr val="tx1"/>
                           </a:solidFill>
                           <a:effectLst/>
                           <a:latin typeface="+mn-lt"/>
                           <a:ea typeface="+mn-ea"/>
                           <a:cs typeface="+mn-cs"/>
                         </a:rPr>
-                        <a:t>）实现测试。</a:t>
+                        <a:t>算法在不同底层区块链上的应用效果</a:t>
                       </a:r>
+                      <a:r>
+                        <a:rPr lang="zh-CN" altLang="en-US" sz="1800" kern="1200" dirty="0">
+                          <a:solidFill>
+                            <a:schemeClr val="tx1"/>
+                          </a:solidFill>
+                          <a:effectLst/>
+                          <a:latin typeface="+mn-lt"/>
+                          <a:ea typeface="+mn-ea"/>
+                          <a:cs typeface="+mn-cs"/>
+                        </a:rPr>
+                        <a:t>。</a:t>
+                      </a:r>
+                      <a:endParaRPr lang="en-US" altLang="zh-CN" sz="1800" kern="1200" dirty="0">
+                        <a:solidFill>
+                          <a:schemeClr val="dk1"/>
+                        </a:solidFill>
+                        <a:effectLst/>
+                        <a:latin typeface="+mn-lt"/>
+                        <a:ea typeface="+mn-ea"/>
+                        <a:cs typeface="+mn-cs"/>
+                      </a:endParaRPr>
                     </a:p>
                   </a:txBody>
                   <a:tcPr/>
@@ -38053,47 +37848,16 @@
                       <a:pPr algn="l"/>
                       <a:r>
                         <a:rPr lang="zh-CN" altLang="en-US" sz="1600" dirty="0"/>
-                        <a:t>（</a:t>
-                      </a:r>
-                      <a:r>
-                        <a:rPr lang="en-US" altLang="zh-CN" sz="1600" dirty="0"/>
-                        <a:t>1</a:t>
-                      </a:r>
-                      <a:r>
-                        <a:rPr lang="zh-CN" altLang="en-US" sz="1600" dirty="0"/>
-                        <a:t>）将完成的代码及对应手册上传至</a:t>
-                      </a:r>
-                      <a:r>
-                        <a:rPr lang="en-US" altLang="zh-CN" sz="1600" dirty="0"/>
-                        <a:t>GitHub</a:t>
-                      </a:r>
-                      <a:r>
-                        <a:rPr lang="zh-CN" altLang="en-US" sz="1600" dirty="0"/>
-                        <a:t>仓库。</a:t>
+                        <a:t>形成测试数据，处理分析。</a:t>
                       </a:r>
                       <a:endParaRPr lang="en-US" altLang="zh-CN" sz="1600" dirty="0"/>
-                    </a:p>
-                    <a:p>
-                      <a:pPr algn="l"/>
-                      <a:r>
-                        <a:rPr lang="zh-CN" altLang="en-US" sz="1600" dirty="0"/>
-                        <a:t>（</a:t>
-                      </a:r>
-                      <a:r>
-                        <a:rPr lang="en-US" altLang="zh-CN" sz="1600" dirty="0"/>
-                        <a:t>2</a:t>
-                      </a:r>
-                      <a:r>
-                        <a:rPr lang="zh-CN" altLang="en-US" sz="1600" dirty="0"/>
-                        <a:t>）形成测试数据，处理分析。</a:t>
-                      </a:r>
                     </a:p>
                   </a:txBody>
                   <a:tcPr/>
                 </a:tc>
                 <a:extLst>
                   <a:ext uri="{0D108BD9-81ED-4DB2-BD59-A6C34878D82A}">
-                    <a16:rowId xmlns:a16="http://schemas.microsoft.com/office/drawing/2014/main" val="2134409185"/>
+                    <a16:rowId xmlns:a16="http://schemas.microsoft.com/office/drawing/2014/main" val="3773198848"/>
                   </a:ext>
                 </a:extLst>
               </a:tr>
@@ -38266,15 +38030,7 @@
                       <a:pPr algn="l"/>
                       <a:r>
                         <a:rPr lang="zh-CN" altLang="en-US" sz="1600" dirty="0"/>
-                        <a:t>（</a:t>
-                      </a:r>
-                      <a:r>
-                        <a:rPr lang="en-US" altLang="zh-CN" sz="1600" dirty="0"/>
-                        <a:t>1</a:t>
-                      </a:r>
-                      <a:r>
-                        <a:rPr lang="zh-CN" altLang="en-US" sz="1600" dirty="0"/>
-                        <a:t>）完成毕业论文的文字产出。</a:t>
+                        <a:t>完成毕业论文的文字产出。</a:t>
                       </a:r>
                       <a:endParaRPr lang="en-US" altLang="zh-CN" sz="1600" dirty="0"/>
                     </a:p>
@@ -38448,15 +38204,7 @@
                       </a:pPr>
                       <a:r>
                         <a:rPr lang="zh-CN" altLang="en-US" sz="1600" dirty="0"/>
-                        <a:t>（</a:t>
-                      </a:r>
-                      <a:r>
-                        <a:rPr lang="en-US" altLang="zh-CN" sz="1600" dirty="0"/>
-                        <a:t>1</a:t>
-                      </a:r>
-                      <a:r>
-                        <a:rPr lang="zh-CN" altLang="en-US" sz="1600" dirty="0"/>
-                        <a:t>）通过毕业设计答辩。</a:t>
+                        <a:t>通过毕业设计答辩。</a:t>
                       </a:r>
                     </a:p>
                     <a:p>

--- a/doc/中期/中期_msj.pptx
+++ b/doc/中期/中期_msj.pptx
@@ -233,7 +233,7 @@
           <a:p>
             <a:fld id="{88A6F14E-B0BF-43F9-8D32-67B08E5E48BE}" type="datetimeFigureOut">
               <a:rPr lang="zh-CN" altLang="en-US" smtClean="0"/>
-              <a:t>2023/4/10</a:t>
+              <a:t>2023/4/21</a:t>
             </a:fld>
             <a:endParaRPr lang="zh-CN" altLang="en-US"/>
           </a:p>
@@ -411,7 +411,7 @@
           <a:p>
             <a:fld id="{66EF0C78-19D9-46FD-B99C-6242BF7357E3}" type="datetimeFigureOut">
               <a:rPr lang="zh-CN" altLang="en-US" smtClean="0"/>
-              <a:t>2023/4/10</a:t>
+              <a:t>2023/4/21</a:t>
             </a:fld>
             <a:endParaRPr lang="zh-CN" altLang="en-US"/>
           </a:p>
@@ -30381,7 +30381,7 @@
                 <a:ea typeface="微软雅黑" panose="020B0503020204020204" charset="-122"/>
                 <a:cs typeface="+mn-cs"/>
               </a:rPr>
-              <a:t>2023/4/10</a:t>
+              <a:t>2023/4/21</a:t>
             </a:fld>
             <a:endParaRPr kumimoji="0" lang="zh-CN" altLang="en-US" sz="1200" b="0" i="0" u="none" strike="noStrike" kern="1200" cap="none" spc="0" normalizeH="0" baseline="0" noProof="0">
               <a:ln>
@@ -31111,7 +31111,7 @@
             </a:r>
             <a:fld id="{D59A35C6-7D58-4C95-A60A-B688BEF8C3D6}" type="datetime1">
               <a:rPr lang="zh-CN" altLang="en-US" smtClean="0"/>
-              <a:t>2023/4/10</a:t>
+              <a:t>2023/4/21</a:t>
             </a:fld>
             <a:endParaRPr lang="zh-CN" altLang="en-US" dirty="0"/>
           </a:p>
@@ -33412,7 +33412,15 @@
             </a:r>
             <a:r>
               <a:rPr lang="zh-CN" altLang="en-US" sz="1800" dirty="0"/>
-              <a:t>路径调度算法，实现路况的动态实时计算迭代效果，并对其进行测试</a:t>
+              <a:t>路况计算</a:t>
+            </a:r>
+            <a:r>
+              <a:rPr lang="en-US" altLang="zh-CN" sz="1800" dirty="0"/>
+              <a:t>+</a:t>
+            </a:r>
+            <a:r>
+              <a:rPr lang="zh-CN" altLang="en-US" sz="1800" dirty="0"/>
+              <a:t>路径规划算法，实现路况的动态实时计算迭代效果，并对其进行测试</a:t>
             </a:r>
           </a:p>
           <a:p>
@@ -33952,6 +33960,40 @@
                 <a:t>优化</a:t>
               </a:r>
               <a:r>
+                <a:rPr kumimoji="0" lang="zh-CN" altLang="en-US" sz="2000" i="0" strike="noStrike" kern="1200" cap="none" spc="0" normalizeH="0" baseline="0" noProof="0" dirty="0">
+                  <a:ln>
+                    <a:noFill/>
+                  </a:ln>
+                  <a:solidFill>
+                    <a:prstClr val="black"/>
+                  </a:solidFill>
+                  <a:effectLst/>
+                  <a:uLnTx/>
+                  <a:uFillTx/>
+                  <a:latin typeface="微软雅黑"/>
+                  <a:ea typeface="微软雅黑"/>
+                  <a:cs typeface="+mn-cs"/>
+                </a:rPr>
+                <a:t>路况计算</a:t>
+              </a:r>
+              <a:r>
+                <a:rPr kumimoji="0" lang="en-US" altLang="zh-CN" sz="2000" i="0" strike="noStrike" kern="1200" cap="none" spc="0" normalizeH="0" baseline="0" noProof="0" dirty="0">
+                  <a:ln>
+                    <a:noFill/>
+                  </a:ln>
+                  <a:solidFill>
+                    <a:prstClr val="black"/>
+                  </a:solidFill>
+                  <a:effectLst/>
+                  <a:uLnTx/>
+                  <a:uFillTx/>
+                  <a:latin typeface="微软雅黑"/>
+                  <a:ea typeface="微软雅黑"/>
+                  <a:cs typeface="+mn-cs"/>
+                </a:rPr>
+                <a:t>+</a:t>
+              </a:r>
+              <a:r>
                 <a:rPr kumimoji="0" lang="zh-CN" altLang="en-US" sz="2000" b="0" i="0" u="none" strike="noStrike" kern="1200" cap="none" spc="0" normalizeH="0" baseline="0" noProof="0" dirty="0">
                   <a:ln>
                     <a:noFill/>
@@ -33966,7 +34008,7 @@
                   <a:ea typeface="微软雅黑"/>
                   <a:cs typeface="+mn-cs"/>
                 </a:rPr>
-                <a:t>路径调度算法</a:t>
+                <a:t>路径规划算法</a:t>
               </a:r>
             </a:p>
             <a:p>
@@ -36142,7 +36184,15 @@
             </a:pPr>
             <a:r>
               <a:rPr lang="zh-CN" altLang="en-US" b="1" dirty="0"/>
-              <a:t>正在优化路径规划算法</a:t>
+              <a:t>正在优化路况计算</a:t>
+            </a:r>
+            <a:r>
+              <a:rPr lang="en-US" altLang="zh-CN" b="1" dirty="0"/>
+              <a:t>+</a:t>
+            </a:r>
+            <a:r>
+              <a:rPr lang="zh-CN" altLang="en-US" b="1" dirty="0"/>
+              <a:t>路径规划算法</a:t>
             </a:r>
             <a:endParaRPr lang="en-US" altLang="zh-CN" b="1" dirty="0"/>
           </a:p>
@@ -36154,7 +36204,15 @@
             </a:pPr>
             <a:r>
               <a:rPr lang="zh-CN" altLang="en-US" sz="2000" dirty="0"/>
-              <a:t>完成了路径规划算法的思路细化，给出了</a:t>
+              <a:t>完成了路况计算</a:t>
+            </a:r>
+            <a:r>
+              <a:rPr lang="en-US" altLang="zh-CN" sz="2000" dirty="0"/>
+              <a:t>+</a:t>
+            </a:r>
+            <a:r>
+              <a:rPr lang="zh-CN" altLang="en-US" sz="2000" dirty="0"/>
+              <a:t>路径规划算法的思路细化，给出了</a:t>
             </a:r>
             <a:r>
               <a:rPr lang="zh-CN" altLang="en-US" sz="2000" dirty="0">
@@ -36567,8 +36625,8 @@
         </p:nvSpPr>
         <p:spPr>
           <a:xfrm>
-            <a:off x="502990" y="1285014"/>
-            <a:ext cx="11186020" cy="4466877"/>
+            <a:off x="502990" y="1034973"/>
+            <a:ext cx="11186020" cy="5038313"/>
           </a:xfrm>
           <a:prstGeom prst="rect">
             <a:avLst/>
@@ -36894,9 +36952,41 @@
             </a:pPr>
             <a:r>
               <a:rPr lang="zh-CN" altLang="en-US" sz="1600" dirty="0"/>
-              <a:t>新规划：以路径规划算法的优化为主要实现目标，如果有余下的空闲时间，可以对当前的信誉值模型进行改进</a:t>
+              <a:t>新规划</a:t>
             </a:r>
             <a:endParaRPr lang="en-US" altLang="zh-CN" sz="1600" dirty="0"/>
+          </a:p>
+          <a:p>
+            <a:pPr lvl="3">
+              <a:lnSpc>
+                <a:spcPct val="120000"/>
+              </a:lnSpc>
+            </a:pPr>
+            <a:r>
+              <a:rPr lang="zh-CN" altLang="en-US" sz="1400" dirty="0"/>
+              <a:t>以路况计算</a:t>
+            </a:r>
+            <a:r>
+              <a:rPr lang="en-US" altLang="zh-CN" sz="1400" dirty="0"/>
+              <a:t>+</a:t>
+            </a:r>
+            <a:r>
+              <a:rPr lang="zh-CN" altLang="en-US" sz="1400" dirty="0"/>
+              <a:t>路径规划算法的优化为主要实现目标</a:t>
+            </a:r>
+            <a:endParaRPr lang="en-US" altLang="zh-CN" sz="1400" dirty="0"/>
+          </a:p>
+          <a:p>
+            <a:pPr lvl="3">
+              <a:lnSpc>
+                <a:spcPct val="120000"/>
+              </a:lnSpc>
+            </a:pPr>
+            <a:r>
+              <a:rPr lang="zh-CN" altLang="en-US" sz="1400" dirty="0"/>
+              <a:t>如果有余下的空闲时间，可以对当前的信誉值模型进行改进</a:t>
+            </a:r>
+            <a:endParaRPr lang="en-US" altLang="zh-CN" sz="1400" dirty="0"/>
           </a:p>
         </p:txBody>
       </p:sp>
@@ -37173,7 +37263,7 @@
           <p:nvPr>
             <p:extLst>
               <p:ext uri="{D42A27DB-BD31-4B8C-83A1-F6EECF244321}">
-                <p14:modId xmlns:p14="http://schemas.microsoft.com/office/powerpoint/2010/main" val="4106941821"/>
+                <p14:modId xmlns:p14="http://schemas.microsoft.com/office/powerpoint/2010/main" val="1223188565"/>
               </p:ext>
             </p:extLst>
           </p:nvPr>
@@ -37397,7 +37487,25 @@
                           </a:solidFill>
                           <a:effectLst/>
                         </a:rPr>
-                        <a:t>完成“路径规划算法”的开发：</a:t>
+                        <a:t>完成“路况计算</a:t>
+                      </a:r>
+                      <a:r>
+                        <a:rPr lang="en-US" altLang="zh-CN" sz="1800" kern="1200" dirty="0">
+                          <a:solidFill>
+                            <a:schemeClr val="dk1"/>
+                          </a:solidFill>
+                          <a:effectLst/>
+                        </a:rPr>
+                        <a:t>+</a:t>
+                      </a:r>
+                      <a:r>
+                        <a:rPr lang="zh-CN" altLang="en-US" sz="1800" kern="1200" dirty="0">
+                          <a:solidFill>
+                            <a:schemeClr val="dk1"/>
+                          </a:solidFill>
+                          <a:effectLst/>
+                        </a:rPr>
+                        <a:t>路径规划算法”的开发：</a:t>
                       </a:r>
                       <a:endParaRPr lang="en-US" altLang="zh-CN" sz="1800" kern="1200" dirty="0">
                         <a:solidFill>
